--- a/Teaching/Chemistry/Labs/FCC Chem 3A Expt 7a Calorimetry.pptx
+++ b/Teaching/Chemistry/Labs/FCC Chem 3A Expt 7a Calorimetry.pptx
@@ -5,7 +5,7 @@
     <p:sldMasterId id="2147483803" r:id="rId1"/>
   </p:sldMasterIdLst>
   <p:notesMasterIdLst>
-    <p:notesMasterId r:id="rId15"/>
+    <p:notesMasterId r:id="rId16"/>
   </p:notesMasterIdLst>
   <p:sldIdLst>
     <p:sldId id="608" r:id="rId2"/>
@@ -15,12 +15,13 @@
     <p:sldId id="619" r:id="rId6"/>
     <p:sldId id="620" r:id="rId7"/>
     <p:sldId id="613" r:id="rId8"/>
-    <p:sldId id="610" r:id="rId9"/>
-    <p:sldId id="617" r:id="rId10"/>
-    <p:sldId id="622" r:id="rId11"/>
-    <p:sldId id="621" r:id="rId12"/>
-    <p:sldId id="623" r:id="rId13"/>
-    <p:sldId id="612" r:id="rId14"/>
+    <p:sldId id="624" r:id="rId9"/>
+    <p:sldId id="610" r:id="rId10"/>
+    <p:sldId id="617" r:id="rId11"/>
+    <p:sldId id="622" r:id="rId12"/>
+    <p:sldId id="621" r:id="rId13"/>
+    <p:sldId id="623" r:id="rId14"/>
+    <p:sldId id="612" r:id="rId15"/>
   </p:sldIdLst>
   <p:sldSz cx="9144000" cy="6858000" type="screen4x3"/>
   <p:notesSz cx="7315200" cy="9601200"/>
@@ -679,6 +680,118 @@
         </p:txBody>
       </p:sp>
     </p:spTree>
+  </p:cSld>
+  <p:clrMapOvr>
+    <a:masterClrMapping/>
+  </p:clrMapOvr>
+</p:notes>
+</file>
+
+<file path=ppt/notesSlides/notesSlide2.xml><?xml version="1.0" encoding="utf-8"?>
+<p:notes xmlns:a="http://schemas.openxmlformats.org/drawingml/2006/main" xmlns:r="http://schemas.openxmlformats.org/officeDocument/2006/relationships" xmlns:p="http://schemas.openxmlformats.org/presentationml/2006/main">
+  <p:cSld>
+    <p:spTree>
+      <p:nvGrpSpPr>
+        <p:cNvPr id="1" name=""/>
+        <p:cNvGrpSpPr/>
+        <p:nvPr/>
+      </p:nvGrpSpPr>
+      <p:grpSpPr>
+        <a:xfrm>
+          <a:off x="0" y="0"/>
+          <a:ext cx="0" cy="0"/>
+          <a:chOff x="0" y="0"/>
+          <a:chExt cx="0" cy="0"/>
+        </a:xfrm>
+      </p:grpSpPr>
+      <p:sp>
+        <p:nvSpPr>
+          <p:cNvPr id="2" name="Slide Image Placeholder 1"/>
+          <p:cNvSpPr>
+            <a:spLocks noGrp="1" noRot="1" noChangeAspect="1"/>
+          </p:cNvSpPr>
+          <p:nvPr>
+            <p:ph type="sldImg"/>
+          </p:nvPr>
+        </p:nvSpPr>
+        <p:spPr/>
+      </p:sp>
+      <p:sp>
+        <p:nvSpPr>
+          <p:cNvPr id="3" name="Notes Placeholder 2"/>
+          <p:cNvSpPr>
+            <a:spLocks noGrp="1"/>
+          </p:cNvSpPr>
+          <p:nvPr>
+            <p:ph type="body" idx="1"/>
+          </p:nvPr>
+        </p:nvSpPr>
+        <p:spPr/>
+        <p:txBody>
+          <a:bodyPr/>
+          <a:lstStyle/>
+          <a:p>
+            <a:r>
+              <a:rPr lang="en-US" dirty="0"/>
+              <a:t>https://www.youtube.com/watch?v=3s8G_hK7dsE</a:t>
+            </a:r>
+          </a:p>
+          <a:p>
+            <a:r>
+              <a:rPr lang="en-US" dirty="0"/>
+              <a:t>https://www.youtube.com/watch?v=fSiHg34xte0</a:t>
+            </a:r>
+          </a:p>
+          <a:p>
+            <a:r>
+              <a:rPr lang="en-US" dirty="0"/>
+              <a:t>https://www.youtube.com/watch?v=12iseXhVjOU</a:t>
+            </a:r>
+          </a:p>
+          <a:p>
+            <a:r>
+              <a:rPr lang="en-US" dirty="0"/>
+              <a:t>https://www.youtube.com/watch?v=BGbWuiwBauI</a:t>
+            </a:r>
+          </a:p>
+          <a:p>
+            <a:r>
+              <a:rPr lang="en-US" dirty="0"/>
+              <a:t>https://www.youtube.com/watch?v=WatGC0bw8jw</a:t>
+            </a:r>
+          </a:p>
+        </p:txBody>
+      </p:sp>
+      <p:sp>
+        <p:nvSpPr>
+          <p:cNvPr id="4" name="Slide Number Placeholder 3"/>
+          <p:cNvSpPr>
+            <a:spLocks noGrp="1"/>
+          </p:cNvSpPr>
+          <p:nvPr>
+            <p:ph type="sldNum" sz="quarter" idx="5"/>
+          </p:nvPr>
+        </p:nvSpPr>
+        <p:spPr/>
+        <p:txBody>
+          <a:bodyPr/>
+          <a:lstStyle/>
+          <a:p>
+            <a:fld id="{F80B39F9-9779-49E4-9061-3C452DBF8DE4}" type="slidenum">
+              <a:rPr lang="en-US" smtClean="0"/>
+              <a:pPr/>
+              <a:t>2</a:t>
+            </a:fld>
+            <a:endParaRPr lang="en-US"/>
+          </a:p>
+        </p:txBody>
+      </p:sp>
+    </p:spTree>
+    <p:extLst>
+      <p:ext uri="{BB962C8B-B14F-4D97-AF65-F5344CB8AC3E}">
+        <p14:creationId xmlns:p14="http://schemas.microsoft.com/office/powerpoint/2010/main" val="2346542210"/>
+      </p:ext>
+    </p:extLst>
   </p:cSld>
   <p:clrMapOvr>
     <a:masterClrMapping/>
@@ -10488,6 +10601,261 @@
         <p:cNvPr id="1" name="">
           <a:extLst>
             <a:ext uri="{FF2B5EF4-FFF2-40B4-BE49-F238E27FC236}">
+              <a16:creationId xmlns:a16="http://schemas.microsoft.com/office/drawing/2014/main" id="{4EB46B47-6540-F52F-1F64-854396E70E55}"/>
+            </a:ext>
+          </a:extLst>
+        </p:cNvPr>
+        <p:cNvGrpSpPr/>
+        <p:nvPr/>
+      </p:nvGrpSpPr>
+      <p:grpSpPr>
+        <a:xfrm>
+          <a:off x="0" y="0"/>
+          <a:ext cx="0" cy="0"/>
+          <a:chOff x="0" y="0"/>
+          <a:chExt cx="0" cy="0"/>
+        </a:xfrm>
+      </p:grpSpPr>
+      <p:sp>
+        <p:nvSpPr>
+          <p:cNvPr id="2" name="Title 1">
+            <a:extLst>
+              <a:ext uri="{FF2B5EF4-FFF2-40B4-BE49-F238E27FC236}">
+                <a16:creationId xmlns:a16="http://schemas.microsoft.com/office/drawing/2014/main" id="{F6F2263F-7C9A-1678-6FE0-453CEF2400AF}"/>
+              </a:ext>
+            </a:extLst>
+          </p:cNvPr>
+          <p:cNvSpPr>
+            <a:spLocks noGrp="1"/>
+          </p:cNvSpPr>
+          <p:nvPr>
+            <p:ph type="title"/>
+          </p:nvPr>
+        </p:nvSpPr>
+        <p:spPr>
+          <a:xfrm>
+            <a:off x="338666" y="183025"/>
+            <a:ext cx="8421512" cy="769441"/>
+          </a:xfrm>
+        </p:spPr>
+        <p:txBody>
+          <a:bodyPr/>
+          <a:lstStyle/>
+          <a:p>
+            <a:r>
+              <a:rPr lang="en-US" sz="4400" dirty="0"/>
+              <a:t>Procedure</a:t>
+            </a:r>
+          </a:p>
+        </p:txBody>
+      </p:sp>
+      <p:sp>
+        <p:nvSpPr>
+          <p:cNvPr id="6" name="Content Placeholder 5">
+            <a:extLst>
+              <a:ext uri="{FF2B5EF4-FFF2-40B4-BE49-F238E27FC236}">
+                <a16:creationId xmlns:a16="http://schemas.microsoft.com/office/drawing/2014/main" id="{003BDB66-1E78-B72D-677D-D6B5050E2008}"/>
+              </a:ext>
+            </a:extLst>
+          </p:cNvPr>
+          <p:cNvSpPr>
+            <a:spLocks noGrp="1"/>
+          </p:cNvSpPr>
+          <p:nvPr>
+            <p:ph idx="1"/>
+          </p:nvPr>
+        </p:nvSpPr>
+        <p:spPr>
+          <a:xfrm>
+            <a:off x="372533" y="952466"/>
+            <a:ext cx="8387645" cy="5595089"/>
+          </a:xfrm>
+        </p:spPr>
+        <p:txBody>
+          <a:bodyPr/>
+          <a:lstStyle/>
+          <a:p>
+            <a:pPr marL="0" indent="0">
+              <a:buNone/>
+            </a:pPr>
+            <a:r>
+              <a:rPr lang="en-US" sz="2800" i="1" dirty="0">
+                <a:solidFill>
+                  <a:srgbClr val="00FF00"/>
+                </a:solidFill>
+              </a:rPr>
+              <a:t>Before Reaction</a:t>
+            </a:r>
+          </a:p>
+          <a:p>
+            <a:pPr marL="457200" indent="-457200">
+              <a:buFont typeface="+mj-lt"/>
+              <a:buAutoNum type="arabicPeriod"/>
+            </a:pPr>
+            <a:r>
+              <a:rPr lang="en-US" dirty="0"/>
+              <a:t>Determine mass of empty </a:t>
+            </a:r>
+            <a:r>
+              <a:rPr lang="en-US" dirty="0">
+                <a:solidFill>
+                  <a:schemeClr val="accent1">
+                    <a:lumMod val="60000"/>
+                    <a:lumOff val="40000"/>
+                  </a:schemeClr>
+                </a:solidFill>
+              </a:rPr>
+              <a:t>crucible</a:t>
+            </a:r>
+            <a:r>
+              <a:rPr lang="en-US" dirty="0"/>
+              <a:t> (A)</a:t>
+            </a:r>
+          </a:p>
+          <a:p>
+            <a:pPr marL="457200" indent="-457200">
+              <a:buFont typeface="+mj-lt"/>
+              <a:buAutoNum type="arabicPeriod"/>
+            </a:pPr>
+            <a:r>
+              <a:rPr lang="en-US" dirty="0"/>
+              <a:t>Get </a:t>
+            </a:r>
+            <a:r>
+              <a:rPr lang="en-US" dirty="0">
+                <a:solidFill>
+                  <a:srgbClr val="FF9933"/>
+                </a:solidFill>
+              </a:rPr>
+              <a:t>copper wire</a:t>
+            </a:r>
+            <a:r>
+              <a:rPr lang="en-US" dirty="0"/>
+              <a:t>, </a:t>
+            </a:r>
+            <a:r>
+              <a:rPr lang="en-US" dirty="0">
+                <a:solidFill>
+                  <a:srgbClr val="FFFF00"/>
+                </a:solidFill>
+              </a:rPr>
+              <a:t>coil</a:t>
+            </a:r>
+            <a:r>
+              <a:rPr lang="en-US" dirty="0"/>
+              <a:t> it to fit in </a:t>
+            </a:r>
+            <a:r>
+              <a:rPr lang="en-US" dirty="0">
+                <a:solidFill>
+                  <a:schemeClr val="accent1">
+                    <a:lumMod val="60000"/>
+                    <a:lumOff val="40000"/>
+                  </a:schemeClr>
+                </a:solidFill>
+              </a:rPr>
+              <a:t>crucible</a:t>
+            </a:r>
+            <a:r>
+              <a:rPr lang="en-US" dirty="0"/>
+              <a:t>. Record the physical properties, and then the mass of the wire in crucible (B)</a:t>
+            </a:r>
+          </a:p>
+          <a:p>
+            <a:pPr marL="457200" indent="-457200">
+              <a:buFont typeface="+mj-lt"/>
+              <a:buAutoNum type="arabicPeriod"/>
+            </a:pPr>
+            <a:r>
+              <a:rPr lang="en-US" dirty="0"/>
+              <a:t>On </a:t>
+            </a:r>
+            <a:r>
+              <a:rPr lang="en-US" dirty="0">
+                <a:solidFill>
+                  <a:schemeClr val="accent1">
+                    <a:lumMod val="60000"/>
+                    <a:lumOff val="40000"/>
+                  </a:schemeClr>
+                </a:solidFill>
+              </a:rPr>
+              <a:t>glassine paper</a:t>
+            </a:r>
+            <a:r>
+              <a:rPr lang="en-US" dirty="0"/>
+              <a:t>, use </a:t>
+            </a:r>
+            <a:r>
+              <a:rPr lang="en-US" dirty="0">
+                <a:solidFill>
+                  <a:schemeClr val="accent1">
+                    <a:lumMod val="60000"/>
+                    <a:lumOff val="40000"/>
+                  </a:schemeClr>
+                </a:solidFill>
+              </a:rPr>
+              <a:t>scoopula</a:t>
+            </a:r>
+            <a:r>
+              <a:rPr lang="en-US" dirty="0"/>
+              <a:t> to get 2-4 g </a:t>
+            </a:r>
+            <a:r>
+              <a:rPr lang="en-US" dirty="0">
+                <a:solidFill>
+                  <a:srgbClr val="FF9933"/>
+                </a:solidFill>
+              </a:rPr>
+              <a:t>sulfur</a:t>
+            </a:r>
+            <a:r>
+              <a:rPr lang="en-US" dirty="0"/>
+              <a:t>. Add to the crucible to cover the coiled wire. Record total mass in crucible (C)</a:t>
+            </a:r>
+          </a:p>
+          <a:p>
+            <a:pPr marL="0" indent="0">
+              <a:buNone/>
+            </a:pPr>
+            <a:endParaRPr lang="en-US" dirty="0"/>
+          </a:p>
+          <a:p>
+            <a:pPr marL="457200" indent="-457200">
+              <a:buFont typeface="+mj-lt"/>
+              <a:buAutoNum type="arabicPeriod"/>
+            </a:pPr>
+            <a:endParaRPr lang="en-US" dirty="0"/>
+          </a:p>
+          <a:p>
+            <a:pPr marL="457200" indent="-457200">
+              <a:buFont typeface="+mj-lt"/>
+              <a:buAutoNum type="arabicPeriod"/>
+            </a:pPr>
+            <a:endParaRPr lang="en-US" sz="2800" dirty="0"/>
+          </a:p>
+        </p:txBody>
+      </p:sp>
+    </p:spTree>
+    <p:extLst>
+      <p:ext uri="{BB962C8B-B14F-4D97-AF65-F5344CB8AC3E}">
+        <p14:creationId xmlns:p14="http://schemas.microsoft.com/office/powerpoint/2010/main" val="3789276793"/>
+      </p:ext>
+    </p:extLst>
+  </p:cSld>
+  <p:clrMapOvr>
+    <a:masterClrMapping/>
+  </p:clrMapOvr>
+</p:sld>
+</file>
+
+<file path=ppt/slides/slide11.xml><?xml version="1.0" encoding="utf-8"?>
+<p:sld xmlns:a="http://schemas.openxmlformats.org/drawingml/2006/main" xmlns:r="http://schemas.openxmlformats.org/officeDocument/2006/relationships" xmlns:p="http://schemas.openxmlformats.org/presentationml/2006/main">
+  <p:cSld>
+    <p:spTree>
+      <p:nvGrpSpPr>
+        <p:cNvPr id="1" name="">
+          <a:extLst>
+            <a:ext uri="{FF2B5EF4-FFF2-40B4-BE49-F238E27FC236}">
               <a16:creationId xmlns:a16="http://schemas.microsoft.com/office/drawing/2014/main" id="{80032430-C568-9444-018A-4A293518DCCA}"/>
             </a:ext>
           </a:extLst>
@@ -10766,7 +11134,7 @@
 </p:sld>
 </file>
 
-<file path=ppt/slides/slide11.xml><?xml version="1.0" encoding="utf-8"?>
+<file path=ppt/slides/slide12.xml><?xml version="1.0" encoding="utf-8"?>
 <p:sld xmlns:a="http://schemas.openxmlformats.org/drawingml/2006/main" xmlns:r="http://schemas.openxmlformats.org/officeDocument/2006/relationships" xmlns:p="http://schemas.openxmlformats.org/presentationml/2006/main">
   <p:cSld>
     <p:spTree>
@@ -10965,7 +11333,7 @@
 </p:sld>
 </file>
 
-<file path=ppt/slides/slide12.xml><?xml version="1.0" encoding="utf-8"?>
+<file path=ppt/slides/slide13.xml><?xml version="1.0" encoding="utf-8"?>
 <p:sld xmlns:a="http://schemas.openxmlformats.org/drawingml/2006/main" xmlns:r="http://schemas.openxmlformats.org/officeDocument/2006/relationships" xmlns:p="http://schemas.openxmlformats.org/presentationml/2006/main">
   <p:cSld>
     <p:spTree>
@@ -11558,7 +11926,7 @@
 </p:sld>
 </file>
 
-<file path=ppt/slides/slide13.xml><?xml version="1.0" encoding="utf-8"?>
+<file path=ppt/slides/slide14.xml><?xml version="1.0" encoding="utf-8"?>
 <p:sld xmlns:a="http://schemas.openxmlformats.org/drawingml/2006/main" xmlns:r="http://schemas.openxmlformats.org/officeDocument/2006/relationships" xmlns:p="http://schemas.openxmlformats.org/presentationml/2006/main">
   <p:cSld>
     <p:spTree>
@@ -11783,36 +12151,6 @@
           </a:p>
         </p:txBody>
       </p:sp>
-      <p:pic>
-        <p:nvPicPr>
-          <p:cNvPr id="7" name="Picture 6">
-            <a:extLst>
-              <a:ext uri="{FF2B5EF4-FFF2-40B4-BE49-F238E27FC236}">
-                <a16:creationId xmlns:a16="http://schemas.microsoft.com/office/drawing/2014/main" id="{F8DB96C6-A975-B61F-73F4-8AC25ECD277E}"/>
-              </a:ext>
-            </a:extLst>
-          </p:cNvPr>
-          <p:cNvPicPr>
-            <a:picLocks noChangeAspect="1"/>
-          </p:cNvPicPr>
-          <p:nvPr/>
-        </p:nvPicPr>
-        <p:blipFill>
-          <a:blip r:embed="rId2"/>
-          <a:stretch>
-            <a:fillRect/>
-          </a:stretch>
-        </p:blipFill>
-        <p:spPr>
-          <a:xfrm>
-            <a:off x="169331" y="3605417"/>
-            <a:ext cx="8794045" cy="3119903"/>
-          </a:xfrm>
-          <a:prstGeom prst="rect">
-            <a:avLst/>
-          </a:prstGeom>
-        </p:spPr>
-      </p:pic>
     </p:spTree>
     <p:extLst>
       <p:ext uri="{BB962C8B-B14F-4D97-AF65-F5344CB8AC3E}">
@@ -13053,6 +13391,115 @@
         <p:cNvPr id="1" name="">
           <a:extLst>
             <a:ext uri="{FF2B5EF4-FFF2-40B4-BE49-F238E27FC236}">
+              <a16:creationId xmlns:a16="http://schemas.microsoft.com/office/drawing/2014/main" id="{C66D0D09-83DA-63AC-E206-8A919790A5FD}"/>
+            </a:ext>
+          </a:extLst>
+        </p:cNvPr>
+        <p:cNvGrpSpPr/>
+        <p:nvPr/>
+      </p:nvGrpSpPr>
+      <p:grpSpPr>
+        <a:xfrm>
+          <a:off x="0" y="0"/>
+          <a:ext cx="0" cy="0"/>
+          <a:chOff x="0" y="0"/>
+          <a:chExt cx="0" cy="0"/>
+        </a:xfrm>
+      </p:grpSpPr>
+      <p:pic>
+        <p:nvPicPr>
+          <p:cNvPr id="7" name="Content Placeholder 6">
+            <a:extLst>
+              <a:ext uri="{FF2B5EF4-FFF2-40B4-BE49-F238E27FC236}">
+                <a16:creationId xmlns:a16="http://schemas.microsoft.com/office/drawing/2014/main" id="{36394688-0D3B-B6A6-8E1C-AC94EFC2EB7E}"/>
+              </a:ext>
+            </a:extLst>
+          </p:cNvPr>
+          <p:cNvPicPr>
+            <a:picLocks noGrp="1" noChangeAspect="1"/>
+          </p:cNvPicPr>
+          <p:nvPr>
+            <p:ph idx="1"/>
+          </p:nvPr>
+        </p:nvPicPr>
+        <p:blipFill>
+          <a:blip r:embed="rId2"/>
+          <a:stretch>
+            <a:fillRect/>
+          </a:stretch>
+        </p:blipFill>
+        <p:spPr bwMode="auto">
+          <a:xfrm>
+            <a:off x="1603779" y="1495936"/>
+            <a:ext cx="5582429" cy="4048690"/>
+          </a:xfrm>
+          <a:prstGeom prst="rect">
+            <a:avLst/>
+          </a:prstGeom>
+          <a:noFill/>
+          <a:ln w="9525">
+            <a:noFill/>
+            <a:miter lim="800000"/>
+            <a:headEnd/>
+            <a:tailEnd/>
+          </a:ln>
+          <a:effectLst/>
+        </p:spPr>
+      </p:pic>
+      <p:sp>
+        <p:nvSpPr>
+          <p:cNvPr id="2" name="Title 1">
+            <a:extLst>
+              <a:ext uri="{FF2B5EF4-FFF2-40B4-BE49-F238E27FC236}">
+                <a16:creationId xmlns:a16="http://schemas.microsoft.com/office/drawing/2014/main" id="{2760BF67-BCE6-0437-8B85-0A21445CDDAD}"/>
+              </a:ext>
+            </a:extLst>
+          </p:cNvPr>
+          <p:cNvSpPr>
+            <a:spLocks noGrp="1"/>
+          </p:cNvSpPr>
+          <p:nvPr>
+            <p:ph type="title"/>
+          </p:nvPr>
+        </p:nvSpPr>
+        <p:spPr>
+          <a:xfrm>
+            <a:off x="338666" y="122984"/>
+            <a:ext cx="8421512" cy="830997"/>
+          </a:xfrm>
+        </p:spPr>
+        <p:txBody>
+          <a:bodyPr/>
+          <a:lstStyle/>
+          <a:p>
+            <a:r>
+              <a:rPr lang="en-US" dirty="0"/>
+              <a:t>Consumables</a:t>
+            </a:r>
+          </a:p>
+        </p:txBody>
+      </p:sp>
+    </p:spTree>
+    <p:extLst>
+      <p:ext uri="{BB962C8B-B14F-4D97-AF65-F5344CB8AC3E}">
+        <p14:creationId xmlns:p14="http://schemas.microsoft.com/office/powerpoint/2010/main" val="3637448555"/>
+      </p:ext>
+    </p:extLst>
+  </p:cSld>
+  <p:clrMapOvr>
+    <a:masterClrMapping/>
+  </p:clrMapOvr>
+</p:sld>
+</file>
+
+<file path=ppt/slides/slide9.xml><?xml version="1.0" encoding="utf-8"?>
+<p:sld xmlns:a="http://schemas.openxmlformats.org/drawingml/2006/main" xmlns:r="http://schemas.openxmlformats.org/officeDocument/2006/relationships" xmlns:p="http://schemas.openxmlformats.org/presentationml/2006/main">
+  <p:cSld>
+    <p:spTree>
+      <p:nvGrpSpPr>
+        <p:cNvPr id="1" name="">
+          <a:extLst>
+            <a:ext uri="{FF2B5EF4-FFF2-40B4-BE49-F238E27FC236}">
               <a16:creationId xmlns:a16="http://schemas.microsoft.com/office/drawing/2014/main" id="{6E1BA83F-7B22-8A01-2FE3-CCC1C22CD109}"/>
             </a:ext>
           </a:extLst>
@@ -13196,261 +13643,6 @@
     <p:extLst>
       <p:ext uri="{BB962C8B-B14F-4D97-AF65-F5344CB8AC3E}">
         <p14:creationId xmlns:p14="http://schemas.microsoft.com/office/powerpoint/2010/main" val="3952654810"/>
-      </p:ext>
-    </p:extLst>
-  </p:cSld>
-  <p:clrMapOvr>
-    <a:masterClrMapping/>
-  </p:clrMapOvr>
-</p:sld>
-</file>
-
-<file path=ppt/slides/slide9.xml><?xml version="1.0" encoding="utf-8"?>
-<p:sld xmlns:a="http://schemas.openxmlformats.org/drawingml/2006/main" xmlns:r="http://schemas.openxmlformats.org/officeDocument/2006/relationships" xmlns:p="http://schemas.openxmlformats.org/presentationml/2006/main">
-  <p:cSld>
-    <p:spTree>
-      <p:nvGrpSpPr>
-        <p:cNvPr id="1" name="">
-          <a:extLst>
-            <a:ext uri="{FF2B5EF4-FFF2-40B4-BE49-F238E27FC236}">
-              <a16:creationId xmlns:a16="http://schemas.microsoft.com/office/drawing/2014/main" id="{4EB46B47-6540-F52F-1F64-854396E70E55}"/>
-            </a:ext>
-          </a:extLst>
-        </p:cNvPr>
-        <p:cNvGrpSpPr/>
-        <p:nvPr/>
-      </p:nvGrpSpPr>
-      <p:grpSpPr>
-        <a:xfrm>
-          <a:off x="0" y="0"/>
-          <a:ext cx="0" cy="0"/>
-          <a:chOff x="0" y="0"/>
-          <a:chExt cx="0" cy="0"/>
-        </a:xfrm>
-      </p:grpSpPr>
-      <p:sp>
-        <p:nvSpPr>
-          <p:cNvPr id="2" name="Title 1">
-            <a:extLst>
-              <a:ext uri="{FF2B5EF4-FFF2-40B4-BE49-F238E27FC236}">
-                <a16:creationId xmlns:a16="http://schemas.microsoft.com/office/drawing/2014/main" id="{F6F2263F-7C9A-1678-6FE0-453CEF2400AF}"/>
-              </a:ext>
-            </a:extLst>
-          </p:cNvPr>
-          <p:cNvSpPr>
-            <a:spLocks noGrp="1"/>
-          </p:cNvSpPr>
-          <p:nvPr>
-            <p:ph type="title"/>
-          </p:nvPr>
-        </p:nvSpPr>
-        <p:spPr>
-          <a:xfrm>
-            <a:off x="338666" y="183025"/>
-            <a:ext cx="8421512" cy="769441"/>
-          </a:xfrm>
-        </p:spPr>
-        <p:txBody>
-          <a:bodyPr/>
-          <a:lstStyle/>
-          <a:p>
-            <a:r>
-              <a:rPr lang="en-US" sz="4400" dirty="0"/>
-              <a:t>Procedure</a:t>
-            </a:r>
-          </a:p>
-        </p:txBody>
-      </p:sp>
-      <p:sp>
-        <p:nvSpPr>
-          <p:cNvPr id="6" name="Content Placeholder 5">
-            <a:extLst>
-              <a:ext uri="{FF2B5EF4-FFF2-40B4-BE49-F238E27FC236}">
-                <a16:creationId xmlns:a16="http://schemas.microsoft.com/office/drawing/2014/main" id="{003BDB66-1E78-B72D-677D-D6B5050E2008}"/>
-              </a:ext>
-            </a:extLst>
-          </p:cNvPr>
-          <p:cNvSpPr>
-            <a:spLocks noGrp="1"/>
-          </p:cNvSpPr>
-          <p:nvPr>
-            <p:ph idx="1"/>
-          </p:nvPr>
-        </p:nvSpPr>
-        <p:spPr>
-          <a:xfrm>
-            <a:off x="372533" y="952466"/>
-            <a:ext cx="8387645" cy="5595089"/>
-          </a:xfrm>
-        </p:spPr>
-        <p:txBody>
-          <a:bodyPr/>
-          <a:lstStyle/>
-          <a:p>
-            <a:pPr marL="0" indent="0">
-              <a:buNone/>
-            </a:pPr>
-            <a:r>
-              <a:rPr lang="en-US" sz="2800" i="1" dirty="0">
-                <a:solidFill>
-                  <a:srgbClr val="00FF00"/>
-                </a:solidFill>
-              </a:rPr>
-              <a:t>Before Reaction</a:t>
-            </a:r>
-          </a:p>
-          <a:p>
-            <a:pPr marL="457200" indent="-457200">
-              <a:buFont typeface="+mj-lt"/>
-              <a:buAutoNum type="arabicPeriod"/>
-            </a:pPr>
-            <a:r>
-              <a:rPr lang="en-US" dirty="0"/>
-              <a:t>Determine mass of empty </a:t>
-            </a:r>
-            <a:r>
-              <a:rPr lang="en-US" dirty="0">
-                <a:solidFill>
-                  <a:schemeClr val="accent1">
-                    <a:lumMod val="60000"/>
-                    <a:lumOff val="40000"/>
-                  </a:schemeClr>
-                </a:solidFill>
-              </a:rPr>
-              <a:t>crucible</a:t>
-            </a:r>
-            <a:r>
-              <a:rPr lang="en-US" dirty="0"/>
-              <a:t> (A)</a:t>
-            </a:r>
-          </a:p>
-          <a:p>
-            <a:pPr marL="457200" indent="-457200">
-              <a:buFont typeface="+mj-lt"/>
-              <a:buAutoNum type="arabicPeriod"/>
-            </a:pPr>
-            <a:r>
-              <a:rPr lang="en-US" dirty="0"/>
-              <a:t>Get </a:t>
-            </a:r>
-            <a:r>
-              <a:rPr lang="en-US" dirty="0">
-                <a:solidFill>
-                  <a:srgbClr val="FF9933"/>
-                </a:solidFill>
-              </a:rPr>
-              <a:t>copper wire</a:t>
-            </a:r>
-            <a:r>
-              <a:rPr lang="en-US" dirty="0"/>
-              <a:t>, </a:t>
-            </a:r>
-            <a:r>
-              <a:rPr lang="en-US" dirty="0">
-                <a:solidFill>
-                  <a:srgbClr val="FFFF00"/>
-                </a:solidFill>
-              </a:rPr>
-              <a:t>coil</a:t>
-            </a:r>
-            <a:r>
-              <a:rPr lang="en-US" dirty="0"/>
-              <a:t> it to fit in </a:t>
-            </a:r>
-            <a:r>
-              <a:rPr lang="en-US" dirty="0">
-                <a:solidFill>
-                  <a:schemeClr val="accent1">
-                    <a:lumMod val="60000"/>
-                    <a:lumOff val="40000"/>
-                  </a:schemeClr>
-                </a:solidFill>
-              </a:rPr>
-              <a:t>crucible</a:t>
-            </a:r>
-            <a:r>
-              <a:rPr lang="en-US" dirty="0"/>
-              <a:t>. Record the physical properties, and then the mass of the wire in crucible (B)</a:t>
-            </a:r>
-          </a:p>
-          <a:p>
-            <a:pPr marL="457200" indent="-457200">
-              <a:buFont typeface="+mj-lt"/>
-              <a:buAutoNum type="arabicPeriod"/>
-            </a:pPr>
-            <a:r>
-              <a:rPr lang="en-US" dirty="0"/>
-              <a:t>On </a:t>
-            </a:r>
-            <a:r>
-              <a:rPr lang="en-US" dirty="0">
-                <a:solidFill>
-                  <a:schemeClr val="accent1">
-                    <a:lumMod val="60000"/>
-                    <a:lumOff val="40000"/>
-                  </a:schemeClr>
-                </a:solidFill>
-              </a:rPr>
-              <a:t>glassine paper</a:t>
-            </a:r>
-            <a:r>
-              <a:rPr lang="en-US" dirty="0"/>
-              <a:t>, use </a:t>
-            </a:r>
-            <a:r>
-              <a:rPr lang="en-US" dirty="0">
-                <a:solidFill>
-                  <a:schemeClr val="accent1">
-                    <a:lumMod val="60000"/>
-                    <a:lumOff val="40000"/>
-                  </a:schemeClr>
-                </a:solidFill>
-              </a:rPr>
-              <a:t>scoopula</a:t>
-            </a:r>
-            <a:r>
-              <a:rPr lang="en-US" dirty="0"/>
-              <a:t> to get 2-4 g </a:t>
-            </a:r>
-            <a:r>
-              <a:rPr lang="en-US" dirty="0">
-                <a:solidFill>
-                  <a:srgbClr val="FF9933"/>
-                </a:solidFill>
-              </a:rPr>
-              <a:t>sulfur</a:t>
-            </a:r>
-            <a:r>
-              <a:rPr lang="en-US" dirty="0"/>
-              <a:t>. Add to the crucible to cover the coiled wire. Record total mass in crucible (C)</a:t>
-            </a:r>
-          </a:p>
-          <a:p>
-            <a:pPr marL="0" indent="0">
-              <a:buNone/>
-            </a:pPr>
-            <a:endParaRPr lang="en-US" dirty="0"/>
-          </a:p>
-          <a:p>
-            <a:pPr marL="457200" indent="-457200">
-              <a:buFont typeface="+mj-lt"/>
-              <a:buAutoNum type="arabicPeriod"/>
-            </a:pPr>
-            <a:endParaRPr lang="en-US" dirty="0"/>
-          </a:p>
-          <a:p>
-            <a:pPr marL="457200" indent="-457200">
-              <a:buFont typeface="+mj-lt"/>
-              <a:buAutoNum type="arabicPeriod"/>
-            </a:pPr>
-            <a:endParaRPr lang="en-US" sz="2800" dirty="0"/>
-          </a:p>
-        </p:txBody>
-      </p:sp>
-    </p:spTree>
-    <p:extLst>
-      <p:ext uri="{BB962C8B-B14F-4D97-AF65-F5344CB8AC3E}">
-        <p14:creationId xmlns:p14="http://schemas.microsoft.com/office/powerpoint/2010/main" val="3789276793"/>
       </p:ext>
     </p:extLst>
   </p:cSld>

--- a/Teaching/Chemistry/Labs/FCC Chem 3A Expt 7a Calorimetry.pptx
+++ b/Teaching/Chemistry/Labs/FCC Chem 3A Expt 7a Calorimetry.pptx
@@ -5,23 +5,25 @@
     <p:sldMasterId id="2147483803" r:id="rId1"/>
   </p:sldMasterIdLst>
   <p:notesMasterIdLst>
-    <p:notesMasterId r:id="rId16"/>
+    <p:notesMasterId r:id="rId18"/>
   </p:notesMasterIdLst>
   <p:sldIdLst>
     <p:sldId id="608" r:id="rId2"/>
     <p:sldId id="609" r:id="rId3"/>
     <p:sldId id="616" r:id="rId4"/>
-    <p:sldId id="618" r:id="rId5"/>
-    <p:sldId id="619" r:id="rId6"/>
-    <p:sldId id="620" r:id="rId7"/>
-    <p:sldId id="613" r:id="rId8"/>
-    <p:sldId id="624" r:id="rId9"/>
-    <p:sldId id="610" r:id="rId10"/>
-    <p:sldId id="617" r:id="rId11"/>
-    <p:sldId id="622" r:id="rId12"/>
-    <p:sldId id="621" r:id="rId13"/>
-    <p:sldId id="623" r:id="rId14"/>
-    <p:sldId id="612" r:id="rId15"/>
+    <p:sldId id="626" r:id="rId5"/>
+    <p:sldId id="613" r:id="rId6"/>
+    <p:sldId id="624" r:id="rId7"/>
+    <p:sldId id="610" r:id="rId8"/>
+    <p:sldId id="625" r:id="rId9"/>
+    <p:sldId id="627" r:id="rId10"/>
+    <p:sldId id="623" r:id="rId11"/>
+    <p:sldId id="628" r:id="rId12"/>
+    <p:sldId id="631" r:id="rId13"/>
+    <p:sldId id="629" r:id="rId14"/>
+    <p:sldId id="630" r:id="rId15"/>
+    <p:sldId id="632" r:id="rId16"/>
+    <p:sldId id="612" r:id="rId17"/>
   </p:sldIdLst>
   <p:sldSz cx="9144000" cy="6858000" type="screen4x3"/>
   <p:notesSz cx="7315200" cy="9601200"/>
@@ -731,34 +733,7 @@
           <a:bodyPr/>
           <a:lstStyle/>
           <a:p>
-            <a:r>
-              <a:rPr lang="en-US" dirty="0"/>
-              <a:t>https://www.youtube.com/watch?v=3s8G_hK7dsE</a:t>
-            </a:r>
-          </a:p>
-          <a:p>
-            <a:r>
-              <a:rPr lang="en-US" dirty="0"/>
-              <a:t>https://www.youtube.com/watch?v=fSiHg34xte0</a:t>
-            </a:r>
-          </a:p>
-          <a:p>
-            <a:r>
-              <a:rPr lang="en-US" dirty="0"/>
-              <a:t>https://www.youtube.com/watch?v=12iseXhVjOU</a:t>
-            </a:r>
-          </a:p>
-          <a:p>
-            <a:r>
-              <a:rPr lang="en-US" dirty="0"/>
-              <a:t>https://www.youtube.com/watch?v=BGbWuiwBauI</a:t>
-            </a:r>
-          </a:p>
-          <a:p>
-            <a:r>
-              <a:rPr lang="en-US" dirty="0"/>
-              <a:t>https://www.youtube.com/watch?v=WatGC0bw8jw</a:t>
-            </a:r>
+            <a:endParaRPr lang="en-US" dirty="0"/>
           </a:p>
         </p:txBody>
       </p:sp>
@@ -790,6 +765,91 @@
     <p:extLst>
       <p:ext uri="{BB962C8B-B14F-4D97-AF65-F5344CB8AC3E}">
         <p14:creationId xmlns:p14="http://schemas.microsoft.com/office/powerpoint/2010/main" val="2346542210"/>
+      </p:ext>
+    </p:extLst>
+  </p:cSld>
+  <p:clrMapOvr>
+    <a:masterClrMapping/>
+  </p:clrMapOvr>
+</p:notes>
+</file>
+
+<file path=ppt/notesSlides/notesSlide3.xml><?xml version="1.0" encoding="utf-8"?>
+<p:notes xmlns:a="http://schemas.openxmlformats.org/drawingml/2006/main" xmlns:r="http://schemas.openxmlformats.org/officeDocument/2006/relationships" xmlns:p="http://schemas.openxmlformats.org/presentationml/2006/main">
+  <p:cSld>
+    <p:spTree>
+      <p:nvGrpSpPr>
+        <p:cNvPr id="1" name=""/>
+        <p:cNvGrpSpPr/>
+        <p:nvPr/>
+      </p:nvGrpSpPr>
+      <p:grpSpPr>
+        <a:xfrm>
+          <a:off x="0" y="0"/>
+          <a:ext cx="0" cy="0"/>
+          <a:chOff x="0" y="0"/>
+          <a:chExt cx="0" cy="0"/>
+        </a:xfrm>
+      </p:grpSpPr>
+      <p:sp>
+        <p:nvSpPr>
+          <p:cNvPr id="2" name="Slide Image Placeholder 1"/>
+          <p:cNvSpPr>
+            <a:spLocks noGrp="1" noRot="1" noChangeAspect="1"/>
+          </p:cNvSpPr>
+          <p:nvPr>
+            <p:ph type="sldImg"/>
+          </p:nvPr>
+        </p:nvSpPr>
+        <p:spPr/>
+      </p:sp>
+      <p:sp>
+        <p:nvSpPr>
+          <p:cNvPr id="3" name="Notes Placeholder 2"/>
+          <p:cNvSpPr>
+            <a:spLocks noGrp="1"/>
+          </p:cNvSpPr>
+          <p:nvPr>
+            <p:ph type="body" idx="1"/>
+          </p:nvPr>
+        </p:nvSpPr>
+        <p:spPr/>
+        <p:txBody>
+          <a:bodyPr/>
+          <a:lstStyle/>
+          <a:p>
+            <a:endParaRPr lang="en-US" dirty="0"/>
+          </a:p>
+        </p:txBody>
+      </p:sp>
+      <p:sp>
+        <p:nvSpPr>
+          <p:cNvPr id="4" name="Slide Number Placeholder 3"/>
+          <p:cNvSpPr>
+            <a:spLocks noGrp="1"/>
+          </p:cNvSpPr>
+          <p:nvPr>
+            <p:ph type="sldNum" sz="quarter" idx="5"/>
+          </p:nvPr>
+        </p:nvSpPr>
+        <p:spPr/>
+        <p:txBody>
+          <a:bodyPr/>
+          <a:lstStyle/>
+          <a:p>
+            <a:fld id="{F80B39F9-9779-49E4-9061-3C452DBF8DE4}" type="slidenum">
+              <a:rPr lang="en-US" smtClean="0"/>
+              <a:pPr/>
+              <a:t>14</a:t>
+            </a:fld>
+            <a:endParaRPr lang="en-US"/>
+          </a:p>
+        </p:txBody>
+      </p:sp>
+    </p:spTree>
+    <p:extLst>
+      <p:ext uri="{BB962C8B-B14F-4D97-AF65-F5344CB8AC3E}">
+        <p14:creationId xmlns:p14="http://schemas.microsoft.com/office/powerpoint/2010/main" val="887745635"/>
       </p:ext>
     </p:extLst>
   </p:cSld>
@@ -10601,746 +10661,6 @@
         <p:cNvPr id="1" name="">
           <a:extLst>
             <a:ext uri="{FF2B5EF4-FFF2-40B4-BE49-F238E27FC236}">
-              <a16:creationId xmlns:a16="http://schemas.microsoft.com/office/drawing/2014/main" id="{4EB46B47-6540-F52F-1F64-854396E70E55}"/>
-            </a:ext>
-          </a:extLst>
-        </p:cNvPr>
-        <p:cNvGrpSpPr/>
-        <p:nvPr/>
-      </p:nvGrpSpPr>
-      <p:grpSpPr>
-        <a:xfrm>
-          <a:off x="0" y="0"/>
-          <a:ext cx="0" cy="0"/>
-          <a:chOff x="0" y="0"/>
-          <a:chExt cx="0" cy="0"/>
-        </a:xfrm>
-      </p:grpSpPr>
-      <p:sp>
-        <p:nvSpPr>
-          <p:cNvPr id="2" name="Title 1">
-            <a:extLst>
-              <a:ext uri="{FF2B5EF4-FFF2-40B4-BE49-F238E27FC236}">
-                <a16:creationId xmlns:a16="http://schemas.microsoft.com/office/drawing/2014/main" id="{F6F2263F-7C9A-1678-6FE0-453CEF2400AF}"/>
-              </a:ext>
-            </a:extLst>
-          </p:cNvPr>
-          <p:cNvSpPr>
-            <a:spLocks noGrp="1"/>
-          </p:cNvSpPr>
-          <p:nvPr>
-            <p:ph type="title"/>
-          </p:nvPr>
-        </p:nvSpPr>
-        <p:spPr>
-          <a:xfrm>
-            <a:off x="338666" y="183025"/>
-            <a:ext cx="8421512" cy="769441"/>
-          </a:xfrm>
-        </p:spPr>
-        <p:txBody>
-          <a:bodyPr/>
-          <a:lstStyle/>
-          <a:p>
-            <a:r>
-              <a:rPr lang="en-US" sz="4400" dirty="0"/>
-              <a:t>Procedure</a:t>
-            </a:r>
-          </a:p>
-        </p:txBody>
-      </p:sp>
-      <p:sp>
-        <p:nvSpPr>
-          <p:cNvPr id="6" name="Content Placeholder 5">
-            <a:extLst>
-              <a:ext uri="{FF2B5EF4-FFF2-40B4-BE49-F238E27FC236}">
-                <a16:creationId xmlns:a16="http://schemas.microsoft.com/office/drawing/2014/main" id="{003BDB66-1E78-B72D-677D-D6B5050E2008}"/>
-              </a:ext>
-            </a:extLst>
-          </p:cNvPr>
-          <p:cNvSpPr>
-            <a:spLocks noGrp="1"/>
-          </p:cNvSpPr>
-          <p:nvPr>
-            <p:ph idx="1"/>
-          </p:nvPr>
-        </p:nvSpPr>
-        <p:spPr>
-          <a:xfrm>
-            <a:off x="372533" y="952466"/>
-            <a:ext cx="8387645" cy="5595089"/>
-          </a:xfrm>
-        </p:spPr>
-        <p:txBody>
-          <a:bodyPr/>
-          <a:lstStyle/>
-          <a:p>
-            <a:pPr marL="0" indent="0">
-              <a:buNone/>
-            </a:pPr>
-            <a:r>
-              <a:rPr lang="en-US" sz="2800" i="1" dirty="0">
-                <a:solidFill>
-                  <a:srgbClr val="00FF00"/>
-                </a:solidFill>
-              </a:rPr>
-              <a:t>Before Reaction</a:t>
-            </a:r>
-          </a:p>
-          <a:p>
-            <a:pPr marL="457200" indent="-457200">
-              <a:buFont typeface="+mj-lt"/>
-              <a:buAutoNum type="arabicPeriod"/>
-            </a:pPr>
-            <a:r>
-              <a:rPr lang="en-US" dirty="0"/>
-              <a:t>Determine mass of empty </a:t>
-            </a:r>
-            <a:r>
-              <a:rPr lang="en-US" dirty="0">
-                <a:solidFill>
-                  <a:schemeClr val="accent1">
-                    <a:lumMod val="60000"/>
-                    <a:lumOff val="40000"/>
-                  </a:schemeClr>
-                </a:solidFill>
-              </a:rPr>
-              <a:t>crucible</a:t>
-            </a:r>
-            <a:r>
-              <a:rPr lang="en-US" dirty="0"/>
-              <a:t> (A)</a:t>
-            </a:r>
-          </a:p>
-          <a:p>
-            <a:pPr marL="457200" indent="-457200">
-              <a:buFont typeface="+mj-lt"/>
-              <a:buAutoNum type="arabicPeriod"/>
-            </a:pPr>
-            <a:r>
-              <a:rPr lang="en-US" dirty="0"/>
-              <a:t>Get </a:t>
-            </a:r>
-            <a:r>
-              <a:rPr lang="en-US" dirty="0">
-                <a:solidFill>
-                  <a:srgbClr val="FF9933"/>
-                </a:solidFill>
-              </a:rPr>
-              <a:t>copper wire</a:t>
-            </a:r>
-            <a:r>
-              <a:rPr lang="en-US" dirty="0"/>
-              <a:t>, </a:t>
-            </a:r>
-            <a:r>
-              <a:rPr lang="en-US" dirty="0">
-                <a:solidFill>
-                  <a:srgbClr val="FFFF00"/>
-                </a:solidFill>
-              </a:rPr>
-              <a:t>coil</a:t>
-            </a:r>
-            <a:r>
-              <a:rPr lang="en-US" dirty="0"/>
-              <a:t> it to fit in </a:t>
-            </a:r>
-            <a:r>
-              <a:rPr lang="en-US" dirty="0">
-                <a:solidFill>
-                  <a:schemeClr val="accent1">
-                    <a:lumMod val="60000"/>
-                    <a:lumOff val="40000"/>
-                  </a:schemeClr>
-                </a:solidFill>
-              </a:rPr>
-              <a:t>crucible</a:t>
-            </a:r>
-            <a:r>
-              <a:rPr lang="en-US" dirty="0"/>
-              <a:t>. Record the physical properties, and then the mass of the wire in crucible (B)</a:t>
-            </a:r>
-          </a:p>
-          <a:p>
-            <a:pPr marL="457200" indent="-457200">
-              <a:buFont typeface="+mj-lt"/>
-              <a:buAutoNum type="arabicPeriod"/>
-            </a:pPr>
-            <a:r>
-              <a:rPr lang="en-US" dirty="0"/>
-              <a:t>On </a:t>
-            </a:r>
-            <a:r>
-              <a:rPr lang="en-US" dirty="0">
-                <a:solidFill>
-                  <a:schemeClr val="accent1">
-                    <a:lumMod val="60000"/>
-                    <a:lumOff val="40000"/>
-                  </a:schemeClr>
-                </a:solidFill>
-              </a:rPr>
-              <a:t>glassine paper</a:t>
-            </a:r>
-            <a:r>
-              <a:rPr lang="en-US" dirty="0"/>
-              <a:t>, use </a:t>
-            </a:r>
-            <a:r>
-              <a:rPr lang="en-US" dirty="0">
-                <a:solidFill>
-                  <a:schemeClr val="accent1">
-                    <a:lumMod val="60000"/>
-                    <a:lumOff val="40000"/>
-                  </a:schemeClr>
-                </a:solidFill>
-              </a:rPr>
-              <a:t>scoopula</a:t>
-            </a:r>
-            <a:r>
-              <a:rPr lang="en-US" dirty="0"/>
-              <a:t> to get 2-4 g </a:t>
-            </a:r>
-            <a:r>
-              <a:rPr lang="en-US" dirty="0">
-                <a:solidFill>
-                  <a:srgbClr val="FF9933"/>
-                </a:solidFill>
-              </a:rPr>
-              <a:t>sulfur</a:t>
-            </a:r>
-            <a:r>
-              <a:rPr lang="en-US" dirty="0"/>
-              <a:t>. Add to the crucible to cover the coiled wire. Record total mass in crucible (C)</a:t>
-            </a:r>
-          </a:p>
-          <a:p>
-            <a:pPr marL="0" indent="0">
-              <a:buNone/>
-            </a:pPr>
-            <a:endParaRPr lang="en-US" dirty="0"/>
-          </a:p>
-          <a:p>
-            <a:pPr marL="457200" indent="-457200">
-              <a:buFont typeface="+mj-lt"/>
-              <a:buAutoNum type="arabicPeriod"/>
-            </a:pPr>
-            <a:endParaRPr lang="en-US" dirty="0"/>
-          </a:p>
-          <a:p>
-            <a:pPr marL="457200" indent="-457200">
-              <a:buFont typeface="+mj-lt"/>
-              <a:buAutoNum type="arabicPeriod"/>
-            </a:pPr>
-            <a:endParaRPr lang="en-US" sz="2800" dirty="0"/>
-          </a:p>
-        </p:txBody>
-      </p:sp>
-    </p:spTree>
-    <p:extLst>
-      <p:ext uri="{BB962C8B-B14F-4D97-AF65-F5344CB8AC3E}">
-        <p14:creationId xmlns:p14="http://schemas.microsoft.com/office/powerpoint/2010/main" val="3789276793"/>
-      </p:ext>
-    </p:extLst>
-  </p:cSld>
-  <p:clrMapOvr>
-    <a:masterClrMapping/>
-  </p:clrMapOvr>
-</p:sld>
-</file>
-
-<file path=ppt/slides/slide11.xml><?xml version="1.0" encoding="utf-8"?>
-<p:sld xmlns:a="http://schemas.openxmlformats.org/drawingml/2006/main" xmlns:r="http://schemas.openxmlformats.org/officeDocument/2006/relationships" xmlns:p="http://schemas.openxmlformats.org/presentationml/2006/main">
-  <p:cSld>
-    <p:spTree>
-      <p:nvGrpSpPr>
-        <p:cNvPr id="1" name="">
-          <a:extLst>
-            <a:ext uri="{FF2B5EF4-FFF2-40B4-BE49-F238E27FC236}">
-              <a16:creationId xmlns:a16="http://schemas.microsoft.com/office/drawing/2014/main" id="{80032430-C568-9444-018A-4A293518DCCA}"/>
-            </a:ext>
-          </a:extLst>
-        </p:cNvPr>
-        <p:cNvGrpSpPr/>
-        <p:nvPr/>
-      </p:nvGrpSpPr>
-      <p:grpSpPr>
-        <a:xfrm>
-          <a:off x="0" y="0"/>
-          <a:ext cx="0" cy="0"/>
-          <a:chOff x="0" y="0"/>
-          <a:chExt cx="0" cy="0"/>
-        </a:xfrm>
-      </p:grpSpPr>
-      <p:sp>
-        <p:nvSpPr>
-          <p:cNvPr id="2" name="Title 1">
-            <a:extLst>
-              <a:ext uri="{FF2B5EF4-FFF2-40B4-BE49-F238E27FC236}">
-                <a16:creationId xmlns:a16="http://schemas.microsoft.com/office/drawing/2014/main" id="{8B652173-3E63-7A53-DF9E-053FCE100E99}"/>
-              </a:ext>
-            </a:extLst>
-          </p:cNvPr>
-          <p:cNvSpPr>
-            <a:spLocks noGrp="1"/>
-          </p:cNvSpPr>
-          <p:nvPr>
-            <p:ph type="title"/>
-          </p:nvPr>
-        </p:nvSpPr>
-        <p:spPr>
-          <a:xfrm>
-            <a:off x="338666" y="183025"/>
-            <a:ext cx="8421512" cy="769441"/>
-          </a:xfrm>
-        </p:spPr>
-        <p:txBody>
-          <a:bodyPr/>
-          <a:lstStyle/>
-          <a:p>
-            <a:r>
-              <a:rPr lang="en-US" sz="4400" dirty="0"/>
-              <a:t>Procedure</a:t>
-            </a:r>
-          </a:p>
-        </p:txBody>
-      </p:sp>
-      <p:sp>
-        <p:nvSpPr>
-          <p:cNvPr id="6" name="Content Placeholder 5">
-            <a:extLst>
-              <a:ext uri="{FF2B5EF4-FFF2-40B4-BE49-F238E27FC236}">
-                <a16:creationId xmlns:a16="http://schemas.microsoft.com/office/drawing/2014/main" id="{2D45A565-8AD4-F37F-9436-FAD0B19DA96C}"/>
-              </a:ext>
-            </a:extLst>
-          </p:cNvPr>
-          <p:cNvSpPr>
-            <a:spLocks noGrp="1"/>
-          </p:cNvSpPr>
-          <p:nvPr>
-            <p:ph idx="1"/>
-          </p:nvPr>
-        </p:nvSpPr>
-        <p:spPr>
-          <a:xfrm>
-            <a:off x="372533" y="952466"/>
-            <a:ext cx="8387645" cy="5595089"/>
-          </a:xfrm>
-        </p:spPr>
-        <p:txBody>
-          <a:bodyPr/>
-          <a:lstStyle/>
-          <a:p>
-            <a:pPr marL="0" indent="0">
-              <a:buNone/>
-            </a:pPr>
-            <a:r>
-              <a:rPr lang="en-US" sz="2800" i="1" dirty="0">
-                <a:solidFill>
-                  <a:srgbClr val="00FF00"/>
-                </a:solidFill>
-              </a:rPr>
-              <a:t>Reaction</a:t>
-            </a:r>
-          </a:p>
-          <a:p>
-            <a:pPr marL="457200" indent="-457200">
-              <a:buFont typeface="+mj-lt"/>
-              <a:buAutoNum type="arabicPeriod"/>
-            </a:pPr>
-            <a:r>
-              <a:rPr lang="en-US" sz="2200" dirty="0"/>
-              <a:t>Heat the contents with a </a:t>
-            </a:r>
-            <a:r>
-              <a:rPr lang="en-US" sz="2200" dirty="0">
-                <a:solidFill>
-                  <a:schemeClr val="accent1">
-                    <a:lumMod val="60000"/>
-                    <a:lumOff val="40000"/>
-                  </a:schemeClr>
-                </a:solidFill>
-              </a:rPr>
-              <a:t>blue flame </a:t>
-            </a:r>
-            <a:r>
-              <a:rPr lang="en-US" sz="2200" dirty="0"/>
-              <a:t>of the </a:t>
-            </a:r>
-            <a:r>
-              <a:rPr lang="en-US" sz="2200" dirty="0">
-                <a:solidFill>
-                  <a:schemeClr val="accent1">
-                    <a:lumMod val="60000"/>
-                    <a:lumOff val="40000"/>
-                  </a:schemeClr>
-                </a:solidFill>
-              </a:rPr>
-              <a:t>Bunsen burner</a:t>
-            </a:r>
-            <a:r>
-              <a:rPr lang="en-US" sz="2200" dirty="0"/>
-              <a:t>. The </a:t>
-            </a:r>
-            <a:r>
-              <a:rPr lang="en-US" sz="2200" dirty="0">
-                <a:solidFill>
-                  <a:srgbClr val="FFFF00"/>
-                </a:solidFill>
-              </a:rPr>
-              <a:t>sulfur</a:t>
-            </a:r>
-            <a:r>
-              <a:rPr lang="en-US" sz="2200" dirty="0"/>
-              <a:t> will melt within about a minute.</a:t>
-            </a:r>
-          </a:p>
-          <a:p>
-            <a:pPr marL="457200" indent="-457200">
-              <a:buFont typeface="+mj-lt"/>
-              <a:buAutoNum type="arabicPeriod"/>
-            </a:pPr>
-            <a:r>
-              <a:rPr lang="en-US" sz="2200" dirty="0"/>
-              <a:t>Use the </a:t>
-            </a:r>
-            <a:r>
-              <a:rPr lang="en-US" sz="2200" dirty="0">
-                <a:solidFill>
-                  <a:schemeClr val="accent1">
-                    <a:lumMod val="60000"/>
-                    <a:lumOff val="40000"/>
-                  </a:schemeClr>
-                </a:solidFill>
-              </a:rPr>
-              <a:t>crucible tongs </a:t>
-            </a:r>
-            <a:r>
-              <a:rPr lang="en-US" sz="2200" dirty="0"/>
-              <a:t>to transfer the crucible to the </a:t>
-            </a:r>
-            <a:r>
-              <a:rPr lang="en-US" sz="2200" dirty="0">
-                <a:solidFill>
-                  <a:schemeClr val="accent1">
-                    <a:lumMod val="60000"/>
-                    <a:lumOff val="40000"/>
-                  </a:schemeClr>
-                </a:solidFill>
-              </a:rPr>
-              <a:t>wire mesh. </a:t>
-            </a:r>
-            <a:r>
-              <a:rPr lang="en-US" sz="2200" dirty="0"/>
-              <a:t>The</a:t>
-            </a:r>
-            <a:r>
-              <a:rPr lang="en-US" sz="2200" dirty="0">
-                <a:solidFill>
-                  <a:schemeClr val="accent1">
-                    <a:lumMod val="60000"/>
-                    <a:lumOff val="40000"/>
-                  </a:schemeClr>
-                </a:solidFill>
-              </a:rPr>
-              <a:t> </a:t>
-            </a:r>
-            <a:r>
-              <a:rPr lang="en-US" sz="2200" dirty="0"/>
-              <a:t>melted sulfur reacts with the copper during this time.</a:t>
-            </a:r>
-          </a:p>
-          <a:p>
-            <a:pPr marL="457200" indent="-457200">
-              <a:buFont typeface="+mj-lt"/>
-              <a:buAutoNum type="arabicPeriod"/>
-            </a:pPr>
-            <a:r>
-              <a:rPr lang="en-US" sz="2200" dirty="0"/>
-              <a:t>Put the crucible back on the flame: the unreacted sulfur will burn off, forming sulfur dioxide (SO</a:t>
-            </a:r>
-            <a:r>
-              <a:rPr lang="en-US" sz="2200" baseline="-25000" dirty="0"/>
-              <a:t>2</a:t>
-            </a:r>
-            <a:r>
-              <a:rPr lang="en-US" sz="2200" dirty="0"/>
-              <a:t>) gas, vented in the hood. The crucible looks clean and dry except for the coil of copper sulfide.</a:t>
-            </a:r>
-          </a:p>
-          <a:p>
-            <a:pPr marL="457200" indent="-457200">
-              <a:buFont typeface="+mj-lt"/>
-              <a:buAutoNum type="arabicPeriod"/>
-            </a:pPr>
-            <a:r>
-              <a:rPr lang="en-US" sz="2200" dirty="0"/>
-              <a:t>Set the crucible again on the wire mesh to cool</a:t>
-            </a:r>
-          </a:p>
-          <a:p>
-            <a:pPr marL="457200" indent="-457200">
-              <a:buFont typeface="+mj-lt"/>
-              <a:buAutoNum type="arabicPeriod"/>
-            </a:pPr>
-            <a:r>
-              <a:rPr lang="en-US" sz="2200" dirty="0"/>
-              <a:t>Record mass of crucible with the new compound (</a:t>
-            </a:r>
-            <a:r>
-              <a:rPr lang="en-US" sz="2200" b="1" dirty="0"/>
-              <a:t>D</a:t>
-            </a:r>
-            <a:r>
-              <a:rPr lang="en-US" sz="2200" dirty="0"/>
-              <a:t>)</a:t>
-            </a:r>
-          </a:p>
-          <a:p>
-            <a:pPr marL="457200" indent="-457200">
-              <a:buFont typeface="+mj-lt"/>
-              <a:buAutoNum type="arabicPeriod"/>
-            </a:pPr>
-            <a:r>
-              <a:rPr lang="en-US" sz="2200" dirty="0"/>
-              <a:t>Carefully tip crucible contents on to watch glass and make observations of physical properties</a:t>
-            </a:r>
-          </a:p>
-          <a:p>
-            <a:pPr marL="457200" indent="-457200">
-              <a:buFont typeface="+mj-lt"/>
-              <a:buAutoNum type="arabicPeriod"/>
-            </a:pPr>
-            <a:endParaRPr lang="en-US" dirty="0"/>
-          </a:p>
-          <a:p>
-            <a:pPr marL="457200" indent="-457200">
-              <a:buFont typeface="+mj-lt"/>
-              <a:buAutoNum type="arabicPeriod"/>
-            </a:pPr>
-            <a:endParaRPr lang="en-US" sz="2800" dirty="0"/>
-          </a:p>
-        </p:txBody>
-      </p:sp>
-    </p:spTree>
-    <p:extLst>
-      <p:ext uri="{BB962C8B-B14F-4D97-AF65-F5344CB8AC3E}">
-        <p14:creationId xmlns:p14="http://schemas.microsoft.com/office/powerpoint/2010/main" val="943315025"/>
-      </p:ext>
-    </p:extLst>
-  </p:cSld>
-  <p:clrMapOvr>
-    <a:masterClrMapping/>
-  </p:clrMapOvr>
-</p:sld>
-</file>
-
-<file path=ppt/slides/slide12.xml><?xml version="1.0" encoding="utf-8"?>
-<p:sld xmlns:a="http://schemas.openxmlformats.org/drawingml/2006/main" xmlns:r="http://schemas.openxmlformats.org/officeDocument/2006/relationships" xmlns:p="http://schemas.openxmlformats.org/presentationml/2006/main">
-  <p:cSld>
-    <p:spTree>
-      <p:nvGrpSpPr>
-        <p:cNvPr id="1" name="">
-          <a:extLst>
-            <a:ext uri="{FF2B5EF4-FFF2-40B4-BE49-F238E27FC236}">
-              <a16:creationId xmlns:a16="http://schemas.microsoft.com/office/drawing/2014/main" id="{BA86FC53-DF32-CE64-DFB5-7C8645A52D75}"/>
-            </a:ext>
-          </a:extLst>
-        </p:cNvPr>
-        <p:cNvGrpSpPr/>
-        <p:nvPr/>
-      </p:nvGrpSpPr>
-      <p:grpSpPr>
-        <a:xfrm>
-          <a:off x="0" y="0"/>
-          <a:ext cx="0" cy="0"/>
-          <a:chOff x="0" y="0"/>
-          <a:chExt cx="0" cy="0"/>
-        </a:xfrm>
-      </p:grpSpPr>
-      <p:sp>
-        <p:nvSpPr>
-          <p:cNvPr id="2" name="Title 1">
-            <a:extLst>
-              <a:ext uri="{FF2B5EF4-FFF2-40B4-BE49-F238E27FC236}">
-                <a16:creationId xmlns:a16="http://schemas.microsoft.com/office/drawing/2014/main" id="{C16FF693-5E30-D813-D298-9AB46F923D33}"/>
-              </a:ext>
-            </a:extLst>
-          </p:cNvPr>
-          <p:cNvSpPr>
-            <a:spLocks noGrp="1"/>
-          </p:cNvSpPr>
-          <p:nvPr>
-            <p:ph type="title"/>
-          </p:nvPr>
-        </p:nvSpPr>
-        <p:spPr>
-          <a:xfrm>
-            <a:off x="338666" y="183025"/>
-            <a:ext cx="8421512" cy="769441"/>
-          </a:xfrm>
-        </p:spPr>
-        <p:txBody>
-          <a:bodyPr/>
-          <a:lstStyle/>
-          <a:p>
-            <a:r>
-              <a:rPr lang="en-US" sz="4400" dirty="0"/>
-              <a:t>Example Data Analysis</a:t>
-            </a:r>
-          </a:p>
-        </p:txBody>
-      </p:sp>
-      <p:sp>
-        <p:nvSpPr>
-          <p:cNvPr id="6" name="Content Placeholder 5">
-            <a:extLst>
-              <a:ext uri="{FF2B5EF4-FFF2-40B4-BE49-F238E27FC236}">
-                <a16:creationId xmlns:a16="http://schemas.microsoft.com/office/drawing/2014/main" id="{584FB2EA-A75D-4ADA-B03B-899868167CF9}"/>
-              </a:ext>
-            </a:extLst>
-          </p:cNvPr>
-          <p:cNvSpPr>
-            <a:spLocks noGrp="1"/>
-          </p:cNvSpPr>
-          <p:nvPr>
-            <p:ph idx="1"/>
-          </p:nvPr>
-        </p:nvSpPr>
-        <p:spPr>
-          <a:xfrm>
-            <a:off x="372533" y="952466"/>
-            <a:ext cx="8387645" cy="5595089"/>
-          </a:xfrm>
-        </p:spPr>
-        <p:txBody>
-          <a:bodyPr/>
-          <a:lstStyle/>
-          <a:p>
-            <a:pPr marL="457200" indent="-457200">
-              <a:buFont typeface="+mj-lt"/>
-              <a:buAutoNum type="arabicPeriod"/>
-            </a:pPr>
-            <a:r>
-              <a:rPr lang="en-US" dirty="0"/>
-              <a:t>Suppose A=23.7584 g, B=34.3532 g,</a:t>
-            </a:r>
-            <a:br>
-              <a:rPr lang="en-US" dirty="0"/>
-            </a:br>
-            <a:r>
-              <a:rPr lang="en-US" dirty="0"/>
-              <a:t>C=37.5732 g. After the reaction, D=36.7841 g</a:t>
-            </a:r>
-          </a:p>
-          <a:p>
-            <a:pPr marL="457200" indent="-457200">
-              <a:buFont typeface="+mj-lt"/>
-              <a:buAutoNum type="arabicPeriod"/>
-            </a:pPr>
-            <a:r>
-              <a:rPr lang="en-US" dirty="0"/>
-              <a:t>[B-A]=10.5948 g, [C-B]=3.2200 g,</a:t>
-            </a:r>
-            <a:br>
-              <a:rPr lang="en-US" dirty="0"/>
-            </a:br>
-            <a:r>
-              <a:rPr lang="en-US" dirty="0"/>
-              <a:t>[D-A]=13.0257 g</a:t>
-            </a:r>
-          </a:p>
-          <a:p>
-            <a:pPr marL="457200" indent="-457200">
-              <a:buFont typeface="+mj-lt"/>
-              <a:buAutoNum type="arabicPeriod"/>
-            </a:pPr>
-            <a:r>
-              <a:rPr lang="en-US" dirty="0"/>
-              <a:t>Copper reacted should be same as initial copper, because copper doesn’t go anywhere</a:t>
-            </a:r>
-          </a:p>
-          <a:p>
-            <a:pPr marL="457200" indent="-457200">
-              <a:buFont typeface="+mj-lt"/>
-              <a:buAutoNum type="arabicPeriod"/>
-            </a:pPr>
-            <a:r>
-              <a:rPr lang="en-US" dirty="0"/>
-              <a:t>Sulfur reacted should be [D-A]-[B-A]=13.0257 g - 10.5948 g= 2.4309 g</a:t>
-            </a:r>
-          </a:p>
-          <a:p>
-            <a:pPr marL="457200" indent="-457200">
-              <a:buFont typeface="+mj-lt"/>
-              <a:buAutoNum type="arabicPeriod"/>
-            </a:pPr>
-            <a:r>
-              <a:rPr lang="en-US" dirty="0"/>
-              <a:t>Excess sulfur = [C-B]-2.4309 g = 3.2200 g – 2.4309 g =0.7891 g </a:t>
-            </a:r>
-          </a:p>
-          <a:p>
-            <a:pPr marL="457200" indent="-457200">
-              <a:buFont typeface="+mj-lt"/>
-              <a:buAutoNum type="arabicPeriod"/>
-            </a:pPr>
-            <a:endParaRPr lang="en-US" dirty="0"/>
-          </a:p>
-          <a:p>
-            <a:pPr marL="0" indent="0">
-              <a:buNone/>
-            </a:pPr>
-            <a:r>
-              <a:rPr lang="en-US" dirty="0"/>
-              <a:t>Mass ratio </a:t>
-            </a:r>
-            <a:r>
-              <a:rPr lang="en-US" sz="2000" dirty="0"/>
-              <a:t>= </a:t>
-            </a:r>
-            <a:r>
-              <a:rPr lang="en-US" sz="1800" dirty="0"/>
-              <a:t>c</a:t>
-            </a:r>
-            <a:r>
-              <a:rPr lang="en-US" sz="2000" dirty="0"/>
-              <a:t>opper/sulfur reacted =</a:t>
-            </a:r>
-            <a:r>
-              <a:rPr lang="en-US" dirty="0"/>
-              <a:t> 10.5948 g/2.4309 g</a:t>
-            </a:r>
-            <a:br>
-              <a:rPr lang="en-US" dirty="0"/>
-            </a:br>
-            <a:r>
-              <a:rPr lang="en-US" dirty="0"/>
-              <a:t>= 4.3583</a:t>
-            </a:r>
-          </a:p>
-        </p:txBody>
-      </p:sp>
-    </p:spTree>
-    <p:extLst>
-      <p:ext uri="{BB962C8B-B14F-4D97-AF65-F5344CB8AC3E}">
-        <p14:creationId xmlns:p14="http://schemas.microsoft.com/office/powerpoint/2010/main" val="2049909912"/>
-      </p:ext>
-    </p:extLst>
-  </p:cSld>
-  <p:clrMapOvr>
-    <a:masterClrMapping/>
-  </p:clrMapOvr>
-</p:sld>
-</file>
-
-<file path=ppt/slides/slide13.xml><?xml version="1.0" encoding="utf-8"?>
-<p:sld xmlns:a="http://schemas.openxmlformats.org/drawingml/2006/main" xmlns:r="http://schemas.openxmlformats.org/officeDocument/2006/relationships" xmlns:p="http://schemas.openxmlformats.org/presentationml/2006/main">
-  <p:cSld>
-    <p:spTree>
-      <p:nvGrpSpPr>
-        <p:cNvPr id="1" name="">
-          <a:extLst>
-            <a:ext uri="{FF2B5EF4-FFF2-40B4-BE49-F238E27FC236}">
               <a16:creationId xmlns:a16="http://schemas.microsoft.com/office/drawing/2014/main" id="{F9605A24-FE88-1B37-6F21-A6AE688FD93A}"/>
             </a:ext>
           </a:extLst>
@@ -11389,530 +10709,76 @@
           </a:p>
         </p:txBody>
       </p:sp>
-      <mc:AlternateContent xmlns:mc="http://schemas.openxmlformats.org/markup-compatibility/2006" xmlns:a14="http://schemas.microsoft.com/office/drawing/2010/main">
-        <mc:Choice Requires="a14">
-          <p:sp>
-            <p:nvSpPr>
-              <p:cNvPr id="6" name="Content Placeholder 5">
-                <a:extLst>
-                  <a:ext uri="{FF2B5EF4-FFF2-40B4-BE49-F238E27FC236}">
-                    <a16:creationId xmlns:a16="http://schemas.microsoft.com/office/drawing/2014/main" id="{A7219B4E-9803-A35C-5535-085CE995377D}"/>
-                  </a:ext>
-                </a:extLst>
-              </p:cNvPr>
-              <p:cNvSpPr>
-                <a:spLocks noGrp="1"/>
-              </p:cNvSpPr>
-              <p:nvPr>
-                <p:ph idx="1"/>
-              </p:nvPr>
-            </p:nvSpPr>
-            <p:spPr>
-              <a:xfrm>
-                <a:off x="372533" y="952466"/>
-                <a:ext cx="8387645" cy="5595089"/>
-              </a:xfrm>
-            </p:spPr>
-            <p:txBody>
-              <a:bodyPr/>
-              <a:lstStyle/>
-              <a:p>
-                <a:pPr marL="0" indent="0">
-                  <a:buNone/>
-                </a:pPr>
-                <a:r>
-                  <a:rPr lang="en-US" dirty="0"/>
-                  <a:t>What does the mass ratio show?</a:t>
-                </a:r>
-              </a:p>
-              <a:p>
-                <a:pPr marL="0" indent="0">
-                  <a:buNone/>
-                </a:pPr>
-                <a:r>
-                  <a:rPr lang="en-US" dirty="0"/>
-                  <a:t>For every 1 g of S, there are about 4.4 g Cu</a:t>
-                </a:r>
-              </a:p>
-              <a:p>
-                <a:pPr marL="0" indent="0">
-                  <a:buNone/>
-                </a:pPr>
-                <a:endParaRPr lang="en-US" sz="1200" dirty="0"/>
-              </a:p>
-              <a:p>
-                <a:pPr marL="0" indent="0">
-                  <a:buNone/>
-                </a:pPr>
-                <a:r>
-                  <a:rPr lang="en-US" dirty="0"/>
-                  <a:t>Look at the molar masses of S and Cu.</a:t>
-                </a:r>
-              </a:p>
-              <a:p>
-                <a:pPr marL="0" indent="0">
-                  <a:buNone/>
-                </a:pPr>
-                <a:endParaRPr lang="en-US" sz="1200" dirty="0"/>
-              </a:p>
-              <a:p>
-                <a:pPr marL="0" indent="0">
-                  <a:buNone/>
-                </a:pPr>
-                <a:r>
-                  <a:rPr lang="en-US" dirty="0"/>
-                  <a:t>If there are 32.065 g/mol S and 63.546 g/mol Cu, and there are 2 mol Cu and 1 mol S in Cu</a:t>
-                </a:r>
-                <a:r>
-                  <a:rPr lang="en-US" baseline="-25000" dirty="0"/>
-                  <a:t>2</a:t>
-                </a:r>
-                <a:r>
-                  <a:rPr lang="en-US" dirty="0"/>
-                  <a:t>S, then what is the theoretical mass ratio of S to Cu in Cu</a:t>
-                </a:r>
-                <a:r>
-                  <a:rPr lang="en-US" baseline="-25000" dirty="0"/>
-                  <a:t>2</a:t>
-                </a:r>
-                <a:r>
-                  <a:rPr lang="en-US" dirty="0"/>
-                  <a:t>S?</a:t>
-                </a:r>
-              </a:p>
-              <a:p>
-                <a:pPr marL="0" indent="0">
-                  <a:buNone/>
-                </a:pPr>
-                <a:endParaRPr lang="en-US" dirty="0"/>
-              </a:p>
-              <a:p>
-                <a:pPr marL="0" indent="0">
-                  <a:buNone/>
-                </a:pPr>
-                <a14:m>
-                  <m:oMathPara xmlns:m="http://schemas.openxmlformats.org/officeDocument/2006/math">
-                    <m:oMathParaPr>
-                      <m:jc m:val="centerGroup"/>
-                    </m:oMathParaPr>
-                    <m:oMath xmlns:m="http://schemas.openxmlformats.org/officeDocument/2006/math">
-                      <m:f>
-                        <m:fPr>
-                          <m:ctrlPr>
-                            <a:rPr lang="en-US" i="1" smtClean="0">
-                              <a:latin typeface="Cambria Math" panose="02040503050406030204" pitchFamily="18" charset="0"/>
-                            </a:rPr>
-                          </m:ctrlPr>
-                        </m:fPr>
-                        <m:num>
-                          <m:f>
-                            <m:fPr>
-                              <m:ctrlPr>
-                                <a:rPr lang="en-US" i="1" smtClean="0">
-                                  <a:latin typeface="Cambria Math" panose="02040503050406030204" pitchFamily="18" charset="0"/>
-                                </a:rPr>
-                              </m:ctrlPr>
-                            </m:fPr>
-                            <m:num>
-                              <m:r>
-                                <m:rPr>
-                                  <m:nor/>
-                                </m:rPr>
-                                <a:rPr lang="en-US" b="0" i="0" smtClean="0">
-                                  <a:latin typeface="Cambria Math" panose="02040503050406030204" pitchFamily="18" charset="0"/>
-                                </a:rPr>
-                                <m:t>63.546 </m:t>
-                              </m:r>
-                              <m:r>
-                                <m:rPr>
-                                  <m:nor/>
-                                </m:rPr>
-                                <a:rPr lang="en-US" b="0" i="0" smtClean="0">
-                                  <a:latin typeface="Cambria Math" panose="02040503050406030204" pitchFamily="18" charset="0"/>
-                                </a:rPr>
-                                <m:t>g</m:t>
-                              </m:r>
-                              <m:r>
-                                <m:rPr>
-                                  <m:nor/>
-                                </m:rPr>
-                                <a:rPr lang="en-US" b="0" i="0" smtClean="0">
-                                  <a:latin typeface="Cambria Math" panose="02040503050406030204" pitchFamily="18" charset="0"/>
-                                </a:rPr>
-                                <m:t> </m:t>
-                              </m:r>
-                              <m:r>
-                                <m:rPr>
-                                  <m:nor/>
-                                </m:rPr>
-                                <a:rPr lang="en-US" b="0" i="0" smtClean="0">
-                                  <a:latin typeface="Cambria Math" panose="02040503050406030204" pitchFamily="18" charset="0"/>
-                                </a:rPr>
-                                <m:t>Cu</m:t>
-                              </m:r>
-                            </m:num>
-                            <m:den>
-                              <m:r>
-                                <m:rPr>
-                                  <m:nor/>
-                                </m:rPr>
-                                <a:rPr lang="en-US" b="0" i="0" smtClean="0">
-                                  <a:latin typeface="Cambria Math" panose="02040503050406030204" pitchFamily="18" charset="0"/>
-                                </a:rPr>
-                                <m:t>mol</m:t>
-                              </m:r>
-                              <m:r>
-                                <m:rPr>
-                                  <m:nor/>
-                                </m:rPr>
-                                <a:rPr lang="en-US" b="0" i="0" smtClean="0">
-                                  <a:latin typeface="Cambria Math" panose="02040503050406030204" pitchFamily="18" charset="0"/>
-                                </a:rPr>
-                                <m:t> </m:t>
-                              </m:r>
-                              <m:r>
-                                <m:rPr>
-                                  <m:nor/>
-                                </m:rPr>
-                                <a:rPr lang="en-US" b="0" i="0" smtClean="0">
-                                  <a:latin typeface="Cambria Math" panose="02040503050406030204" pitchFamily="18" charset="0"/>
-                                </a:rPr>
-                                <m:t>Cu</m:t>
-                              </m:r>
-                            </m:den>
-                          </m:f>
-                          <m:r>
-                            <m:rPr>
-                              <m:nor/>
-                            </m:rPr>
-                            <a:rPr lang="en-US" i="0" smtClean="0">
-                              <a:latin typeface="Cambria Math" panose="02040503050406030204" pitchFamily="18" charset="0"/>
-                              <a:ea typeface="Cambria Math" panose="02040503050406030204" pitchFamily="18" charset="0"/>
-                            </a:rPr>
-                            <m:t>×</m:t>
-                          </m:r>
-                          <m:r>
-                            <m:rPr>
-                              <m:nor/>
-                            </m:rPr>
-                            <a:rPr lang="en-US" b="0" i="0" smtClean="0">
-                              <a:latin typeface="Cambria Math" panose="02040503050406030204" pitchFamily="18" charset="0"/>
-                              <a:ea typeface="Cambria Math" panose="02040503050406030204" pitchFamily="18" charset="0"/>
-                            </a:rPr>
-                            <m:t>2 </m:t>
-                          </m:r>
-                          <m:r>
-                            <m:rPr>
-                              <m:nor/>
-                            </m:rPr>
-                            <a:rPr lang="en-US" b="0" i="0" smtClean="0">
-                              <a:latin typeface="Cambria Math" panose="02040503050406030204" pitchFamily="18" charset="0"/>
-                              <a:ea typeface="Cambria Math" panose="02040503050406030204" pitchFamily="18" charset="0"/>
-                            </a:rPr>
-                            <m:t>mol</m:t>
-                          </m:r>
-                          <m:r>
-                            <m:rPr>
-                              <m:nor/>
-                            </m:rPr>
-                            <a:rPr lang="en-US" b="0" i="0" smtClean="0">
-                              <a:latin typeface="Cambria Math" panose="02040503050406030204" pitchFamily="18" charset="0"/>
-                              <a:ea typeface="Cambria Math" panose="02040503050406030204" pitchFamily="18" charset="0"/>
-                            </a:rPr>
-                            <m:t> </m:t>
-                          </m:r>
-                          <m:r>
-                            <m:rPr>
-                              <m:nor/>
-                            </m:rPr>
-                            <a:rPr lang="en-US" b="0" i="0" smtClean="0">
-                              <a:latin typeface="Cambria Math" panose="02040503050406030204" pitchFamily="18" charset="0"/>
-                              <a:ea typeface="Cambria Math" panose="02040503050406030204" pitchFamily="18" charset="0"/>
-                            </a:rPr>
-                            <m:t>Cu</m:t>
-                          </m:r>
-                        </m:num>
-                        <m:den>
-                          <m:f>
-                            <m:fPr>
-                              <m:ctrlPr>
-                                <a:rPr lang="en-US" i="1" smtClean="0">
-                                  <a:latin typeface="Cambria Math" panose="02040503050406030204" pitchFamily="18" charset="0"/>
-                                </a:rPr>
-                              </m:ctrlPr>
-                            </m:fPr>
-                            <m:num>
-                              <m:r>
-                                <m:rPr>
-                                  <m:nor/>
-                                </m:rPr>
-                                <a:rPr lang="en-US" i="0">
-                                  <a:latin typeface="Cambria Math" panose="02040503050406030204" pitchFamily="18" charset="0"/>
-                                </a:rPr>
-                                <m:t>32.065 </m:t>
-                              </m:r>
-                              <m:r>
-                                <m:rPr>
-                                  <m:nor/>
-                                </m:rPr>
-                                <a:rPr lang="en-US" i="0">
-                                  <a:latin typeface="Cambria Math" panose="02040503050406030204" pitchFamily="18" charset="0"/>
-                                </a:rPr>
-                                <m:t>g</m:t>
-                              </m:r>
-                              <m:r>
-                                <m:rPr>
-                                  <m:nor/>
-                                </m:rPr>
-                                <a:rPr lang="en-US" i="0">
-                                  <a:latin typeface="Cambria Math" panose="02040503050406030204" pitchFamily="18" charset="0"/>
-                                </a:rPr>
-                                <m:t> </m:t>
-                              </m:r>
-                              <m:r>
-                                <m:rPr>
-                                  <m:nor/>
-                                </m:rPr>
-                                <a:rPr lang="en-US" i="0">
-                                  <a:latin typeface="Cambria Math" panose="02040503050406030204" pitchFamily="18" charset="0"/>
-                                </a:rPr>
-                                <m:t>S</m:t>
-                              </m:r>
-                            </m:num>
-                            <m:den>
-                              <m:r>
-                                <m:rPr>
-                                  <m:nor/>
-                                </m:rPr>
-                                <a:rPr lang="en-US" b="0" i="0" smtClean="0">
-                                  <a:latin typeface="Cambria Math" panose="02040503050406030204" pitchFamily="18" charset="0"/>
-                                </a:rPr>
-                                <m:t>mol</m:t>
-                              </m:r>
-                              <m:r>
-                                <m:rPr>
-                                  <m:nor/>
-                                </m:rPr>
-                                <a:rPr lang="en-US" b="0" i="0" smtClean="0">
-                                  <a:latin typeface="Cambria Math" panose="02040503050406030204" pitchFamily="18" charset="0"/>
-                                </a:rPr>
-                                <m:t> </m:t>
-                              </m:r>
-                              <m:r>
-                                <m:rPr>
-                                  <m:nor/>
-                                </m:rPr>
-                                <a:rPr lang="en-US" b="0" i="0" smtClean="0">
-                                  <a:latin typeface="Cambria Math" panose="02040503050406030204" pitchFamily="18" charset="0"/>
-                                </a:rPr>
-                                <m:t>S</m:t>
-                              </m:r>
-                            </m:den>
-                          </m:f>
-                          <m:r>
-                            <m:rPr>
-                              <m:nor/>
-                            </m:rPr>
-                            <a:rPr lang="en-US" i="0" smtClean="0">
-                              <a:latin typeface="Cambria Math" panose="02040503050406030204" pitchFamily="18" charset="0"/>
-                              <a:ea typeface="Cambria Math" panose="02040503050406030204" pitchFamily="18" charset="0"/>
-                            </a:rPr>
-                            <m:t>×</m:t>
-                          </m:r>
-                          <m:r>
-                            <m:rPr>
-                              <m:nor/>
-                            </m:rPr>
-                            <a:rPr lang="en-US" b="0" i="0" smtClean="0">
-                              <a:latin typeface="Cambria Math" panose="02040503050406030204" pitchFamily="18" charset="0"/>
-                              <a:ea typeface="Cambria Math" panose="02040503050406030204" pitchFamily="18" charset="0"/>
-                            </a:rPr>
-                            <m:t>1 </m:t>
-                          </m:r>
-                          <m:r>
-                            <m:rPr>
-                              <m:nor/>
-                            </m:rPr>
-                            <a:rPr lang="en-US" b="0" i="0" smtClean="0">
-                              <a:latin typeface="Cambria Math" panose="02040503050406030204" pitchFamily="18" charset="0"/>
-                              <a:ea typeface="Cambria Math" panose="02040503050406030204" pitchFamily="18" charset="0"/>
-                            </a:rPr>
-                            <m:t>mol</m:t>
-                          </m:r>
-                          <m:r>
-                            <m:rPr>
-                              <m:nor/>
-                            </m:rPr>
-                            <a:rPr lang="en-US" b="0" i="0" smtClean="0">
-                              <a:latin typeface="Cambria Math" panose="02040503050406030204" pitchFamily="18" charset="0"/>
-                              <a:ea typeface="Cambria Math" panose="02040503050406030204" pitchFamily="18" charset="0"/>
-                            </a:rPr>
-                            <m:t> </m:t>
-                          </m:r>
-                          <m:r>
-                            <m:rPr>
-                              <m:nor/>
-                            </m:rPr>
-                            <a:rPr lang="en-US" b="0" i="0" smtClean="0">
-                              <a:latin typeface="Cambria Math" panose="02040503050406030204" pitchFamily="18" charset="0"/>
-                              <a:ea typeface="Cambria Math" panose="02040503050406030204" pitchFamily="18" charset="0"/>
-                            </a:rPr>
-                            <m:t>S</m:t>
-                          </m:r>
-                        </m:den>
-                      </m:f>
-                      <m:r>
-                        <a:rPr lang="en-US" b="0" i="1" smtClean="0">
-                          <a:latin typeface="Cambria Math" panose="02040503050406030204" pitchFamily="18" charset="0"/>
-                        </a:rPr>
-                        <m:t>=</m:t>
-                      </m:r>
-                      <m:f>
-                        <m:fPr>
-                          <m:ctrlPr>
-                            <a:rPr lang="en-US" b="0" i="1" smtClean="0">
-                              <a:latin typeface="Cambria Math" panose="02040503050406030204" pitchFamily="18" charset="0"/>
-                            </a:rPr>
-                          </m:ctrlPr>
-                        </m:fPr>
-                        <m:num>
-                          <m:r>
-                            <m:rPr>
-                              <m:nor/>
-                            </m:rPr>
-                            <a:rPr lang="en-US" i="0">
-                              <a:latin typeface="Cambria Math" panose="02040503050406030204" pitchFamily="18" charset="0"/>
-                            </a:rPr>
-                            <m:t>3.9636 </m:t>
-                          </m:r>
-                          <m:r>
-                            <m:rPr>
-                              <m:nor/>
-                            </m:rPr>
-                            <a:rPr lang="en-US" i="0">
-                              <a:latin typeface="Cambria Math" panose="02040503050406030204" pitchFamily="18" charset="0"/>
-                            </a:rPr>
-                            <m:t>g</m:t>
-                          </m:r>
-                          <m:r>
-                            <m:rPr>
-                              <m:nor/>
-                            </m:rPr>
-                            <a:rPr lang="en-US" i="0">
-                              <a:latin typeface="Cambria Math" panose="02040503050406030204" pitchFamily="18" charset="0"/>
-                            </a:rPr>
-                            <m:t> </m:t>
-                          </m:r>
-                          <m:r>
-                            <m:rPr>
-                              <m:nor/>
-                            </m:rPr>
-                            <a:rPr lang="en-US" i="0">
-                              <a:latin typeface="Cambria Math" panose="02040503050406030204" pitchFamily="18" charset="0"/>
-                            </a:rPr>
-                            <m:t>Cu</m:t>
-                          </m:r>
-                        </m:num>
-                        <m:den>
-                          <m:r>
-                            <m:rPr>
-                              <m:nor/>
-                            </m:rPr>
-                            <a:rPr lang="en-US" b="0" i="0" smtClean="0">
-                              <a:latin typeface="Cambria Math" panose="02040503050406030204" pitchFamily="18" charset="0"/>
-                            </a:rPr>
-                            <m:t>1 </m:t>
-                          </m:r>
-                          <m:r>
-                            <m:rPr>
-                              <m:nor/>
-                            </m:rPr>
-                            <a:rPr lang="en-US" b="0" i="0" smtClean="0">
-                              <a:latin typeface="Cambria Math" panose="02040503050406030204" pitchFamily="18" charset="0"/>
-                            </a:rPr>
-                            <m:t>g</m:t>
-                          </m:r>
-                          <m:r>
-                            <m:rPr>
-                              <m:nor/>
-                            </m:rPr>
-                            <a:rPr lang="en-US" b="0" i="0" smtClean="0">
-                              <a:latin typeface="Cambria Math" panose="02040503050406030204" pitchFamily="18" charset="0"/>
-                            </a:rPr>
-                            <m:t> </m:t>
-                          </m:r>
-                          <m:r>
-                            <m:rPr>
-                              <m:nor/>
-                            </m:rPr>
-                            <a:rPr lang="en-US" b="0" i="0" smtClean="0">
-                              <a:latin typeface="Cambria Math" panose="02040503050406030204" pitchFamily="18" charset="0"/>
-                            </a:rPr>
-                            <m:t>S</m:t>
-                          </m:r>
-                        </m:den>
-                      </m:f>
-                    </m:oMath>
-                  </m:oMathPara>
-                </a14:m>
-                <a:endParaRPr lang="en-US" dirty="0"/>
-              </a:p>
-              <a:p>
-                <a:pPr marL="0" indent="0">
-                  <a:buNone/>
-                </a:pPr>
-                <a:r>
-                  <a:rPr lang="en-US" dirty="0"/>
-                  <a:t>4.4 g Cu/g S seems close to 4.0 g Cu/g S. How close can you get?</a:t>
-                </a:r>
-              </a:p>
-            </p:txBody>
-          </p:sp>
-        </mc:Choice>
-        <mc:Fallback xmlns="">
-          <p:sp>
-            <p:nvSpPr>
-              <p:cNvPr id="6" name="Content Placeholder 5">
-                <a:extLst>
-                  <a:ext uri="{FF2B5EF4-FFF2-40B4-BE49-F238E27FC236}">
-                    <a16:creationId xmlns:a16="http://schemas.microsoft.com/office/drawing/2014/main" id="{A7219B4E-9803-A35C-5535-085CE995377D}"/>
-                  </a:ext>
-                </a:extLst>
-              </p:cNvPr>
-              <p:cNvSpPr>
-                <a:spLocks noGrp="1" noRot="1" noChangeAspect="1" noMove="1" noResize="1" noEditPoints="1" noAdjustHandles="1" noChangeArrowheads="1" noChangeShapeType="1" noTextEdit="1"/>
-              </p:cNvSpPr>
-              <p:nvPr>
-                <p:ph idx="1"/>
-              </p:nvPr>
-            </p:nvSpPr>
-            <p:spPr>
-              <a:xfrm>
-                <a:off x="372533" y="952466"/>
-                <a:ext cx="8387645" cy="5595089"/>
-              </a:xfrm>
-              <a:blipFill>
-                <a:blip r:embed="rId2"/>
-                <a:stretch>
-                  <a:fillRect l="-1090" t="-871" r="-1817"/>
-                </a:stretch>
-              </a:blipFill>
-            </p:spPr>
-            <p:txBody>
-              <a:bodyPr/>
-              <a:lstStyle/>
-              <a:p>
-                <a:r>
-                  <a:rPr lang="en-US">
-                    <a:noFill/>
-                  </a:rPr>
-                  <a:t> </a:t>
-                </a:r>
-              </a:p>
-            </p:txBody>
-          </p:sp>
-        </mc:Fallback>
-      </mc:AlternateContent>
+      <p:pic>
+        <p:nvPicPr>
+          <p:cNvPr id="4" name="Content Placeholder 3">
+            <a:extLst>
+              <a:ext uri="{FF2B5EF4-FFF2-40B4-BE49-F238E27FC236}">
+                <a16:creationId xmlns:a16="http://schemas.microsoft.com/office/drawing/2014/main" id="{A675C1D7-9CBE-91D2-D51C-5AA80E1A300B}"/>
+              </a:ext>
+            </a:extLst>
+          </p:cNvPr>
+          <p:cNvPicPr>
+            <a:picLocks noGrp="1" noChangeAspect="1"/>
+          </p:cNvPicPr>
+          <p:nvPr>
+            <p:ph idx="1"/>
+          </p:nvPr>
+        </p:nvPicPr>
+        <p:blipFill>
+          <a:blip r:embed="rId2"/>
+          <a:stretch>
+            <a:fillRect/>
+          </a:stretch>
+        </p:blipFill>
+        <p:spPr bwMode="auto">
+          <a:xfrm>
+            <a:off x="1171574" y="993651"/>
+            <a:ext cx="6395724" cy="2834669"/>
+          </a:xfrm>
+          <a:prstGeom prst="rect">
+            <a:avLst/>
+          </a:prstGeom>
+          <a:noFill/>
+          <a:ln w="9525">
+            <a:noFill/>
+            <a:miter lim="800000"/>
+            <a:headEnd/>
+            <a:tailEnd/>
+          </a:ln>
+          <a:effectLst/>
+        </p:spPr>
+      </p:pic>
+      <p:pic>
+        <p:nvPicPr>
+          <p:cNvPr id="7" name="Picture 6">
+            <a:extLst>
+              <a:ext uri="{FF2B5EF4-FFF2-40B4-BE49-F238E27FC236}">
+                <a16:creationId xmlns:a16="http://schemas.microsoft.com/office/drawing/2014/main" id="{D60B03EA-0EF4-79D0-7152-78756893CBC4}"/>
+              </a:ext>
+            </a:extLst>
+          </p:cNvPr>
+          <p:cNvPicPr>
+            <a:picLocks noChangeAspect="1"/>
+          </p:cNvPicPr>
+          <p:nvPr/>
+        </p:nvPicPr>
+        <p:blipFill>
+          <a:blip r:embed="rId3"/>
+          <a:stretch>
+            <a:fillRect/>
+          </a:stretch>
+        </p:blipFill>
+        <p:spPr>
+          <a:xfrm>
+            <a:off x="801826" y="3869506"/>
+            <a:ext cx="7135221" cy="2686425"/>
+          </a:xfrm>
+          <a:prstGeom prst="rect">
+            <a:avLst/>
+          </a:prstGeom>
+        </p:spPr>
+      </p:pic>
     </p:spTree>
     <p:extLst>
       <p:ext uri="{BB962C8B-B14F-4D97-AF65-F5344CB8AC3E}">
@@ -11926,7 +10792,883 @@
 </p:sld>
 </file>
 
+<file path=ppt/slides/slide11.xml><?xml version="1.0" encoding="utf-8"?>
+<p:sld xmlns:a="http://schemas.openxmlformats.org/drawingml/2006/main" xmlns:r="http://schemas.openxmlformats.org/officeDocument/2006/relationships" xmlns:p="http://schemas.openxmlformats.org/presentationml/2006/main">
+  <p:cSld>
+    <p:spTree>
+      <p:nvGrpSpPr>
+        <p:cNvPr id="1" name="">
+          <a:extLst>
+            <a:ext uri="{FF2B5EF4-FFF2-40B4-BE49-F238E27FC236}">
+              <a16:creationId xmlns:a16="http://schemas.microsoft.com/office/drawing/2014/main" id="{D7C1222D-8AA1-D221-B2C2-5C02F7CFB8FF}"/>
+            </a:ext>
+          </a:extLst>
+        </p:cNvPr>
+        <p:cNvGrpSpPr/>
+        <p:nvPr/>
+      </p:nvGrpSpPr>
+      <p:grpSpPr>
+        <a:xfrm>
+          <a:off x="0" y="0"/>
+          <a:ext cx="0" cy="0"/>
+          <a:chOff x="0" y="0"/>
+          <a:chExt cx="0" cy="0"/>
+        </a:xfrm>
+      </p:grpSpPr>
+      <p:sp>
+        <p:nvSpPr>
+          <p:cNvPr id="5" name="Content Placeholder 4">
+            <a:extLst>
+              <a:ext uri="{FF2B5EF4-FFF2-40B4-BE49-F238E27FC236}">
+                <a16:creationId xmlns:a16="http://schemas.microsoft.com/office/drawing/2014/main" id="{F872B4BF-EECF-A027-6A84-811481C91C0D}"/>
+              </a:ext>
+            </a:extLst>
+          </p:cNvPr>
+          <p:cNvSpPr>
+            <a:spLocks noGrp="1"/>
+          </p:cNvSpPr>
+          <p:nvPr>
+            <p:ph idx="1"/>
+          </p:nvPr>
+        </p:nvSpPr>
+        <p:spPr/>
+        <p:txBody>
+          <a:bodyPr/>
+          <a:lstStyle/>
+          <a:p>
+            <a:endParaRPr lang="en-US" dirty="0"/>
+          </a:p>
+        </p:txBody>
+      </p:sp>
+      <p:sp>
+        <p:nvSpPr>
+          <p:cNvPr id="2" name="Title 1">
+            <a:extLst>
+              <a:ext uri="{FF2B5EF4-FFF2-40B4-BE49-F238E27FC236}">
+                <a16:creationId xmlns:a16="http://schemas.microsoft.com/office/drawing/2014/main" id="{6EB8BE75-D605-565C-FE0B-1C2B24675CA0}"/>
+              </a:ext>
+            </a:extLst>
+          </p:cNvPr>
+          <p:cNvSpPr>
+            <a:spLocks noGrp="1"/>
+          </p:cNvSpPr>
+          <p:nvPr>
+            <p:ph type="title"/>
+          </p:nvPr>
+        </p:nvSpPr>
+        <p:spPr>
+          <a:xfrm>
+            <a:off x="338666" y="183025"/>
+            <a:ext cx="8421512" cy="769441"/>
+          </a:xfrm>
+        </p:spPr>
+        <p:txBody>
+          <a:bodyPr/>
+          <a:lstStyle/>
+          <a:p>
+            <a:r>
+              <a:rPr lang="en-US" sz="4400" dirty="0"/>
+              <a:t>Example Data Analysis</a:t>
+            </a:r>
+          </a:p>
+        </p:txBody>
+      </p:sp>
+      <p:pic>
+        <p:nvPicPr>
+          <p:cNvPr id="9" name="Content Placeholder 3">
+            <a:extLst>
+              <a:ext uri="{FF2B5EF4-FFF2-40B4-BE49-F238E27FC236}">
+                <a16:creationId xmlns:a16="http://schemas.microsoft.com/office/drawing/2014/main" id="{226E6CD3-1A89-D4F6-148A-9021C8EEA523}"/>
+              </a:ext>
+            </a:extLst>
+          </p:cNvPr>
+          <p:cNvPicPr>
+            <a:picLocks noChangeAspect="1"/>
+          </p:cNvPicPr>
+          <p:nvPr/>
+        </p:nvPicPr>
+        <p:blipFill>
+          <a:blip r:embed="rId2"/>
+          <a:stretch>
+            <a:fillRect/>
+          </a:stretch>
+        </p:blipFill>
+        <p:spPr bwMode="auto">
+          <a:xfrm>
+            <a:off x="2419349" y="1138189"/>
+            <a:ext cx="4124326" cy="1827956"/>
+          </a:xfrm>
+          <a:prstGeom prst="rect">
+            <a:avLst/>
+          </a:prstGeom>
+          <a:noFill/>
+          <a:ln w="9525">
+            <a:noFill/>
+            <a:miter lim="800000"/>
+            <a:headEnd/>
+            <a:tailEnd/>
+          </a:ln>
+          <a:effectLst/>
+        </p:spPr>
+      </p:pic>
+      <p:pic>
+        <p:nvPicPr>
+          <p:cNvPr id="13" name="Picture 12">
+            <a:extLst>
+              <a:ext uri="{FF2B5EF4-FFF2-40B4-BE49-F238E27FC236}">
+                <a16:creationId xmlns:a16="http://schemas.microsoft.com/office/drawing/2014/main" id="{97012432-0D70-6E81-4B7A-C6D226034E1A}"/>
+              </a:ext>
+            </a:extLst>
+          </p:cNvPr>
+          <p:cNvPicPr>
+            <a:picLocks noChangeAspect="1"/>
+          </p:cNvPicPr>
+          <p:nvPr/>
+        </p:nvPicPr>
+        <p:blipFill>
+          <a:blip r:embed="rId3"/>
+          <a:stretch>
+            <a:fillRect/>
+          </a:stretch>
+        </p:blipFill>
+        <p:spPr>
+          <a:xfrm>
+            <a:off x="338666" y="2884113"/>
+            <a:ext cx="4890932" cy="1767962"/>
+          </a:xfrm>
+          <a:prstGeom prst="rect">
+            <a:avLst/>
+          </a:prstGeom>
+        </p:spPr>
+      </p:pic>
+      <p:pic>
+        <p:nvPicPr>
+          <p:cNvPr id="17" name="Picture 16">
+            <a:extLst>
+              <a:ext uri="{FF2B5EF4-FFF2-40B4-BE49-F238E27FC236}">
+                <a16:creationId xmlns:a16="http://schemas.microsoft.com/office/drawing/2014/main" id="{C321A046-AA8F-8068-A23E-BCAB5472CC2A}"/>
+              </a:ext>
+            </a:extLst>
+          </p:cNvPr>
+          <p:cNvPicPr>
+            <a:picLocks noChangeAspect="1"/>
+          </p:cNvPicPr>
+          <p:nvPr/>
+        </p:nvPicPr>
+        <p:blipFill>
+          <a:blip r:embed="rId4"/>
+          <a:stretch>
+            <a:fillRect/>
+          </a:stretch>
+        </p:blipFill>
+        <p:spPr>
+          <a:xfrm>
+            <a:off x="3901608" y="3891856"/>
+            <a:ext cx="4858570" cy="2678442"/>
+          </a:xfrm>
+          <a:prstGeom prst="rect">
+            <a:avLst/>
+          </a:prstGeom>
+        </p:spPr>
+      </p:pic>
+    </p:spTree>
+    <p:extLst>
+      <p:ext uri="{BB962C8B-B14F-4D97-AF65-F5344CB8AC3E}">
+        <p14:creationId xmlns:p14="http://schemas.microsoft.com/office/powerpoint/2010/main" val="560226384"/>
+      </p:ext>
+    </p:extLst>
+  </p:cSld>
+  <p:clrMapOvr>
+    <a:masterClrMapping/>
+  </p:clrMapOvr>
+</p:sld>
+</file>
+
+<file path=ppt/slides/slide12.xml><?xml version="1.0" encoding="utf-8"?>
+<p:sld xmlns:a="http://schemas.openxmlformats.org/drawingml/2006/main" xmlns:r="http://schemas.openxmlformats.org/officeDocument/2006/relationships" xmlns:p="http://schemas.openxmlformats.org/presentationml/2006/main">
+  <p:cSld>
+    <p:spTree>
+      <p:nvGrpSpPr>
+        <p:cNvPr id="1" name="">
+          <a:extLst>
+            <a:ext uri="{FF2B5EF4-FFF2-40B4-BE49-F238E27FC236}">
+              <a16:creationId xmlns:a16="http://schemas.microsoft.com/office/drawing/2014/main" id="{AD88CB60-3963-DE33-AF9F-60A85D51FD72}"/>
+            </a:ext>
+          </a:extLst>
+        </p:cNvPr>
+        <p:cNvGrpSpPr/>
+        <p:nvPr/>
+      </p:nvGrpSpPr>
+      <p:grpSpPr>
+        <a:xfrm>
+          <a:off x="0" y="0"/>
+          <a:ext cx="0" cy="0"/>
+          <a:chOff x="0" y="0"/>
+          <a:chExt cx="0" cy="0"/>
+        </a:xfrm>
+      </p:grpSpPr>
+      <p:sp>
+        <p:nvSpPr>
+          <p:cNvPr id="5" name="Content Placeholder 4">
+            <a:extLst>
+              <a:ext uri="{FF2B5EF4-FFF2-40B4-BE49-F238E27FC236}">
+                <a16:creationId xmlns:a16="http://schemas.microsoft.com/office/drawing/2014/main" id="{8A3F825A-AE47-347A-1AB0-3300EE7CBAD9}"/>
+              </a:ext>
+            </a:extLst>
+          </p:cNvPr>
+          <p:cNvSpPr>
+            <a:spLocks noGrp="1"/>
+          </p:cNvSpPr>
+          <p:nvPr>
+            <p:ph idx="1"/>
+          </p:nvPr>
+        </p:nvSpPr>
+        <p:spPr/>
+        <p:txBody>
+          <a:bodyPr/>
+          <a:lstStyle/>
+          <a:p>
+            <a:endParaRPr lang="en-US" dirty="0"/>
+          </a:p>
+        </p:txBody>
+      </p:sp>
+      <p:sp>
+        <p:nvSpPr>
+          <p:cNvPr id="2" name="Title 1">
+            <a:extLst>
+              <a:ext uri="{FF2B5EF4-FFF2-40B4-BE49-F238E27FC236}">
+                <a16:creationId xmlns:a16="http://schemas.microsoft.com/office/drawing/2014/main" id="{65083F0F-6D09-5784-4DEA-D3CC45DCE60B}"/>
+              </a:ext>
+            </a:extLst>
+          </p:cNvPr>
+          <p:cNvSpPr>
+            <a:spLocks noGrp="1"/>
+          </p:cNvSpPr>
+          <p:nvPr>
+            <p:ph type="title"/>
+          </p:nvPr>
+        </p:nvSpPr>
+        <p:spPr>
+          <a:xfrm>
+            <a:off x="338666" y="183025"/>
+            <a:ext cx="8421512" cy="769441"/>
+          </a:xfrm>
+        </p:spPr>
+        <p:txBody>
+          <a:bodyPr/>
+          <a:lstStyle/>
+          <a:p>
+            <a:r>
+              <a:rPr lang="en-US" sz="4400" dirty="0"/>
+              <a:t>Example Data Analysis</a:t>
+            </a:r>
+          </a:p>
+        </p:txBody>
+      </p:sp>
+      <p:pic>
+        <p:nvPicPr>
+          <p:cNvPr id="3" name="Picture 2">
+            <a:extLst>
+              <a:ext uri="{FF2B5EF4-FFF2-40B4-BE49-F238E27FC236}">
+                <a16:creationId xmlns:a16="http://schemas.microsoft.com/office/drawing/2014/main" id="{51C49A11-F4A2-7DD4-9F05-67EF28EE67AC}"/>
+              </a:ext>
+            </a:extLst>
+          </p:cNvPr>
+          <p:cNvPicPr>
+            <a:picLocks noChangeAspect="1"/>
+          </p:cNvPicPr>
+          <p:nvPr/>
+        </p:nvPicPr>
+        <p:blipFill>
+          <a:blip r:embed="rId2"/>
+          <a:stretch>
+            <a:fillRect/>
+          </a:stretch>
+        </p:blipFill>
+        <p:spPr>
+          <a:xfrm>
+            <a:off x="2021027" y="952466"/>
+            <a:ext cx="4673994" cy="1759768"/>
+          </a:xfrm>
+          <a:prstGeom prst="rect">
+            <a:avLst/>
+          </a:prstGeom>
+        </p:spPr>
+      </p:pic>
+      <p:pic>
+        <p:nvPicPr>
+          <p:cNvPr id="6" name="Picture 5">
+            <a:extLst>
+              <a:ext uri="{FF2B5EF4-FFF2-40B4-BE49-F238E27FC236}">
+                <a16:creationId xmlns:a16="http://schemas.microsoft.com/office/drawing/2014/main" id="{A2EF3F45-438E-1776-7AD7-2ECA8E36E89A}"/>
+              </a:ext>
+            </a:extLst>
+          </p:cNvPr>
+          <p:cNvPicPr>
+            <a:picLocks noChangeAspect="1"/>
+          </p:cNvPicPr>
+          <p:nvPr/>
+        </p:nvPicPr>
+        <p:blipFill>
+          <a:blip r:embed="rId3"/>
+          <a:stretch>
+            <a:fillRect/>
+          </a:stretch>
+        </p:blipFill>
+        <p:spPr>
+          <a:xfrm>
+            <a:off x="471335" y="2688922"/>
+            <a:ext cx="3905250" cy="2501800"/>
+          </a:xfrm>
+          <a:prstGeom prst="rect">
+            <a:avLst/>
+          </a:prstGeom>
+        </p:spPr>
+      </p:pic>
+      <p:pic>
+        <p:nvPicPr>
+          <p:cNvPr id="14" name="Picture 13">
+            <a:extLst>
+              <a:ext uri="{FF2B5EF4-FFF2-40B4-BE49-F238E27FC236}">
+                <a16:creationId xmlns:a16="http://schemas.microsoft.com/office/drawing/2014/main" id="{CAD46EC4-E89E-905A-F820-F6BB0D937655}"/>
+              </a:ext>
+            </a:extLst>
+          </p:cNvPr>
+          <p:cNvPicPr>
+            <a:picLocks noChangeAspect="1"/>
+          </p:cNvPicPr>
+          <p:nvPr/>
+        </p:nvPicPr>
+        <p:blipFill>
+          <a:blip r:embed="rId4"/>
+          <a:stretch>
+            <a:fillRect/>
+          </a:stretch>
+        </p:blipFill>
+        <p:spPr>
+          <a:xfrm>
+            <a:off x="4358024" y="3040740"/>
+            <a:ext cx="4314641" cy="3634235"/>
+          </a:xfrm>
+          <a:prstGeom prst="rect">
+            <a:avLst/>
+          </a:prstGeom>
+        </p:spPr>
+      </p:pic>
+    </p:spTree>
+    <p:extLst>
+      <p:ext uri="{BB962C8B-B14F-4D97-AF65-F5344CB8AC3E}">
+        <p14:creationId xmlns:p14="http://schemas.microsoft.com/office/powerpoint/2010/main" val="975803485"/>
+      </p:ext>
+    </p:extLst>
+  </p:cSld>
+  <p:clrMapOvr>
+    <a:masterClrMapping/>
+  </p:clrMapOvr>
+</p:sld>
+</file>
+
+<file path=ppt/slides/slide13.xml><?xml version="1.0" encoding="utf-8"?>
+<p:sld xmlns:a="http://schemas.openxmlformats.org/drawingml/2006/main" xmlns:r="http://schemas.openxmlformats.org/officeDocument/2006/relationships" xmlns:p="http://schemas.openxmlformats.org/presentationml/2006/main">
+  <p:cSld>
+    <p:spTree>
+      <p:nvGrpSpPr>
+        <p:cNvPr id="1" name="">
+          <a:extLst>
+            <a:ext uri="{FF2B5EF4-FFF2-40B4-BE49-F238E27FC236}">
+              <a16:creationId xmlns:a16="http://schemas.microsoft.com/office/drawing/2014/main" id="{86E3CEC4-A742-9927-FB69-2C80F593B08B}"/>
+            </a:ext>
+          </a:extLst>
+        </p:cNvPr>
+        <p:cNvGrpSpPr/>
+        <p:nvPr/>
+      </p:nvGrpSpPr>
+      <p:grpSpPr>
+        <a:xfrm>
+          <a:off x="0" y="0"/>
+          <a:ext cx="0" cy="0"/>
+          <a:chOff x="0" y="0"/>
+          <a:chExt cx="0" cy="0"/>
+        </a:xfrm>
+      </p:grpSpPr>
+      <p:sp>
+        <p:nvSpPr>
+          <p:cNvPr id="5" name="Content Placeholder 4">
+            <a:extLst>
+              <a:ext uri="{FF2B5EF4-FFF2-40B4-BE49-F238E27FC236}">
+                <a16:creationId xmlns:a16="http://schemas.microsoft.com/office/drawing/2014/main" id="{368D174C-0CAE-441A-9CB9-B25903B3393C}"/>
+              </a:ext>
+            </a:extLst>
+          </p:cNvPr>
+          <p:cNvSpPr>
+            <a:spLocks noGrp="1"/>
+          </p:cNvSpPr>
+          <p:nvPr>
+            <p:ph idx="1"/>
+          </p:nvPr>
+        </p:nvSpPr>
+        <p:spPr/>
+        <p:txBody>
+          <a:bodyPr/>
+          <a:lstStyle/>
+          <a:p>
+            <a:endParaRPr lang="en-US" dirty="0"/>
+          </a:p>
+        </p:txBody>
+      </p:sp>
+      <p:sp>
+        <p:nvSpPr>
+          <p:cNvPr id="2" name="Title 1">
+            <a:extLst>
+              <a:ext uri="{FF2B5EF4-FFF2-40B4-BE49-F238E27FC236}">
+                <a16:creationId xmlns:a16="http://schemas.microsoft.com/office/drawing/2014/main" id="{DF5DA0E0-561E-DEEE-49E7-101AB21086F7}"/>
+              </a:ext>
+            </a:extLst>
+          </p:cNvPr>
+          <p:cNvSpPr>
+            <a:spLocks noGrp="1"/>
+          </p:cNvSpPr>
+          <p:nvPr>
+            <p:ph type="title"/>
+          </p:nvPr>
+        </p:nvSpPr>
+        <p:spPr>
+          <a:xfrm>
+            <a:off x="338666" y="183025"/>
+            <a:ext cx="8421512" cy="769441"/>
+          </a:xfrm>
+        </p:spPr>
+        <p:txBody>
+          <a:bodyPr/>
+          <a:lstStyle/>
+          <a:p>
+            <a:r>
+              <a:rPr lang="en-US" sz="4400" dirty="0"/>
+              <a:t>Example Data Analysis</a:t>
+            </a:r>
+          </a:p>
+        </p:txBody>
+      </p:sp>
+      <p:pic>
+        <p:nvPicPr>
+          <p:cNvPr id="9" name="Content Placeholder 3">
+            <a:extLst>
+              <a:ext uri="{FF2B5EF4-FFF2-40B4-BE49-F238E27FC236}">
+                <a16:creationId xmlns:a16="http://schemas.microsoft.com/office/drawing/2014/main" id="{32C1767E-1BDB-A840-3C29-3167848818DC}"/>
+              </a:ext>
+            </a:extLst>
+          </p:cNvPr>
+          <p:cNvPicPr>
+            <a:picLocks noChangeAspect="1"/>
+          </p:cNvPicPr>
+          <p:nvPr/>
+        </p:nvPicPr>
+        <p:blipFill>
+          <a:blip r:embed="rId2"/>
+          <a:stretch>
+            <a:fillRect/>
+          </a:stretch>
+        </p:blipFill>
+        <p:spPr bwMode="auto">
+          <a:xfrm>
+            <a:off x="2895599" y="1033414"/>
+            <a:ext cx="4124326" cy="1827956"/>
+          </a:xfrm>
+          <a:prstGeom prst="rect">
+            <a:avLst/>
+          </a:prstGeom>
+          <a:noFill/>
+          <a:ln w="9525">
+            <a:noFill/>
+            <a:miter lim="800000"/>
+            <a:headEnd/>
+            <a:tailEnd/>
+          </a:ln>
+          <a:effectLst/>
+        </p:spPr>
+      </p:pic>
+      <p:pic>
+        <p:nvPicPr>
+          <p:cNvPr id="10" name="Picture 9">
+            <a:extLst>
+              <a:ext uri="{FF2B5EF4-FFF2-40B4-BE49-F238E27FC236}">
+                <a16:creationId xmlns:a16="http://schemas.microsoft.com/office/drawing/2014/main" id="{A7D64217-6597-D5FE-21AF-7F3C06990580}"/>
+              </a:ext>
+            </a:extLst>
+          </p:cNvPr>
+          <p:cNvPicPr>
+            <a:picLocks noChangeAspect="1"/>
+          </p:cNvPicPr>
+          <p:nvPr/>
+        </p:nvPicPr>
+        <p:blipFill>
+          <a:blip r:embed="rId3"/>
+          <a:stretch>
+            <a:fillRect/>
+          </a:stretch>
+        </p:blipFill>
+        <p:spPr>
+          <a:xfrm>
+            <a:off x="338666" y="2861370"/>
+            <a:ext cx="5372600" cy="1900415"/>
+          </a:xfrm>
+          <a:prstGeom prst="rect">
+            <a:avLst/>
+          </a:prstGeom>
+        </p:spPr>
+      </p:pic>
+      <p:pic>
+        <p:nvPicPr>
+          <p:cNvPr id="12" name="Picture 11">
+            <a:extLst>
+              <a:ext uri="{FF2B5EF4-FFF2-40B4-BE49-F238E27FC236}">
+                <a16:creationId xmlns:a16="http://schemas.microsoft.com/office/drawing/2014/main" id="{FDA1A9A4-A2EE-2F06-894A-B81E247C08EF}"/>
+              </a:ext>
+            </a:extLst>
+          </p:cNvPr>
+          <p:cNvPicPr>
+            <a:picLocks noChangeAspect="1"/>
+          </p:cNvPicPr>
+          <p:nvPr/>
+        </p:nvPicPr>
+        <p:blipFill>
+          <a:blip r:embed="rId4"/>
+          <a:stretch>
+            <a:fillRect/>
+          </a:stretch>
+        </p:blipFill>
+        <p:spPr>
+          <a:xfrm>
+            <a:off x="4070144" y="3899373"/>
+            <a:ext cx="4638675" cy="2648182"/>
+          </a:xfrm>
+          <a:prstGeom prst="rect">
+            <a:avLst/>
+          </a:prstGeom>
+        </p:spPr>
+      </p:pic>
+    </p:spTree>
+    <p:extLst>
+      <p:ext uri="{BB962C8B-B14F-4D97-AF65-F5344CB8AC3E}">
+        <p14:creationId xmlns:p14="http://schemas.microsoft.com/office/powerpoint/2010/main" val="2941777939"/>
+      </p:ext>
+    </p:extLst>
+  </p:cSld>
+  <p:clrMapOvr>
+    <a:masterClrMapping/>
+  </p:clrMapOvr>
+</p:sld>
+</file>
+
 <file path=ppt/slides/slide14.xml><?xml version="1.0" encoding="utf-8"?>
+<p:sld xmlns:a="http://schemas.openxmlformats.org/drawingml/2006/main" xmlns:r="http://schemas.openxmlformats.org/officeDocument/2006/relationships" xmlns:p="http://schemas.openxmlformats.org/presentationml/2006/main">
+  <p:cSld>
+    <p:spTree>
+      <p:nvGrpSpPr>
+        <p:cNvPr id="1" name="">
+          <a:extLst>
+            <a:ext uri="{FF2B5EF4-FFF2-40B4-BE49-F238E27FC236}">
+              <a16:creationId xmlns:a16="http://schemas.microsoft.com/office/drawing/2014/main" id="{4A9CDF3E-754D-C738-3BDA-EC93C34676F6}"/>
+            </a:ext>
+          </a:extLst>
+        </p:cNvPr>
+        <p:cNvGrpSpPr/>
+        <p:nvPr/>
+      </p:nvGrpSpPr>
+      <p:grpSpPr>
+        <a:xfrm>
+          <a:off x="0" y="0"/>
+          <a:ext cx="0" cy="0"/>
+          <a:chOff x="0" y="0"/>
+          <a:chExt cx="0" cy="0"/>
+        </a:xfrm>
+      </p:grpSpPr>
+      <p:sp>
+        <p:nvSpPr>
+          <p:cNvPr id="5" name="Content Placeholder 4">
+            <a:extLst>
+              <a:ext uri="{FF2B5EF4-FFF2-40B4-BE49-F238E27FC236}">
+                <a16:creationId xmlns:a16="http://schemas.microsoft.com/office/drawing/2014/main" id="{BA3FA93A-0E33-F256-CF32-C3EB8B5DDD39}"/>
+              </a:ext>
+            </a:extLst>
+          </p:cNvPr>
+          <p:cNvSpPr>
+            <a:spLocks noGrp="1"/>
+          </p:cNvSpPr>
+          <p:nvPr>
+            <p:ph idx="1"/>
+          </p:nvPr>
+        </p:nvSpPr>
+        <p:spPr/>
+        <p:txBody>
+          <a:bodyPr/>
+          <a:lstStyle/>
+          <a:p>
+            <a:endParaRPr lang="en-US" dirty="0"/>
+          </a:p>
+        </p:txBody>
+      </p:sp>
+      <p:sp>
+        <p:nvSpPr>
+          <p:cNvPr id="2" name="Title 1">
+            <a:extLst>
+              <a:ext uri="{FF2B5EF4-FFF2-40B4-BE49-F238E27FC236}">
+                <a16:creationId xmlns:a16="http://schemas.microsoft.com/office/drawing/2014/main" id="{21899A13-DC9C-FD92-4D70-7FD2B8D96B94}"/>
+              </a:ext>
+            </a:extLst>
+          </p:cNvPr>
+          <p:cNvSpPr>
+            <a:spLocks noGrp="1"/>
+          </p:cNvSpPr>
+          <p:nvPr>
+            <p:ph type="title"/>
+          </p:nvPr>
+        </p:nvSpPr>
+        <p:spPr>
+          <a:xfrm>
+            <a:off x="338666" y="183025"/>
+            <a:ext cx="8421512" cy="769441"/>
+          </a:xfrm>
+        </p:spPr>
+        <p:txBody>
+          <a:bodyPr/>
+          <a:lstStyle/>
+          <a:p>
+            <a:r>
+              <a:rPr lang="en-US" sz="4400" dirty="0"/>
+              <a:t>Example Data Analysis</a:t>
+            </a:r>
+          </a:p>
+        </p:txBody>
+      </p:sp>
+      <p:pic>
+        <p:nvPicPr>
+          <p:cNvPr id="7" name="Picture 6">
+            <a:extLst>
+              <a:ext uri="{FF2B5EF4-FFF2-40B4-BE49-F238E27FC236}">
+                <a16:creationId xmlns:a16="http://schemas.microsoft.com/office/drawing/2014/main" id="{A9387F61-4F39-963D-A695-1AE232CFF3D8}"/>
+              </a:ext>
+            </a:extLst>
+          </p:cNvPr>
+          <p:cNvPicPr>
+            <a:picLocks noChangeAspect="1"/>
+          </p:cNvPicPr>
+          <p:nvPr/>
+        </p:nvPicPr>
+        <p:blipFill>
+          <a:blip r:embed="rId3"/>
+          <a:stretch>
+            <a:fillRect/>
+          </a:stretch>
+        </p:blipFill>
+        <p:spPr>
+          <a:xfrm>
+            <a:off x="3430796" y="3067238"/>
+            <a:ext cx="5329382" cy="3480317"/>
+          </a:xfrm>
+          <a:prstGeom prst="rect">
+            <a:avLst/>
+          </a:prstGeom>
+        </p:spPr>
+      </p:pic>
+      <p:pic>
+        <p:nvPicPr>
+          <p:cNvPr id="8" name="Picture 7">
+            <a:extLst>
+              <a:ext uri="{FF2B5EF4-FFF2-40B4-BE49-F238E27FC236}">
+                <a16:creationId xmlns:a16="http://schemas.microsoft.com/office/drawing/2014/main" id="{B853B637-25D2-E8D1-3043-2D63A81C5054}"/>
+              </a:ext>
+            </a:extLst>
+          </p:cNvPr>
+          <p:cNvPicPr>
+            <a:picLocks noChangeAspect="1"/>
+          </p:cNvPicPr>
+          <p:nvPr/>
+        </p:nvPicPr>
+        <p:blipFill>
+          <a:blip r:embed="rId4"/>
+          <a:stretch>
+            <a:fillRect/>
+          </a:stretch>
+        </p:blipFill>
+        <p:spPr>
+          <a:xfrm>
+            <a:off x="157691" y="1048868"/>
+            <a:ext cx="5360849" cy="2018370"/>
+          </a:xfrm>
+          <a:prstGeom prst="rect">
+            <a:avLst/>
+          </a:prstGeom>
+        </p:spPr>
+      </p:pic>
+    </p:spTree>
+    <p:extLst>
+      <p:ext uri="{BB962C8B-B14F-4D97-AF65-F5344CB8AC3E}">
+        <p14:creationId xmlns:p14="http://schemas.microsoft.com/office/powerpoint/2010/main" val="988575837"/>
+      </p:ext>
+    </p:extLst>
+  </p:cSld>
+  <p:clrMapOvr>
+    <a:masterClrMapping/>
+  </p:clrMapOvr>
+</p:sld>
+</file>
+
+<file path=ppt/slides/slide15.xml><?xml version="1.0" encoding="utf-8"?>
+<p:sld xmlns:a="http://schemas.openxmlformats.org/drawingml/2006/main" xmlns:r="http://schemas.openxmlformats.org/officeDocument/2006/relationships" xmlns:p="http://schemas.openxmlformats.org/presentationml/2006/main">
+  <p:cSld>
+    <p:spTree>
+      <p:nvGrpSpPr>
+        <p:cNvPr id="1" name="">
+          <a:extLst>
+            <a:ext uri="{FF2B5EF4-FFF2-40B4-BE49-F238E27FC236}">
+              <a16:creationId xmlns:a16="http://schemas.microsoft.com/office/drawing/2014/main" id="{B311AE72-ED5E-FEA9-155C-BDDF03A470F2}"/>
+            </a:ext>
+          </a:extLst>
+        </p:cNvPr>
+        <p:cNvGrpSpPr/>
+        <p:nvPr/>
+      </p:nvGrpSpPr>
+      <p:grpSpPr>
+        <a:xfrm>
+          <a:off x="0" y="0"/>
+          <a:ext cx="0" cy="0"/>
+          <a:chOff x="0" y="0"/>
+          <a:chExt cx="0" cy="0"/>
+        </a:xfrm>
+      </p:grpSpPr>
+      <p:sp>
+        <p:nvSpPr>
+          <p:cNvPr id="5" name="Content Placeholder 4">
+            <a:extLst>
+              <a:ext uri="{FF2B5EF4-FFF2-40B4-BE49-F238E27FC236}">
+                <a16:creationId xmlns:a16="http://schemas.microsoft.com/office/drawing/2014/main" id="{5271BAC2-74AC-DBF0-6E9A-FFCEA46A5DD5}"/>
+              </a:ext>
+            </a:extLst>
+          </p:cNvPr>
+          <p:cNvSpPr>
+            <a:spLocks noGrp="1"/>
+          </p:cNvSpPr>
+          <p:nvPr>
+            <p:ph idx="1"/>
+          </p:nvPr>
+        </p:nvSpPr>
+        <p:spPr/>
+        <p:txBody>
+          <a:bodyPr/>
+          <a:lstStyle/>
+          <a:p>
+            <a:endParaRPr lang="en-US" dirty="0"/>
+          </a:p>
+        </p:txBody>
+      </p:sp>
+      <p:sp>
+        <p:nvSpPr>
+          <p:cNvPr id="2" name="Title 1">
+            <a:extLst>
+              <a:ext uri="{FF2B5EF4-FFF2-40B4-BE49-F238E27FC236}">
+                <a16:creationId xmlns:a16="http://schemas.microsoft.com/office/drawing/2014/main" id="{AC8CBA34-0B67-0F84-D060-A56DF471C993}"/>
+              </a:ext>
+            </a:extLst>
+          </p:cNvPr>
+          <p:cNvSpPr>
+            <a:spLocks noGrp="1"/>
+          </p:cNvSpPr>
+          <p:nvPr>
+            <p:ph type="title"/>
+          </p:nvPr>
+        </p:nvSpPr>
+        <p:spPr>
+          <a:xfrm>
+            <a:off x="338666" y="183025"/>
+            <a:ext cx="8421512" cy="769441"/>
+          </a:xfrm>
+        </p:spPr>
+        <p:txBody>
+          <a:bodyPr/>
+          <a:lstStyle/>
+          <a:p>
+            <a:r>
+              <a:rPr lang="en-US" sz="4400" dirty="0"/>
+              <a:t>Example Data Analysis</a:t>
+            </a:r>
+          </a:p>
+        </p:txBody>
+      </p:sp>
+      <p:pic>
+        <p:nvPicPr>
+          <p:cNvPr id="8" name="Picture 7">
+            <a:extLst>
+              <a:ext uri="{FF2B5EF4-FFF2-40B4-BE49-F238E27FC236}">
+                <a16:creationId xmlns:a16="http://schemas.microsoft.com/office/drawing/2014/main" id="{B95716F2-1F7C-1916-FE6D-F4EF3C6F0D1E}"/>
+              </a:ext>
+            </a:extLst>
+          </p:cNvPr>
+          <p:cNvPicPr>
+            <a:picLocks noChangeAspect="1"/>
+          </p:cNvPicPr>
+          <p:nvPr/>
+        </p:nvPicPr>
+        <p:blipFill>
+          <a:blip r:embed="rId2"/>
+          <a:stretch>
+            <a:fillRect/>
+          </a:stretch>
+        </p:blipFill>
+        <p:spPr>
+          <a:xfrm>
+            <a:off x="157691" y="1048868"/>
+            <a:ext cx="5360849" cy="2018370"/>
+          </a:xfrm>
+          <a:prstGeom prst="rect">
+            <a:avLst/>
+          </a:prstGeom>
+        </p:spPr>
+      </p:pic>
+      <p:pic>
+        <p:nvPicPr>
+          <p:cNvPr id="4" name="Picture 3">
+            <a:extLst>
+              <a:ext uri="{FF2B5EF4-FFF2-40B4-BE49-F238E27FC236}">
+                <a16:creationId xmlns:a16="http://schemas.microsoft.com/office/drawing/2014/main" id="{378A28AF-02F5-DEA9-754B-F2D1D8CCF7D4}"/>
+              </a:ext>
+            </a:extLst>
+          </p:cNvPr>
+          <p:cNvPicPr>
+            <a:picLocks noChangeAspect="1"/>
+          </p:cNvPicPr>
+          <p:nvPr/>
+        </p:nvPicPr>
+        <p:blipFill>
+          <a:blip r:embed="rId3"/>
+          <a:stretch>
+            <a:fillRect/>
+          </a:stretch>
+        </p:blipFill>
+        <p:spPr>
+          <a:xfrm>
+            <a:off x="3752849" y="1940701"/>
+            <a:ext cx="5233459" cy="4408158"/>
+          </a:xfrm>
+          <a:prstGeom prst="rect">
+            <a:avLst/>
+          </a:prstGeom>
+        </p:spPr>
+      </p:pic>
+    </p:spTree>
+    <p:extLst>
+      <p:ext uri="{BB962C8B-B14F-4D97-AF65-F5344CB8AC3E}">
+        <p14:creationId xmlns:p14="http://schemas.microsoft.com/office/powerpoint/2010/main" val="888528750"/>
+      </p:ext>
+    </p:extLst>
+  </p:cSld>
+  <p:clrMapOvr>
+    <a:masterClrMapping/>
+  </p:clrMapOvr>
+</p:sld>
+</file>
+
+<file path=ppt/slides/slide16.xml><?xml version="1.0" encoding="utf-8"?>
 <p:sld xmlns:a="http://schemas.openxmlformats.org/drawingml/2006/main" xmlns:r="http://schemas.openxmlformats.org/officeDocument/2006/relationships" xmlns:p="http://schemas.openxmlformats.org/presentationml/2006/main">
   <p:cSld>
     <p:spTree>
@@ -11994,25 +11736,19 @@
           <a:p>
             <a:r>
               <a:rPr lang="en-US" dirty="0"/>
-              <a:t>The copper sulfide product goes into solids waste container</a:t>
+              <a:t>Return equipment cleaned if necessary to its storage areas</a:t>
             </a:r>
           </a:p>
           <a:p>
             <a:r>
               <a:rPr lang="en-US" dirty="0"/>
-              <a:t>WITHOUT AT ALL GETTING CRUCIBLE WET WITH ANY WATER, wipe crucible with dry paper towel</a:t>
+              <a:t>Return cardboard lid to supply bin</a:t>
             </a:r>
           </a:p>
           <a:p>
             <a:r>
               <a:rPr lang="en-US" dirty="0"/>
-              <a:t>Use soapy water to clean the watch glass</a:t>
-            </a:r>
-          </a:p>
-          <a:p>
-            <a:r>
-              <a:rPr lang="en-US" dirty="0"/>
-              <a:t>Place all other items in appropriate locations</a:t>
+              <a:t>Discard the Styrofoam cups</a:t>
             </a:r>
           </a:p>
         </p:txBody>
@@ -12065,7 +11801,7 @@
         </p:nvSpPr>
         <p:spPr>
           <a:xfrm>
-            <a:off x="355599" y="234315"/>
+            <a:off x="349956" y="161724"/>
             <a:ext cx="8421512" cy="830997"/>
           </a:xfrm>
         </p:spPr>
@@ -12080,77 +11816,653 @@
           </a:p>
         </p:txBody>
       </p:sp>
-      <p:sp>
-        <p:nvSpPr>
-          <p:cNvPr id="3" name="Content Placeholder 2">
+      <mc:AlternateContent xmlns:mc="http://schemas.openxmlformats.org/markup-compatibility/2006">
+        <mc:Choice xmlns:a14="http://schemas.microsoft.com/office/drawing/2010/main" Requires="a14">
+          <p:sp>
+            <p:nvSpPr>
+              <p:cNvPr id="3" name="Content Placeholder 2">
+                <a:extLst>
+                  <a:ext uri="{FF2B5EF4-FFF2-40B4-BE49-F238E27FC236}">
+                    <a16:creationId xmlns:a16="http://schemas.microsoft.com/office/drawing/2014/main" id="{A2BC5B2E-5542-F5D6-CEA6-30C230FF4E97}"/>
+                  </a:ext>
+                </a:extLst>
+              </p:cNvPr>
+              <p:cNvSpPr>
+                <a:spLocks noGrp="1"/>
+              </p:cNvSpPr>
+              <p:nvPr>
+                <p:ph idx="1"/>
+              </p:nvPr>
+            </p:nvSpPr>
+            <p:spPr>
+              <a:xfrm>
+                <a:off x="372532" y="992721"/>
+                <a:ext cx="8387645" cy="5215465"/>
+              </a:xfrm>
+            </p:spPr>
+            <p:txBody>
+              <a:bodyPr/>
+              <a:lstStyle/>
+              <a:p>
+                <a:r>
+                  <a:rPr lang="en-US" sz="2200" b="1" dirty="0">
+                    <a:solidFill>
+                      <a:srgbClr val="00FF00"/>
+                    </a:solidFill>
+                  </a:rPr>
+                  <a:t>Calorimetry</a:t>
+                </a:r>
+                <a:r>
+                  <a:rPr lang="en-US" sz="2200" dirty="0"/>
+                  <a:t> means the </a:t>
+                </a:r>
+                <a:r>
+                  <a:rPr lang="en-US" sz="2200" dirty="0">
+                    <a:solidFill>
+                      <a:srgbClr val="FFFF00"/>
+                    </a:solidFill>
+                  </a:rPr>
+                  <a:t>measurement</a:t>
+                </a:r>
+                <a:r>
+                  <a:rPr lang="en-US" sz="2200" dirty="0"/>
+                  <a:t> of </a:t>
+                </a:r>
+                <a:r>
+                  <a:rPr lang="en-US" sz="2200" dirty="0">
+                    <a:solidFill>
+                      <a:srgbClr val="FFC000"/>
+                    </a:solidFill>
+                  </a:rPr>
+                  <a:t>heat</a:t>
+                </a:r>
+                <a:r>
+                  <a:rPr lang="en-US" sz="2200" dirty="0"/>
+                  <a:t>. This measurement is of </a:t>
+                </a:r>
+                <a:r>
+                  <a:rPr lang="en-US" sz="2200" dirty="0">
+                    <a:solidFill>
+                      <a:srgbClr val="FFC000"/>
+                    </a:solidFill>
+                  </a:rPr>
+                  <a:t>heat energy </a:t>
+                </a:r>
+                <a:r>
+                  <a:rPr lang="en-US" sz="2200" dirty="0"/>
+                  <a:t>either </a:t>
+                </a:r>
+                <a:r>
+                  <a:rPr lang="en-US" sz="2200" dirty="0">
+                    <a:solidFill>
+                      <a:srgbClr val="FFFF00"/>
+                    </a:solidFill>
+                  </a:rPr>
+                  <a:t>given off </a:t>
+                </a:r>
+                <a:r>
+                  <a:rPr lang="en-US" sz="2200" dirty="0"/>
+                  <a:t>(</a:t>
+                </a:r>
+                <a:r>
+                  <a:rPr lang="en-US" sz="2200" dirty="0">
+                    <a:solidFill>
+                      <a:schemeClr val="accent1">
+                        <a:lumMod val="60000"/>
+                        <a:lumOff val="40000"/>
+                      </a:schemeClr>
+                    </a:solidFill>
+                  </a:rPr>
+                  <a:t>exothermic</a:t>
+                </a:r>
+                <a:r>
+                  <a:rPr lang="en-US" sz="2200" dirty="0"/>
+                  <a:t>) or </a:t>
+                </a:r>
+                <a:r>
+                  <a:rPr lang="en-US" sz="2200" dirty="0">
+                    <a:solidFill>
+                      <a:srgbClr val="FFFF00"/>
+                    </a:solidFill>
+                  </a:rPr>
+                  <a:t>absorbed</a:t>
+                </a:r>
+                <a:r>
+                  <a:rPr lang="en-US" sz="2200" dirty="0"/>
+                  <a:t> (</a:t>
+                </a:r>
+                <a:r>
+                  <a:rPr lang="en-US" sz="2200" dirty="0">
+                    <a:solidFill>
+                      <a:schemeClr val="accent1">
+                        <a:lumMod val="60000"/>
+                        <a:lumOff val="40000"/>
+                      </a:schemeClr>
+                    </a:solidFill>
+                  </a:rPr>
+                  <a:t>endothermic</a:t>
+                </a:r>
+                <a:r>
+                  <a:rPr lang="en-US" sz="2200" dirty="0"/>
+                  <a:t>) by the </a:t>
+                </a:r>
+                <a:r>
+                  <a:rPr lang="en-US" sz="2200" dirty="0">
+                    <a:solidFill>
+                      <a:srgbClr val="FFFF00"/>
+                    </a:solidFill>
+                  </a:rPr>
+                  <a:t>system</a:t>
+                </a:r>
+                <a:r>
+                  <a:rPr lang="en-US" sz="2200" dirty="0"/>
+                  <a:t> from the </a:t>
+                </a:r>
+                <a:r>
+                  <a:rPr lang="en-US" sz="2200" dirty="0">
+                    <a:solidFill>
+                      <a:srgbClr val="FFFF00"/>
+                    </a:solidFill>
+                  </a:rPr>
+                  <a:t>surroundings</a:t>
+                </a:r>
+              </a:p>
+              <a:p>
+                <a:r>
+                  <a:rPr lang="en-US" sz="2200" dirty="0"/>
+                  <a:t>Heat is measured by </a:t>
+                </a:r>
+                <a:r>
+                  <a:rPr lang="en-US" sz="2200" b="1" dirty="0">
+                    <a:solidFill>
+                      <a:srgbClr val="00FF00"/>
+                    </a:solidFill>
+                  </a:rPr>
+                  <a:t>temperature</a:t>
+                </a:r>
+                <a:r>
+                  <a:rPr lang="en-US" sz="2200" dirty="0"/>
+                  <a:t> changes with a </a:t>
+                </a:r>
+                <a:r>
+                  <a:rPr lang="en-US" sz="2200" dirty="0">
+                    <a:solidFill>
+                      <a:schemeClr val="accent1">
+                        <a:lumMod val="60000"/>
+                        <a:lumOff val="40000"/>
+                      </a:schemeClr>
+                    </a:solidFill>
+                  </a:rPr>
+                  <a:t>thermometer </a:t>
+                </a:r>
+                <a:r>
+                  <a:rPr lang="en-US" sz="2200" dirty="0"/>
+                  <a:t>and utilizes the </a:t>
+                </a:r>
+                <a:r>
+                  <a:rPr lang="en-US" sz="2200" dirty="0">
+                    <a:solidFill>
+                      <a:srgbClr val="FFC000"/>
+                    </a:solidFill>
+                  </a:rPr>
+                  <a:t>specific heat capacity </a:t>
+                </a:r>
+                <a:r>
+                  <a:rPr lang="en-US" sz="2200" dirty="0"/>
+                  <a:t>equation:</a:t>
+                </a:r>
+              </a:p>
+              <a:p>
+                <a:pPr marL="0" indent="0">
+                  <a:buNone/>
+                </a:pPr>
+                <a14:m>
+                  <m:oMathPara xmlns:m="http://schemas.openxmlformats.org/officeDocument/2006/math">
+                    <m:oMathParaPr>
+                      <m:jc m:val="centerGroup"/>
+                    </m:oMathParaPr>
+                    <m:oMath xmlns:m="http://schemas.openxmlformats.org/officeDocument/2006/math">
+                      <m:r>
+                        <a:rPr lang="en-US" b="0" i="1" smtClean="0">
+                          <a:solidFill>
+                            <a:srgbClr val="FFFF00"/>
+                          </a:solidFill>
+                          <a:latin typeface="Cambria Math" panose="02040503050406030204" pitchFamily="18" charset="0"/>
+                        </a:rPr>
+                        <m:t>𝑞</m:t>
+                      </m:r>
+                      <m:r>
+                        <a:rPr lang="en-US" b="0" i="1" smtClean="0">
+                          <a:solidFill>
+                            <a:srgbClr val="FFFF00"/>
+                          </a:solidFill>
+                          <a:latin typeface="Cambria Math" panose="02040503050406030204" pitchFamily="18" charset="0"/>
+                        </a:rPr>
+                        <m:t>=</m:t>
+                      </m:r>
+                      <m:r>
+                        <a:rPr lang="en-US" b="0" i="1" smtClean="0">
+                          <a:solidFill>
+                            <a:srgbClr val="FFFF00"/>
+                          </a:solidFill>
+                          <a:latin typeface="Cambria Math" panose="02040503050406030204" pitchFamily="18" charset="0"/>
+                        </a:rPr>
+                        <m:t>𝑚</m:t>
+                      </m:r>
+                      <m:r>
+                        <a:rPr lang="en-US" b="0" i="1" smtClean="0">
+                          <a:solidFill>
+                            <a:srgbClr val="FFFF00"/>
+                          </a:solidFill>
+                          <a:latin typeface="Cambria Math" panose="02040503050406030204" pitchFamily="18" charset="0"/>
+                        </a:rPr>
+                        <m:t> ×</m:t>
+                      </m:r>
+                      <m:r>
+                        <a:rPr lang="en-US" b="0" i="1" smtClean="0">
+                          <a:solidFill>
+                            <a:srgbClr val="FFFF00"/>
+                          </a:solidFill>
+                          <a:latin typeface="Cambria Math" panose="02040503050406030204" pitchFamily="18" charset="0"/>
+                          <a:ea typeface="Cambria Math" panose="02040503050406030204" pitchFamily="18" charset="0"/>
+                        </a:rPr>
+                        <m:t>𝑐</m:t>
+                      </m:r>
+                      <m:r>
+                        <a:rPr lang="en-US" b="0" i="1" smtClean="0">
+                          <a:solidFill>
+                            <a:srgbClr val="FFFF00"/>
+                          </a:solidFill>
+                          <a:latin typeface="Cambria Math" panose="02040503050406030204" pitchFamily="18" charset="0"/>
+                          <a:ea typeface="Cambria Math" panose="02040503050406030204" pitchFamily="18" charset="0"/>
+                        </a:rPr>
+                        <m:t> × ∆</m:t>
+                      </m:r>
+                      <m:r>
+                        <a:rPr lang="en-US" b="0" i="1" smtClean="0">
+                          <a:solidFill>
+                            <a:srgbClr val="FFFF00"/>
+                          </a:solidFill>
+                          <a:latin typeface="Cambria Math" panose="02040503050406030204" pitchFamily="18" charset="0"/>
+                          <a:ea typeface="Cambria Math" panose="02040503050406030204" pitchFamily="18" charset="0"/>
+                        </a:rPr>
+                        <m:t>𝑇</m:t>
+                      </m:r>
+                    </m:oMath>
+                  </m:oMathPara>
+                </a14:m>
+                <a:endParaRPr lang="en-US" dirty="0">
+                  <a:solidFill>
+                    <a:srgbClr val="FFFF00"/>
+                  </a:solidFill>
+                </a:endParaRPr>
+              </a:p>
+              <a:p>
+                <a:pPr marL="0" indent="0">
+                  <a:buNone/>
+                </a:pPr>
+                <a:endParaRPr lang="en-US" dirty="0"/>
+              </a:p>
+            </p:txBody>
+          </p:sp>
+        </mc:Choice>
+        <mc:Fallback>
+          <p:sp>
+            <p:nvSpPr>
+              <p:cNvPr id="3" name="Content Placeholder 2">
+                <a:extLst>
+                  <a:ext uri="{FF2B5EF4-FFF2-40B4-BE49-F238E27FC236}">
+                    <a16:creationId xmlns:a16="http://schemas.microsoft.com/office/drawing/2014/main" id="{A2BC5B2E-5542-F5D6-CEA6-30C230FF4E97}"/>
+                  </a:ext>
+                </a:extLst>
+              </p:cNvPr>
+              <p:cNvSpPr>
+                <a:spLocks noGrp="1" noRot="1" noChangeAspect="1" noMove="1" noResize="1" noEditPoints="1" noAdjustHandles="1" noChangeArrowheads="1" noChangeShapeType="1" noTextEdit="1"/>
+              </p:cNvSpPr>
+              <p:nvPr>
+                <p:ph idx="1"/>
+              </p:nvPr>
+            </p:nvSpPr>
+            <p:spPr>
+              <a:xfrm>
+                <a:off x="372532" y="992721"/>
+                <a:ext cx="8387645" cy="5215465"/>
+              </a:xfrm>
+              <a:blipFill>
+                <a:blip r:embed="rId3"/>
+                <a:stretch>
+                  <a:fillRect l="-945" t="-819"/>
+                </a:stretch>
+              </a:blipFill>
+            </p:spPr>
+            <p:txBody>
+              <a:bodyPr/>
+              <a:lstStyle/>
+              <a:p>
+                <a:r>
+                  <a:rPr lang="en-US">
+                    <a:noFill/>
+                  </a:rPr>
+                  <a:t> </a:t>
+                </a:r>
+              </a:p>
+            </p:txBody>
+          </p:sp>
+        </mc:Fallback>
+      </mc:AlternateContent>
+      <p:graphicFrame>
+        <p:nvGraphicFramePr>
+          <p:cNvPr id="4" name="Table 3">
             <a:extLst>
               <a:ext uri="{FF2B5EF4-FFF2-40B4-BE49-F238E27FC236}">
-                <a16:creationId xmlns:a16="http://schemas.microsoft.com/office/drawing/2014/main" id="{A2BC5B2E-5542-F5D6-CEA6-30C230FF4E97}"/>
+                <a16:creationId xmlns:a16="http://schemas.microsoft.com/office/drawing/2014/main" id="{710F2F33-5C29-A2FD-4FFA-55D8642600F7}"/>
               </a:ext>
             </a:extLst>
           </p:cNvPr>
-          <p:cNvSpPr>
-            <a:spLocks noGrp="1"/>
-          </p:cNvSpPr>
+          <p:cNvGraphicFramePr>
+            <a:graphicFrameLocks noGrp="1"/>
+          </p:cNvGraphicFramePr>
           <p:nvPr>
-            <p:ph idx="1"/>
+            <p:extLst>
+              <p:ext uri="{D42A27DB-BD31-4B8C-83A1-F6EECF244321}">
+                <p14:modId xmlns:p14="http://schemas.microsoft.com/office/powerpoint/2010/main" val="2561460584"/>
+              </p:ext>
+            </p:extLst>
           </p:nvPr>
-        </p:nvSpPr>
-        <p:spPr>
-          <a:xfrm>
-            <a:off x="372532" y="1065312"/>
-            <a:ext cx="8387645" cy="5215465"/>
-          </a:xfrm>
-        </p:spPr>
-        <p:txBody>
-          <a:bodyPr/>
-          <a:lstStyle/>
-          <a:p>
-            <a:pPr marL="0" indent="0">
-              <a:buNone/>
-            </a:pPr>
-            <a:r>
-              <a:rPr lang="en-US" dirty="0"/>
-              <a:t>Observe</a:t>
-            </a:r>
-          </a:p>
-          <a:p>
-            <a:r>
-              <a:rPr lang="en-US" dirty="0"/>
-              <a:t>physical properties of PURE elements: copper wire and solid sulfur</a:t>
-            </a:r>
-          </a:p>
-          <a:p>
-            <a:pPr marL="236538" lvl="1" indent="0">
-              <a:buNone/>
-            </a:pPr>
-            <a:r>
-              <a:rPr lang="en-US" sz="2400" i="1" dirty="0">
-                <a:solidFill>
-                  <a:srgbClr val="CC99FF"/>
-                </a:solidFill>
-                <a:latin typeface="Times New Roman" panose="02020603050405020304" pitchFamily="18" charset="0"/>
-                <a:cs typeface="Times New Roman" panose="02020603050405020304" pitchFamily="18" charset="0"/>
-              </a:rPr>
-              <a:t>What are the symbols? What is the proposed chemical reaction?</a:t>
-            </a:r>
-          </a:p>
-          <a:p>
-            <a:pPr marL="342900" indent="-342900"/>
-            <a:r>
-              <a:rPr lang="en-US" dirty="0"/>
-              <a:t>physical properties of compound formed from a chemical reaction of these elements</a:t>
-            </a:r>
-            <a:endParaRPr lang="en-US" sz="2000" i="1" dirty="0">
-              <a:solidFill>
-                <a:srgbClr val="CC99FF"/>
-              </a:solidFill>
-              <a:latin typeface="Times New Roman" panose="02020603050405020304" pitchFamily="18" charset="0"/>
-              <a:cs typeface="Times New Roman" panose="02020603050405020304" pitchFamily="18" charset="0"/>
-            </a:endParaRPr>
-          </a:p>
-        </p:txBody>
-      </p:sp>
+        </p:nvGraphicFramePr>
+        <p:xfrm>
+          <a:off x="762001" y="4102100"/>
+          <a:ext cx="8020752" cy="2191704"/>
+        </p:xfrm>
+        <a:graphic>
+          <a:graphicData uri="http://schemas.openxmlformats.org/drawingml/2006/table">
+            <a:tbl>
+              <a:tblPr firstRow="1" bandRow="1">
+                <a:tableStyleId>{073A0DAA-6AF3-43AB-8588-CEC1D06C72B9}</a:tableStyleId>
+              </a:tblPr>
+              <a:tblGrid>
+                <a:gridCol w="895351">
+                  <a:extLst>
+                    <a:ext uri="{9D8B030D-6E8A-4147-A177-3AD203B41FA5}">
+                      <a16:colId xmlns:a16="http://schemas.microsoft.com/office/drawing/2014/main" val="872194219"/>
+                    </a:ext>
+                  </a:extLst>
+                </a:gridCol>
+                <a:gridCol w="5810250">
+                  <a:extLst>
+                    <a:ext uri="{9D8B030D-6E8A-4147-A177-3AD203B41FA5}">
+                      <a16:colId xmlns:a16="http://schemas.microsoft.com/office/drawing/2014/main" val="1404934971"/>
+                    </a:ext>
+                  </a:extLst>
+                </a:gridCol>
+                <a:gridCol w="1315151">
+                  <a:extLst>
+                    <a:ext uri="{9D8B030D-6E8A-4147-A177-3AD203B41FA5}">
+                      <a16:colId xmlns:a16="http://schemas.microsoft.com/office/drawing/2014/main" val="1189543686"/>
+                    </a:ext>
+                  </a:extLst>
+                </a:gridCol>
+              </a:tblGrid>
+              <a:tr h="344488">
+                <a:tc>
+                  <a:txBody>
+                    <a:bodyPr/>
+                    <a:lstStyle/>
+                    <a:p>
+                      <a:pPr algn="ctr"/>
+                      <a:r>
+                        <a:rPr lang="en-US" sz="1400" b="0" dirty="0"/>
+                        <a:t>Symbol</a:t>
+                      </a:r>
+                    </a:p>
+                  </a:txBody>
+                  <a:tcPr/>
+                </a:tc>
+                <a:tc>
+                  <a:txBody>
+                    <a:bodyPr/>
+                    <a:lstStyle/>
+                    <a:p>
+                      <a:pPr algn="ctr"/>
+                      <a:r>
+                        <a:rPr lang="en-US" sz="1600" dirty="0"/>
+                        <a:t>Meaning</a:t>
+                      </a:r>
+                    </a:p>
+                  </a:txBody>
+                  <a:tcPr/>
+                </a:tc>
+                <a:tc>
+                  <a:txBody>
+                    <a:bodyPr/>
+                    <a:lstStyle/>
+                    <a:p>
+                      <a:pPr algn="ctr"/>
+                      <a:r>
+                        <a:rPr lang="en-US" sz="1600" dirty="0"/>
+                        <a:t>Units</a:t>
+                      </a:r>
+                    </a:p>
+                  </a:txBody>
+                  <a:tcPr/>
+                </a:tc>
+                <a:extLst>
+                  <a:ext uri="{0D108BD9-81ED-4DB2-BD59-A6C34878D82A}">
+                    <a16:rowId xmlns:a16="http://schemas.microsoft.com/office/drawing/2014/main" val="3304351124"/>
+                  </a:ext>
+                </a:extLst>
+              </a:tr>
+              <a:tr h="344488">
+                <a:tc>
+                  <a:txBody>
+                    <a:bodyPr/>
+                    <a:lstStyle/>
+                    <a:p>
+                      <a:pPr algn="ctr"/>
+                      <a:r>
+                        <a:rPr lang="en-US" sz="1600" b="1" i="1" dirty="0"/>
+                        <a:t>q</a:t>
+                      </a:r>
+                    </a:p>
+                  </a:txBody>
+                  <a:tcPr/>
+                </a:tc>
+                <a:tc>
+                  <a:txBody>
+                    <a:bodyPr/>
+                    <a:lstStyle/>
+                    <a:p>
+                      <a:pPr algn="l"/>
+                      <a:r>
+                        <a:rPr lang="en-US" sz="1600" dirty="0"/>
+                        <a:t>energy as/in the form of heat</a:t>
+                      </a:r>
+                    </a:p>
+                  </a:txBody>
+                  <a:tcPr/>
+                </a:tc>
+                <a:tc>
+                  <a:txBody>
+                    <a:bodyPr/>
+                    <a:lstStyle/>
+                    <a:p>
+                      <a:pPr algn="ctr"/>
+                      <a:r>
+                        <a:rPr lang="en-US" sz="1600" dirty="0"/>
+                        <a:t>J or </a:t>
+                      </a:r>
+                      <a:r>
+                        <a:rPr lang="en-US" sz="1600" dirty="0" err="1"/>
+                        <a:t>cal</a:t>
+                      </a:r>
+                      <a:endParaRPr lang="en-US" sz="1600" dirty="0"/>
+                    </a:p>
+                  </a:txBody>
+                  <a:tcPr/>
+                </a:tc>
+                <a:extLst>
+                  <a:ext uri="{0D108BD9-81ED-4DB2-BD59-A6C34878D82A}">
+                    <a16:rowId xmlns:a16="http://schemas.microsoft.com/office/drawing/2014/main" val="765948867"/>
+                  </a:ext>
+                </a:extLst>
+              </a:tr>
+              <a:tr h="344488">
+                <a:tc>
+                  <a:txBody>
+                    <a:bodyPr/>
+                    <a:lstStyle/>
+                    <a:p>
+                      <a:pPr algn="ctr"/>
+                      <a:r>
+                        <a:rPr lang="en-US" sz="1600" b="1" i="1" dirty="0"/>
+                        <a:t>m</a:t>
+                      </a:r>
+                    </a:p>
+                  </a:txBody>
+                  <a:tcPr/>
+                </a:tc>
+                <a:tc>
+                  <a:txBody>
+                    <a:bodyPr/>
+                    <a:lstStyle/>
+                    <a:p>
+                      <a:pPr algn="l"/>
+                      <a:r>
+                        <a:rPr lang="en-US" sz="1600" dirty="0"/>
+                        <a:t>mass of the substance in the system</a:t>
+                      </a:r>
+                    </a:p>
+                  </a:txBody>
+                  <a:tcPr/>
+                </a:tc>
+                <a:tc>
+                  <a:txBody>
+                    <a:bodyPr/>
+                    <a:lstStyle/>
+                    <a:p>
+                      <a:pPr algn="ctr"/>
+                      <a:r>
+                        <a:rPr lang="en-US" sz="1600" dirty="0"/>
+                        <a:t>g</a:t>
+                      </a:r>
+                    </a:p>
+                  </a:txBody>
+                  <a:tcPr/>
+                </a:tc>
+                <a:extLst>
+                  <a:ext uri="{0D108BD9-81ED-4DB2-BD59-A6C34878D82A}">
+                    <a16:rowId xmlns:a16="http://schemas.microsoft.com/office/drawing/2014/main" val="3459519985"/>
+                  </a:ext>
+                </a:extLst>
+              </a:tr>
+              <a:tr h="344488">
+                <a:tc>
+                  <a:txBody>
+                    <a:bodyPr/>
+                    <a:lstStyle/>
+                    <a:p>
+                      <a:pPr algn="ctr"/>
+                      <a:r>
+                        <a:rPr lang="en-US" sz="1600" b="1" i="1" dirty="0"/>
+                        <a:t>c</a:t>
+                      </a:r>
+                    </a:p>
+                  </a:txBody>
+                  <a:tcPr/>
+                </a:tc>
+                <a:tc>
+                  <a:txBody>
+                    <a:bodyPr/>
+                    <a:lstStyle/>
+                    <a:p>
+                      <a:pPr algn="l"/>
+                      <a:r>
+                        <a:rPr lang="en-US" sz="1600" dirty="0"/>
+                        <a:t>specific heat capacity of substance: this is a physical property determined by scientists doing experiments</a:t>
+                      </a:r>
+                    </a:p>
+                  </a:txBody>
+                  <a:tcPr/>
+                </a:tc>
+                <a:tc>
+                  <a:txBody>
+                    <a:bodyPr/>
+                    <a:lstStyle/>
+                    <a:p>
+                      <a:pPr algn="ctr"/>
+                      <a:r>
+                        <a:rPr lang="en-US" sz="1600" dirty="0"/>
+                        <a:t>J / (g °C)</a:t>
+                      </a:r>
+                    </a:p>
+                  </a:txBody>
+                  <a:tcPr/>
+                </a:tc>
+                <a:extLst>
+                  <a:ext uri="{0D108BD9-81ED-4DB2-BD59-A6C34878D82A}">
+                    <a16:rowId xmlns:a16="http://schemas.microsoft.com/office/drawing/2014/main" val="4010444092"/>
+                  </a:ext>
+                </a:extLst>
+              </a:tr>
+              <a:tr h="344488">
+                <a:tc>
+                  <a:txBody>
+                    <a:bodyPr/>
+                    <a:lstStyle/>
+                    <a:p>
+                      <a:pPr algn="ctr"/>
+                      <a:r>
+                        <a:rPr lang="en-US" sz="1600" b="1" i="1" dirty="0">
+                          <a:latin typeface="Symbol" panose="05050102010706020507" pitchFamily="18" charset="2"/>
+                        </a:rPr>
+                        <a:t>D</a:t>
+                      </a:r>
+                      <a:r>
+                        <a:rPr lang="en-US" sz="1600" b="1" i="1" dirty="0"/>
+                        <a:t>T</a:t>
+                      </a:r>
+                    </a:p>
+                  </a:txBody>
+                  <a:tcPr/>
+                </a:tc>
+                <a:tc>
+                  <a:txBody>
+                    <a:bodyPr/>
+                    <a:lstStyle/>
+                    <a:p>
+                      <a:pPr algn="l"/>
+                      <a:r>
+                        <a:rPr lang="en-US" sz="1600" dirty="0"/>
+                        <a:t>change in temperature in °C: this is the final temperature minus the initial temperature</a:t>
+                      </a:r>
+                    </a:p>
+                  </a:txBody>
+                  <a:tcPr/>
+                </a:tc>
+                <a:tc>
+                  <a:txBody>
+                    <a:bodyPr/>
+                    <a:lstStyle/>
+                    <a:p>
+                      <a:pPr algn="ctr"/>
+                      <a:r>
+                        <a:rPr lang="en-US" sz="1600" dirty="0"/>
+                        <a:t>°C</a:t>
+                      </a:r>
+                    </a:p>
+                  </a:txBody>
+                  <a:tcPr/>
+                </a:tc>
+                <a:extLst>
+                  <a:ext uri="{0D108BD9-81ED-4DB2-BD59-A6C34878D82A}">
+                    <a16:rowId xmlns:a16="http://schemas.microsoft.com/office/drawing/2014/main" val="3664914677"/>
+                  </a:ext>
+                </a:extLst>
+              </a:tr>
+            </a:tbl>
+          </a:graphicData>
+        </a:graphic>
+      </p:graphicFrame>
     </p:spTree>
     <p:extLst>
       <p:ext uri="{BB962C8B-B14F-4D97-AF65-F5344CB8AC3E}">
@@ -12210,7 +12522,7 @@
           <a:p>
             <a:r>
               <a:rPr lang="en-US" dirty="0"/>
-              <a:t>Background</a:t>
+              <a:t>Background: Part 1</a:t>
             </a:r>
           </a:p>
         </p:txBody>
@@ -12231,7 +12543,12 @@
             <p:ph idx="1"/>
           </p:nvPr>
         </p:nvSpPr>
-        <p:spPr/>
+        <p:spPr>
+          <a:xfrm>
+            <a:off x="378177" y="1278747"/>
+            <a:ext cx="8387645" cy="5215465"/>
+          </a:xfrm>
+        </p:spPr>
         <p:txBody>
           <a:bodyPr/>
           <a:lstStyle/>
@@ -12241,26 +12558,100 @@
             </a:pPr>
             <a:r>
               <a:rPr lang="en-US" sz="2000" dirty="0"/>
-              <a:t>Joseph Proust (1797) stated any sample of a particular compound would be made of same elements in same proportion by mass. This is the Law of Constant Composition.</a:t>
-            </a:r>
-          </a:p>
-          <a:p>
-            <a:pPr marL="0" indent="0">
-              <a:buNone/>
-            </a:pPr>
-            <a:endParaRPr lang="en-US" sz="2000" dirty="0"/>
-          </a:p>
-          <a:p>
-            <a:pPr marL="0" indent="0">
-              <a:buNone/>
-            </a:pPr>
+              <a:t>When a solid is dissolved in a liquid (solvent), there can be an energy change related to the molecules of the solid interacting with the molecules of the solvent.</a:t>
+            </a:r>
+          </a:p>
+          <a:p>
             <a:r>
               <a:rPr lang="en-US" sz="2000" dirty="0"/>
-              <a:t>This principle is connected with the Law of the Conservation of Mass and also Dalton’s Atomic Theory concerning how the atoms of elements are never destroyed or created, but just rearranged in chemical reactions forming new compounds.</a:t>
-            </a:r>
+              <a:t>When heat is </a:t>
+            </a:r>
+            <a:r>
+              <a:rPr lang="en-US" sz="2000" dirty="0">
+                <a:solidFill>
+                  <a:srgbClr val="FFC000"/>
+                </a:solidFill>
+              </a:rPr>
+              <a:t>released</a:t>
+            </a:r>
+            <a:r>
+              <a:rPr lang="en-US" sz="2000" dirty="0"/>
+              <a:t> in dissolving, reaction is </a:t>
+            </a:r>
+            <a:r>
+              <a:rPr lang="en-US" sz="2000" dirty="0">
+                <a:solidFill>
+                  <a:srgbClr val="00FF00"/>
+                </a:solidFill>
+              </a:rPr>
+              <a:t>exothermic</a:t>
+            </a:r>
+          </a:p>
+          <a:p>
+            <a:r>
+              <a:rPr lang="en-US" sz="2000" dirty="0"/>
+              <a:t>When heat is </a:t>
+            </a:r>
+            <a:r>
+              <a:rPr lang="en-US" sz="2000" dirty="0">
+                <a:solidFill>
+                  <a:srgbClr val="FFC000"/>
+                </a:solidFill>
+              </a:rPr>
+              <a:t>absorbed</a:t>
+            </a:r>
+            <a:r>
+              <a:rPr lang="en-US" sz="2000" dirty="0"/>
+              <a:t> in dissolving, reaction is </a:t>
+            </a:r>
+            <a:r>
+              <a:rPr lang="en-US" sz="2000" dirty="0">
+                <a:solidFill>
+                  <a:srgbClr val="00FF00"/>
+                </a:solidFill>
+              </a:rPr>
+              <a:t>endothermic</a:t>
+            </a:r>
+          </a:p>
+          <a:p>
+            <a:endParaRPr lang="en-US" sz="2000" dirty="0">
+              <a:solidFill>
+                <a:srgbClr val="00FF00"/>
+              </a:solidFill>
+            </a:endParaRPr>
           </a:p>
         </p:txBody>
       </p:sp>
+      <p:pic>
+        <p:nvPicPr>
+          <p:cNvPr id="5" name="Picture 4">
+            <a:extLst>
+              <a:ext uri="{FF2B5EF4-FFF2-40B4-BE49-F238E27FC236}">
+                <a16:creationId xmlns:a16="http://schemas.microsoft.com/office/drawing/2014/main" id="{40FD7ACF-1DAA-1C8F-4406-E2B20988366A}"/>
+              </a:ext>
+            </a:extLst>
+          </p:cNvPr>
+          <p:cNvPicPr>
+            <a:picLocks noChangeAspect="1"/>
+          </p:cNvPicPr>
+          <p:nvPr/>
+        </p:nvPicPr>
+        <p:blipFill>
+          <a:blip r:embed="rId2"/>
+          <a:stretch>
+            <a:fillRect/>
+          </a:stretch>
+        </p:blipFill>
+        <p:spPr>
+          <a:xfrm>
+            <a:off x="5336343" y="3243074"/>
+            <a:ext cx="3429479" cy="2695951"/>
+          </a:xfrm>
+          <a:prstGeom prst="rect">
+            <a:avLst/>
+          </a:prstGeom>
+        </p:spPr>
+      </p:pic>
     </p:spTree>
     <p:extLst>
       <p:ext uri="{BB962C8B-B14F-4D97-AF65-F5344CB8AC3E}">
@@ -12282,7 +12673,7 @@
         <p:cNvPr id="1" name="">
           <a:extLst>
             <a:ext uri="{FF2B5EF4-FFF2-40B4-BE49-F238E27FC236}">
-              <a16:creationId xmlns:a16="http://schemas.microsoft.com/office/drawing/2014/main" id="{3DAB1E55-1723-E0EE-7EFD-D02607EA16A9}"/>
+              <a16:creationId xmlns:a16="http://schemas.microsoft.com/office/drawing/2014/main" id="{79602C42-207C-7032-238C-42601ECDAB4B}"/>
             </a:ext>
           </a:extLst>
         </p:cNvPr>
@@ -12302,7 +12693,7 @@
           <p:cNvPr id="2" name="Title 1">
             <a:extLst>
               <a:ext uri="{FF2B5EF4-FFF2-40B4-BE49-F238E27FC236}">
-                <a16:creationId xmlns:a16="http://schemas.microsoft.com/office/drawing/2014/main" id="{D903C2D8-8186-46AC-8E06-7D4D7AEDE47B}"/>
+                <a16:creationId xmlns:a16="http://schemas.microsoft.com/office/drawing/2014/main" id="{D01CEEBC-084D-F9C6-7F63-E137533E48F2}"/>
               </a:ext>
             </a:extLst>
           </p:cNvPr>
@@ -12320,7 +12711,7 @@
           <a:p>
             <a:r>
               <a:rPr lang="en-US" dirty="0"/>
-              <a:t>Limiting &amp; Excess Reagents</a:t>
+              <a:t>Background: Part 2</a:t>
             </a:r>
           </a:p>
         </p:txBody>
@@ -12330,7 +12721,7 @@
           <p:cNvPr id="3" name="Content Placeholder 2">
             <a:extLst>
               <a:ext uri="{FF2B5EF4-FFF2-40B4-BE49-F238E27FC236}">
-                <a16:creationId xmlns:a16="http://schemas.microsoft.com/office/drawing/2014/main" id="{CFC3C184-A6E1-15DB-1130-302523D67542}"/>
+                <a16:creationId xmlns:a16="http://schemas.microsoft.com/office/drawing/2014/main" id="{C37A4C98-6A50-BE2E-1D6F-A1E7AF3B54D2}"/>
               </a:ext>
             </a:extLst>
           </p:cNvPr>
@@ -12341,86 +12732,52 @@
             <p:ph idx="1"/>
           </p:nvPr>
         </p:nvSpPr>
-        <p:spPr/>
+        <p:spPr>
+          <a:xfrm>
+            <a:off x="378177" y="1278747"/>
+            <a:ext cx="8387645" cy="5215465"/>
+          </a:xfrm>
+        </p:spPr>
         <p:txBody>
           <a:bodyPr/>
           <a:lstStyle/>
           <a:p>
-            <a:r>
-              <a:rPr lang="en-US" dirty="0"/>
-              <a:t>You will learn a very useful concept in chemistry, which is that of the </a:t>
-            </a:r>
-            <a:r>
-              <a:rPr lang="en-US" dirty="0">
-                <a:solidFill>
-                  <a:srgbClr val="00FF00"/>
-                </a:solidFill>
-              </a:rPr>
-              <a:t>limiting</a:t>
-            </a:r>
-            <a:r>
-              <a:rPr lang="en-US" dirty="0"/>
-              <a:t> and </a:t>
-            </a:r>
-            <a:r>
-              <a:rPr lang="en-US" dirty="0">
-                <a:solidFill>
-                  <a:srgbClr val="00FF00"/>
-                </a:solidFill>
-              </a:rPr>
-              <a:t>excess</a:t>
-            </a:r>
-            <a:r>
-              <a:rPr lang="en-US" dirty="0"/>
-              <a:t> </a:t>
-            </a:r>
-            <a:r>
-              <a:rPr lang="en-US" dirty="0">
-                <a:solidFill>
-                  <a:srgbClr val="00FF00"/>
-                </a:solidFill>
-              </a:rPr>
-              <a:t>reagents</a:t>
-            </a:r>
-            <a:r>
-              <a:rPr lang="en-US" dirty="0"/>
-              <a:t>.</a:t>
-            </a:r>
-          </a:p>
-          <a:p>
-            <a:r>
-              <a:rPr lang="en-US" dirty="0"/>
-              <a:t>In this experiment, the copper solid mass will be the limiting reagent, and sulfur will be the excess reagent.</a:t>
-            </a:r>
-          </a:p>
-          <a:p>
-            <a:r>
-              <a:rPr lang="en-US" dirty="0"/>
-              <a:t>This means we want ALL the copper mass to completely react with an excess amount of sulfur</a:t>
-            </a:r>
-          </a:p>
-          <a:p>
             <a:pPr marL="0" indent="0">
               <a:buNone/>
             </a:pPr>
             <a:r>
-              <a:rPr lang="en-US" i="1" dirty="0">
-                <a:solidFill>
-                  <a:srgbClr val="FFC000"/>
-                </a:solidFill>
-              </a:rPr>
-              <a:t>So how do we know if all the copper will react?</a:t>
-            </a:r>
-          </a:p>
-          <a:p>
-            <a:endParaRPr lang="en-US" dirty="0"/>
+              <a:rPr lang="en-US" dirty="0"/>
+              <a:t>Objects with different temperatures in contact with each other, heat from the warmer object transfers to the cooler object until both reach same temperature.</a:t>
+            </a:r>
+          </a:p>
+          <a:p>
+            <a:r>
+              <a:rPr lang="en-US" dirty="0"/>
+              <a:t>Since energy is conserved, if H</a:t>
+            </a:r>
+            <a:r>
+              <a:rPr lang="en-US" baseline="-25000" dirty="0"/>
+              <a:t>2</a:t>
+            </a:r>
+            <a:r>
+              <a:rPr lang="en-US" dirty="0"/>
+              <a:t>O as ice is put in contact with H</a:t>
+            </a:r>
+            <a:r>
+              <a:rPr lang="en-US" baseline="-25000" dirty="0"/>
+              <a:t>2</a:t>
+            </a:r>
+            <a:r>
+              <a:rPr lang="en-US" dirty="0"/>
+              <a:t>O as water, it should be possible to measure temperature changes in the water as ice melts to see if this law is observed</a:t>
+            </a:r>
           </a:p>
         </p:txBody>
       </p:sp>
     </p:spTree>
     <p:extLst>
       <p:ext uri="{BB962C8B-B14F-4D97-AF65-F5344CB8AC3E}">
-        <p14:creationId xmlns:p14="http://schemas.microsoft.com/office/powerpoint/2010/main" val="3100576228"/>
+        <p14:creationId xmlns:p14="http://schemas.microsoft.com/office/powerpoint/2010/main" val="1122498342"/>
       </p:ext>
     </p:extLst>
   </p:cSld>
@@ -12431,835 +12788,6 @@
 </file>
 
 <file path=ppt/slides/slide5.xml><?xml version="1.0" encoding="utf-8"?>
-<p:sld xmlns:a="http://schemas.openxmlformats.org/drawingml/2006/main" xmlns:r="http://schemas.openxmlformats.org/officeDocument/2006/relationships" xmlns:p="http://schemas.openxmlformats.org/presentationml/2006/main">
-  <p:cSld>
-    <p:spTree>
-      <p:nvGrpSpPr>
-        <p:cNvPr id="1" name="">
-          <a:extLst>
-            <a:ext uri="{FF2B5EF4-FFF2-40B4-BE49-F238E27FC236}">
-              <a16:creationId xmlns:a16="http://schemas.microsoft.com/office/drawing/2014/main" id="{89602FE4-97AA-B2E9-42B8-03DB9375250E}"/>
-            </a:ext>
-          </a:extLst>
-        </p:cNvPr>
-        <p:cNvGrpSpPr/>
-        <p:nvPr/>
-      </p:nvGrpSpPr>
-      <p:grpSpPr>
-        <a:xfrm>
-          <a:off x="0" y="0"/>
-          <a:ext cx="0" cy="0"/>
-          <a:chOff x="0" y="0"/>
-          <a:chExt cx="0" cy="0"/>
-        </a:xfrm>
-      </p:grpSpPr>
-      <p:sp>
-        <p:nvSpPr>
-          <p:cNvPr id="2" name="Title 1">
-            <a:extLst>
-              <a:ext uri="{FF2B5EF4-FFF2-40B4-BE49-F238E27FC236}">
-                <a16:creationId xmlns:a16="http://schemas.microsoft.com/office/drawing/2014/main" id="{35B0DC03-7F7A-43A0-5F01-C7DF8C705AF5}"/>
-              </a:ext>
-            </a:extLst>
-          </p:cNvPr>
-          <p:cNvSpPr>
-            <a:spLocks noGrp="1"/>
-          </p:cNvSpPr>
-          <p:nvPr>
-            <p:ph type="title"/>
-          </p:nvPr>
-        </p:nvSpPr>
-        <p:spPr/>
-        <p:txBody>
-          <a:bodyPr/>
-          <a:lstStyle/>
-          <a:p>
-            <a:r>
-              <a:rPr lang="en-US" dirty="0"/>
-              <a:t>Experiment Planning</a:t>
-            </a:r>
-          </a:p>
-        </p:txBody>
-      </p:sp>
-      <p:sp>
-        <p:nvSpPr>
-          <p:cNvPr id="3" name="Content Placeholder 2">
-            <a:extLst>
-              <a:ext uri="{FF2B5EF4-FFF2-40B4-BE49-F238E27FC236}">
-                <a16:creationId xmlns:a16="http://schemas.microsoft.com/office/drawing/2014/main" id="{9B5A638F-692D-18DA-EAD0-6DAF5A23002A}"/>
-              </a:ext>
-            </a:extLst>
-          </p:cNvPr>
-          <p:cNvSpPr>
-            <a:spLocks noGrp="1"/>
-          </p:cNvSpPr>
-          <p:nvPr>
-            <p:ph idx="1"/>
-          </p:nvPr>
-        </p:nvSpPr>
-        <p:spPr/>
-        <p:txBody>
-          <a:bodyPr/>
-          <a:lstStyle/>
-          <a:p>
-            <a:r>
-              <a:rPr lang="en-US" dirty="0"/>
-              <a:t>Our lab manual says we should have from 2-4 g sulfur used in the reaction. Let’s assume we are at 2 g sulfur: what is the maximum amount of copper mass we should have for it to completely react with the sulfur we use?</a:t>
-            </a:r>
-          </a:p>
-          <a:p>
-            <a:r>
-              <a:rPr lang="en-US" dirty="0"/>
-              <a:t>First we to see the chemical reaction that is happening</a:t>
-            </a:r>
-          </a:p>
-          <a:p>
-            <a:pPr marL="0" indent="0" algn="ctr">
-              <a:buNone/>
-            </a:pPr>
-            <a:r>
-              <a:rPr lang="en-US" dirty="0">
-                <a:solidFill>
-                  <a:schemeClr val="accent1">
-                    <a:lumMod val="60000"/>
-                    <a:lumOff val="40000"/>
-                  </a:schemeClr>
-                </a:solidFill>
-              </a:rPr>
-              <a:t>2 Cu (s) + S (s) </a:t>
-            </a:r>
-            <a:r>
-              <a:rPr lang="en-US" dirty="0">
-                <a:solidFill>
-                  <a:schemeClr val="accent1">
-                    <a:lumMod val="60000"/>
-                    <a:lumOff val="40000"/>
-                  </a:schemeClr>
-                </a:solidFill>
-                <a:sym typeface="Wingdings" panose="05000000000000000000" pitchFamily="2" charset="2"/>
-              </a:rPr>
-              <a:t> Cu</a:t>
-            </a:r>
-            <a:r>
-              <a:rPr lang="en-US" baseline="-25000" dirty="0">
-                <a:solidFill>
-                  <a:schemeClr val="accent1">
-                    <a:lumMod val="60000"/>
-                    <a:lumOff val="40000"/>
-                  </a:schemeClr>
-                </a:solidFill>
-                <a:sym typeface="Wingdings" panose="05000000000000000000" pitchFamily="2" charset="2"/>
-              </a:rPr>
-              <a:t>2</a:t>
-            </a:r>
-            <a:r>
-              <a:rPr lang="en-US" dirty="0">
-                <a:solidFill>
-                  <a:schemeClr val="accent1">
-                    <a:lumMod val="60000"/>
-                    <a:lumOff val="40000"/>
-                  </a:schemeClr>
-                </a:solidFill>
-                <a:sym typeface="Wingdings" panose="05000000000000000000" pitchFamily="2" charset="2"/>
-              </a:rPr>
-              <a:t>S (s)</a:t>
-            </a:r>
-            <a:endParaRPr lang="en-US" dirty="0">
-              <a:solidFill>
-                <a:schemeClr val="accent1">
-                  <a:lumMod val="60000"/>
-                  <a:lumOff val="40000"/>
-                </a:schemeClr>
-              </a:solidFill>
-            </a:endParaRPr>
-          </a:p>
-          <a:p>
-            <a:r>
-              <a:rPr lang="en-US" dirty="0"/>
-              <a:t>You should know how to write &amp; BALANCE this reaction because you should know that copper sulfide is copper (I) sulfide. Note how mass is balanced</a:t>
-            </a:r>
-          </a:p>
-        </p:txBody>
-      </p:sp>
-    </p:spTree>
-    <p:extLst>
-      <p:ext uri="{BB962C8B-B14F-4D97-AF65-F5344CB8AC3E}">
-        <p14:creationId xmlns:p14="http://schemas.microsoft.com/office/powerpoint/2010/main" val="1309167304"/>
-      </p:ext>
-    </p:extLst>
-  </p:cSld>
-  <p:clrMapOvr>
-    <a:masterClrMapping/>
-  </p:clrMapOvr>
-</p:sld>
-</file>
-
-<file path=ppt/slides/slide6.xml><?xml version="1.0" encoding="utf-8"?>
-<p:sld xmlns:a="http://schemas.openxmlformats.org/drawingml/2006/main" xmlns:r="http://schemas.openxmlformats.org/officeDocument/2006/relationships" xmlns:p="http://schemas.openxmlformats.org/presentationml/2006/main">
-  <p:cSld>
-    <p:spTree>
-      <p:nvGrpSpPr>
-        <p:cNvPr id="1" name="">
-          <a:extLst>
-            <a:ext uri="{FF2B5EF4-FFF2-40B4-BE49-F238E27FC236}">
-              <a16:creationId xmlns:a16="http://schemas.microsoft.com/office/drawing/2014/main" id="{A0B314F5-A532-75E0-4452-699E381E2923}"/>
-            </a:ext>
-          </a:extLst>
-        </p:cNvPr>
-        <p:cNvGrpSpPr/>
-        <p:nvPr/>
-      </p:nvGrpSpPr>
-      <p:grpSpPr>
-        <a:xfrm>
-          <a:off x="0" y="0"/>
-          <a:ext cx="0" cy="0"/>
-          <a:chOff x="0" y="0"/>
-          <a:chExt cx="0" cy="0"/>
-        </a:xfrm>
-      </p:grpSpPr>
-      <p:sp>
-        <p:nvSpPr>
-          <p:cNvPr id="2" name="Title 1">
-            <a:extLst>
-              <a:ext uri="{FF2B5EF4-FFF2-40B4-BE49-F238E27FC236}">
-                <a16:creationId xmlns:a16="http://schemas.microsoft.com/office/drawing/2014/main" id="{7B67D3B4-D5D4-23E8-8C4C-0BC5FF420E12}"/>
-              </a:ext>
-            </a:extLst>
-          </p:cNvPr>
-          <p:cNvSpPr>
-            <a:spLocks noGrp="1"/>
-          </p:cNvSpPr>
-          <p:nvPr>
-            <p:ph type="title"/>
-          </p:nvPr>
-        </p:nvSpPr>
-        <p:spPr/>
-        <p:txBody>
-          <a:bodyPr/>
-          <a:lstStyle/>
-          <a:p>
-            <a:r>
-              <a:rPr lang="en-US" dirty="0"/>
-              <a:t>Experiment Planning</a:t>
-            </a:r>
-          </a:p>
-        </p:txBody>
-      </p:sp>
-      <mc:AlternateContent xmlns:mc="http://schemas.openxmlformats.org/markup-compatibility/2006" xmlns:a14="http://schemas.microsoft.com/office/drawing/2010/main">
-        <mc:Choice Requires="a14">
-          <p:sp>
-            <p:nvSpPr>
-              <p:cNvPr id="3" name="Content Placeholder 2">
-                <a:extLst>
-                  <a:ext uri="{FF2B5EF4-FFF2-40B4-BE49-F238E27FC236}">
-                    <a16:creationId xmlns:a16="http://schemas.microsoft.com/office/drawing/2014/main" id="{10F096D7-7F9F-3A76-824B-79A56486284F}"/>
-                  </a:ext>
-                </a:extLst>
-              </p:cNvPr>
-              <p:cNvSpPr>
-                <a:spLocks noGrp="1"/>
-              </p:cNvSpPr>
-              <p:nvPr>
-                <p:ph idx="1"/>
-              </p:nvPr>
-            </p:nvSpPr>
-            <p:spPr/>
-            <p:txBody>
-              <a:bodyPr/>
-              <a:lstStyle/>
-              <a:p>
-                <a:r>
-                  <a:rPr lang="en-US" dirty="0"/>
-                  <a:t>The next step is to know the molar mass of the reactants and the product</a:t>
-                </a:r>
-              </a:p>
-              <a:p>
-                <a:pPr lvl="1"/>
-                <a:r>
-                  <a:rPr lang="en-US" sz="2200" dirty="0">
-                    <a:solidFill>
-                      <a:srgbClr val="FFC000"/>
-                    </a:solidFill>
-                  </a:rPr>
-                  <a:t>Copper</a:t>
-                </a:r>
-                <a:r>
-                  <a:rPr lang="en-US" sz="2200" dirty="0"/>
-                  <a:t>: </a:t>
-                </a:r>
-                <a:r>
-                  <a:rPr lang="en-US" sz="2200" dirty="0">
-                    <a:solidFill>
-                      <a:schemeClr val="accent1">
-                        <a:lumMod val="60000"/>
-                        <a:lumOff val="40000"/>
-                      </a:schemeClr>
-                    </a:solidFill>
-                  </a:rPr>
-                  <a:t>63.546 g/mol</a:t>
-                </a:r>
-              </a:p>
-              <a:p>
-                <a:pPr lvl="1"/>
-                <a:r>
-                  <a:rPr lang="en-US" sz="2200" dirty="0">
-                    <a:solidFill>
-                      <a:srgbClr val="FFC000"/>
-                    </a:solidFill>
-                  </a:rPr>
-                  <a:t>Sulfur</a:t>
-                </a:r>
-                <a:r>
-                  <a:rPr lang="en-US" sz="2200" dirty="0"/>
-                  <a:t>: </a:t>
-                </a:r>
-                <a:r>
-                  <a:rPr lang="en-US" sz="2200" dirty="0">
-                    <a:solidFill>
-                      <a:schemeClr val="accent1">
-                        <a:lumMod val="60000"/>
-                        <a:lumOff val="40000"/>
-                      </a:schemeClr>
-                    </a:solidFill>
-                  </a:rPr>
-                  <a:t>32.065 g/mol</a:t>
-                </a:r>
-              </a:p>
-              <a:p>
-                <a:pPr lvl="1"/>
-                <a:r>
-                  <a:rPr lang="en-US" sz="2200" dirty="0">
-                    <a:solidFill>
-                      <a:srgbClr val="FFC000"/>
-                    </a:solidFill>
-                  </a:rPr>
-                  <a:t>Copper</a:t>
-                </a:r>
-                <a:r>
-                  <a:rPr lang="en-US" sz="2200" dirty="0"/>
-                  <a:t> </a:t>
-                </a:r>
-                <a:r>
-                  <a:rPr lang="en-US" sz="2200" dirty="0">
-                    <a:solidFill>
-                      <a:srgbClr val="FFC000"/>
-                    </a:solidFill>
-                  </a:rPr>
-                  <a:t>(I) sulfide</a:t>
-                </a:r>
-                <a:r>
-                  <a:rPr lang="en-US" sz="2200" dirty="0"/>
-                  <a:t>: 2 × </a:t>
-                </a:r>
-                <a:r>
-                  <a:rPr lang="en-US" sz="2200" dirty="0">
-                    <a:solidFill>
-                      <a:srgbClr val="FFFF00"/>
-                    </a:solidFill>
-                  </a:rPr>
-                  <a:t>Cu</a:t>
-                </a:r>
-                <a:r>
-                  <a:rPr lang="en-US" sz="2200" dirty="0"/>
-                  <a:t> + </a:t>
-                </a:r>
-                <a:r>
-                  <a:rPr lang="en-US" sz="2200" dirty="0">
-                    <a:solidFill>
-                      <a:srgbClr val="FFFF00"/>
-                    </a:solidFill>
-                  </a:rPr>
-                  <a:t>S</a:t>
-                </a:r>
-                <a:r>
-                  <a:rPr lang="en-US" sz="2200" dirty="0"/>
-                  <a:t> = </a:t>
-                </a:r>
-                <a:r>
-                  <a:rPr lang="en-US" sz="2200" dirty="0">
-                    <a:solidFill>
-                      <a:schemeClr val="accent1">
-                        <a:lumMod val="60000"/>
-                        <a:lumOff val="40000"/>
-                      </a:schemeClr>
-                    </a:solidFill>
-                  </a:rPr>
-                  <a:t>159.16 g/mol</a:t>
-                </a:r>
-              </a:p>
-              <a:p>
-                <a:r>
-                  <a:rPr lang="en-US" sz="2200" dirty="0"/>
-                  <a:t>Two atoms of Cu will be used for every one atom of S</a:t>
-                </a:r>
-              </a:p>
-              <a:p>
-                <a:r>
-                  <a:rPr lang="en-US" sz="2200" dirty="0"/>
-                  <a:t>Two MOLES (mol) of Cu will be used for every one MOLE (mol) of S</a:t>
-                </a:r>
-              </a:p>
-              <a:p>
-                <a:r>
-                  <a:rPr lang="en-US" sz="2200" dirty="0"/>
-                  <a:t>You have 2.00 g S: how many g of Cu will it change?</a:t>
-                </a:r>
-              </a:p>
-              <a:p>
-                <a14:m>
-                  <m:oMath xmlns:m="http://schemas.openxmlformats.org/officeDocument/2006/math">
-                    <m:r>
-                      <a:rPr lang="en-US" sz="2200" b="0" i="1" smtClean="0">
-                        <a:latin typeface="Cambria Math" panose="02040503050406030204" pitchFamily="18" charset="0"/>
-                      </a:rPr>
-                      <m:t>2.00 </m:t>
-                    </m:r>
-                    <m:r>
-                      <m:rPr>
-                        <m:nor/>
-                      </m:rPr>
-                      <a:rPr lang="en-US" sz="2200" b="0" i="0" smtClean="0">
-                        <a:latin typeface="Cambria Math" panose="02040503050406030204" pitchFamily="18" charset="0"/>
-                      </a:rPr>
-                      <m:t>g</m:t>
-                    </m:r>
-                    <m:r>
-                      <m:rPr>
-                        <m:nor/>
-                      </m:rPr>
-                      <a:rPr lang="en-US" sz="2200" b="0" i="0" smtClean="0">
-                        <a:latin typeface="Cambria Math" panose="02040503050406030204" pitchFamily="18" charset="0"/>
-                      </a:rPr>
-                      <m:t> </m:t>
-                    </m:r>
-                    <m:r>
-                      <m:rPr>
-                        <m:nor/>
-                      </m:rPr>
-                      <a:rPr lang="en-US" sz="2200" b="0" i="0" smtClean="0">
-                        <a:latin typeface="Cambria Math" panose="02040503050406030204" pitchFamily="18" charset="0"/>
-                      </a:rPr>
-                      <m:t>S</m:t>
-                    </m:r>
-                    <m:r>
-                      <a:rPr lang="en-US" sz="2200" b="0" i="1" smtClean="0">
-                        <a:latin typeface="Cambria Math" panose="02040503050406030204" pitchFamily="18" charset="0"/>
-                        <a:ea typeface="Cambria Math" panose="02040503050406030204" pitchFamily="18" charset="0"/>
-                      </a:rPr>
-                      <m:t>×</m:t>
-                    </m:r>
-                    <m:f>
-                      <m:fPr>
-                        <m:ctrlPr>
-                          <a:rPr lang="en-US" sz="2200" b="0" i="1" smtClean="0">
-                            <a:latin typeface="Cambria Math" panose="02040503050406030204" pitchFamily="18" charset="0"/>
-                            <a:ea typeface="Cambria Math" panose="02040503050406030204" pitchFamily="18" charset="0"/>
-                          </a:rPr>
-                        </m:ctrlPr>
-                      </m:fPr>
-                      <m:num>
-                        <m:r>
-                          <m:rPr>
-                            <m:nor/>
-                          </m:rPr>
-                          <a:rPr lang="en-US" sz="2200" b="0" i="0" smtClean="0">
-                            <a:latin typeface="Cambria Math" panose="02040503050406030204" pitchFamily="18" charset="0"/>
-                            <a:ea typeface="Cambria Math" panose="02040503050406030204" pitchFamily="18" charset="0"/>
-                          </a:rPr>
-                          <m:t>1 </m:t>
-                        </m:r>
-                        <m:r>
-                          <m:rPr>
-                            <m:nor/>
-                          </m:rPr>
-                          <a:rPr lang="en-US" sz="2200" b="0" i="0" smtClean="0">
-                            <a:latin typeface="Cambria Math" panose="02040503050406030204" pitchFamily="18" charset="0"/>
-                            <a:ea typeface="Cambria Math" panose="02040503050406030204" pitchFamily="18" charset="0"/>
-                          </a:rPr>
-                          <m:t>mol</m:t>
-                        </m:r>
-                        <m:r>
-                          <m:rPr>
-                            <m:nor/>
-                          </m:rPr>
-                          <a:rPr lang="en-US" sz="2200" b="0" i="0" smtClean="0">
-                            <a:latin typeface="Cambria Math" panose="02040503050406030204" pitchFamily="18" charset="0"/>
-                            <a:ea typeface="Cambria Math" panose="02040503050406030204" pitchFamily="18" charset="0"/>
-                          </a:rPr>
-                          <m:t> </m:t>
-                        </m:r>
-                        <m:r>
-                          <m:rPr>
-                            <m:nor/>
-                          </m:rPr>
-                          <a:rPr lang="en-US" sz="2200" b="0" i="0" smtClean="0">
-                            <a:latin typeface="Cambria Math" panose="02040503050406030204" pitchFamily="18" charset="0"/>
-                            <a:ea typeface="Cambria Math" panose="02040503050406030204" pitchFamily="18" charset="0"/>
-                          </a:rPr>
-                          <m:t>S</m:t>
-                        </m:r>
-                      </m:num>
-                      <m:den>
-                        <m:r>
-                          <m:rPr>
-                            <m:nor/>
-                          </m:rPr>
-                          <a:rPr lang="en-US" sz="2200" b="0" i="0" smtClean="0">
-                            <a:latin typeface="Cambria Math" panose="02040503050406030204" pitchFamily="18" charset="0"/>
-                            <a:ea typeface="Cambria Math" panose="02040503050406030204" pitchFamily="18" charset="0"/>
-                          </a:rPr>
-                          <m:t>32.065 </m:t>
-                        </m:r>
-                        <m:r>
-                          <m:rPr>
-                            <m:nor/>
-                          </m:rPr>
-                          <a:rPr lang="en-US" sz="2200" b="0" i="0" smtClean="0">
-                            <a:latin typeface="Cambria Math" panose="02040503050406030204" pitchFamily="18" charset="0"/>
-                            <a:ea typeface="Cambria Math" panose="02040503050406030204" pitchFamily="18" charset="0"/>
-                          </a:rPr>
-                          <m:t>g</m:t>
-                        </m:r>
-                        <m:r>
-                          <m:rPr>
-                            <m:nor/>
-                          </m:rPr>
-                          <a:rPr lang="en-US" sz="2200" b="0" i="0" smtClean="0">
-                            <a:latin typeface="Cambria Math" panose="02040503050406030204" pitchFamily="18" charset="0"/>
-                            <a:ea typeface="Cambria Math" panose="02040503050406030204" pitchFamily="18" charset="0"/>
-                          </a:rPr>
-                          <m:t> </m:t>
-                        </m:r>
-                        <m:r>
-                          <m:rPr>
-                            <m:nor/>
-                          </m:rPr>
-                          <a:rPr lang="en-US" sz="2200" b="0" i="0" smtClean="0">
-                            <a:latin typeface="Cambria Math" panose="02040503050406030204" pitchFamily="18" charset="0"/>
-                            <a:ea typeface="Cambria Math" panose="02040503050406030204" pitchFamily="18" charset="0"/>
-                          </a:rPr>
-                          <m:t>S</m:t>
-                        </m:r>
-                      </m:den>
-                    </m:f>
-                    <m:r>
-                      <a:rPr lang="en-US" sz="2200" b="0" i="1" smtClean="0">
-                        <a:latin typeface="Cambria Math" panose="02040503050406030204" pitchFamily="18" charset="0"/>
-                        <a:ea typeface="Cambria Math" panose="02040503050406030204" pitchFamily="18" charset="0"/>
-                      </a:rPr>
-                      <m:t>×</m:t>
-                    </m:r>
-                    <m:f>
-                      <m:fPr>
-                        <m:ctrlPr>
-                          <a:rPr lang="en-US" sz="2200" b="0" i="1" smtClean="0">
-                            <a:latin typeface="Cambria Math" panose="02040503050406030204" pitchFamily="18" charset="0"/>
-                            <a:ea typeface="Cambria Math" panose="02040503050406030204" pitchFamily="18" charset="0"/>
-                          </a:rPr>
-                        </m:ctrlPr>
-                      </m:fPr>
-                      <m:num>
-                        <m:r>
-                          <m:rPr>
-                            <m:nor/>
-                          </m:rPr>
-                          <a:rPr lang="en-US" sz="2200" b="0" i="0" smtClean="0">
-                            <a:latin typeface="Cambria Math" panose="02040503050406030204" pitchFamily="18" charset="0"/>
-                            <a:ea typeface="Cambria Math" panose="02040503050406030204" pitchFamily="18" charset="0"/>
-                          </a:rPr>
-                          <m:t>2 </m:t>
-                        </m:r>
-                        <m:r>
-                          <m:rPr>
-                            <m:nor/>
-                          </m:rPr>
-                          <a:rPr lang="en-US" sz="2200" b="0" i="0" smtClean="0">
-                            <a:latin typeface="Cambria Math" panose="02040503050406030204" pitchFamily="18" charset="0"/>
-                            <a:ea typeface="Cambria Math" panose="02040503050406030204" pitchFamily="18" charset="0"/>
-                          </a:rPr>
-                          <m:t>mol</m:t>
-                        </m:r>
-                        <m:r>
-                          <m:rPr>
-                            <m:nor/>
-                          </m:rPr>
-                          <a:rPr lang="en-US" sz="2200" b="0" i="0" smtClean="0">
-                            <a:latin typeface="Cambria Math" panose="02040503050406030204" pitchFamily="18" charset="0"/>
-                            <a:ea typeface="Cambria Math" panose="02040503050406030204" pitchFamily="18" charset="0"/>
-                          </a:rPr>
-                          <m:t> </m:t>
-                        </m:r>
-                        <m:r>
-                          <m:rPr>
-                            <m:nor/>
-                          </m:rPr>
-                          <a:rPr lang="en-US" sz="2200" b="0" i="0" smtClean="0">
-                            <a:latin typeface="Cambria Math" panose="02040503050406030204" pitchFamily="18" charset="0"/>
-                            <a:ea typeface="Cambria Math" panose="02040503050406030204" pitchFamily="18" charset="0"/>
-                          </a:rPr>
-                          <m:t>Cu</m:t>
-                        </m:r>
-                      </m:num>
-                      <m:den>
-                        <m:r>
-                          <m:rPr>
-                            <m:nor/>
-                          </m:rPr>
-                          <a:rPr lang="en-US" sz="2200" b="0" i="0" smtClean="0">
-                            <a:latin typeface="Cambria Math" panose="02040503050406030204" pitchFamily="18" charset="0"/>
-                            <a:ea typeface="Cambria Math" panose="02040503050406030204" pitchFamily="18" charset="0"/>
-                          </a:rPr>
-                          <m:t>1 </m:t>
-                        </m:r>
-                        <m:r>
-                          <m:rPr>
-                            <m:nor/>
-                          </m:rPr>
-                          <a:rPr lang="en-US" sz="2200" b="0" i="0" smtClean="0">
-                            <a:latin typeface="Cambria Math" panose="02040503050406030204" pitchFamily="18" charset="0"/>
-                            <a:ea typeface="Cambria Math" panose="02040503050406030204" pitchFamily="18" charset="0"/>
-                          </a:rPr>
-                          <m:t>mol</m:t>
-                        </m:r>
-                        <m:r>
-                          <m:rPr>
-                            <m:nor/>
-                          </m:rPr>
-                          <a:rPr lang="en-US" sz="2200" b="0" i="0" smtClean="0">
-                            <a:latin typeface="Cambria Math" panose="02040503050406030204" pitchFamily="18" charset="0"/>
-                            <a:ea typeface="Cambria Math" panose="02040503050406030204" pitchFamily="18" charset="0"/>
-                          </a:rPr>
-                          <m:t> </m:t>
-                        </m:r>
-                        <m:r>
-                          <m:rPr>
-                            <m:nor/>
-                          </m:rPr>
-                          <a:rPr lang="en-US" sz="2200" b="0" i="0" smtClean="0">
-                            <a:latin typeface="Cambria Math" panose="02040503050406030204" pitchFamily="18" charset="0"/>
-                            <a:ea typeface="Cambria Math" panose="02040503050406030204" pitchFamily="18" charset="0"/>
-                          </a:rPr>
-                          <m:t>S</m:t>
-                        </m:r>
-                      </m:den>
-                    </m:f>
-                    <m:r>
-                      <m:rPr>
-                        <m:nor/>
-                      </m:rPr>
-                      <a:rPr lang="en-US" sz="2200" b="0" i="0" smtClean="0">
-                        <a:latin typeface="Cambria Math" panose="02040503050406030204" pitchFamily="18" charset="0"/>
-                        <a:ea typeface="Cambria Math" panose="02040503050406030204" pitchFamily="18" charset="0"/>
-                      </a:rPr>
-                      <m:t>×</m:t>
-                    </m:r>
-                    <m:f>
-                      <m:fPr>
-                        <m:ctrlPr>
-                          <a:rPr lang="en-US" sz="2200" b="0" i="1" smtClean="0">
-                            <a:latin typeface="Cambria Math" panose="02040503050406030204" pitchFamily="18" charset="0"/>
-                            <a:ea typeface="Cambria Math" panose="02040503050406030204" pitchFamily="18" charset="0"/>
-                          </a:rPr>
-                        </m:ctrlPr>
-                      </m:fPr>
-                      <m:num>
-                        <m:r>
-                          <m:rPr>
-                            <m:nor/>
-                          </m:rPr>
-                          <a:rPr lang="en-US" sz="2200" b="0" i="0" smtClean="0">
-                            <a:latin typeface="Cambria Math" panose="02040503050406030204" pitchFamily="18" charset="0"/>
-                            <a:ea typeface="Cambria Math" panose="02040503050406030204" pitchFamily="18" charset="0"/>
-                          </a:rPr>
-                          <m:t>63.546 </m:t>
-                        </m:r>
-                        <m:r>
-                          <m:rPr>
-                            <m:nor/>
-                          </m:rPr>
-                          <a:rPr lang="en-US" sz="2200" b="0" i="0" smtClean="0">
-                            <a:latin typeface="Cambria Math" panose="02040503050406030204" pitchFamily="18" charset="0"/>
-                            <a:ea typeface="Cambria Math" panose="02040503050406030204" pitchFamily="18" charset="0"/>
-                          </a:rPr>
-                          <m:t>g</m:t>
-                        </m:r>
-                        <m:r>
-                          <m:rPr>
-                            <m:nor/>
-                          </m:rPr>
-                          <a:rPr lang="en-US" sz="2200" b="0" i="0" smtClean="0">
-                            <a:latin typeface="Cambria Math" panose="02040503050406030204" pitchFamily="18" charset="0"/>
-                            <a:ea typeface="Cambria Math" panose="02040503050406030204" pitchFamily="18" charset="0"/>
-                          </a:rPr>
-                          <m:t> </m:t>
-                        </m:r>
-                        <m:r>
-                          <m:rPr>
-                            <m:nor/>
-                          </m:rPr>
-                          <a:rPr lang="en-US" sz="2200" b="0" i="0" smtClean="0">
-                            <a:latin typeface="Cambria Math" panose="02040503050406030204" pitchFamily="18" charset="0"/>
-                            <a:ea typeface="Cambria Math" panose="02040503050406030204" pitchFamily="18" charset="0"/>
-                          </a:rPr>
-                          <m:t>Cu</m:t>
-                        </m:r>
-                      </m:num>
-                      <m:den>
-                        <m:r>
-                          <m:rPr>
-                            <m:nor/>
-                          </m:rPr>
-                          <a:rPr lang="en-US" sz="2200" b="0" i="0" smtClean="0">
-                            <a:latin typeface="Cambria Math" panose="02040503050406030204" pitchFamily="18" charset="0"/>
-                            <a:ea typeface="Cambria Math" panose="02040503050406030204" pitchFamily="18" charset="0"/>
-                          </a:rPr>
-                          <m:t>1 </m:t>
-                        </m:r>
-                        <m:r>
-                          <m:rPr>
-                            <m:nor/>
-                          </m:rPr>
-                          <a:rPr lang="en-US" sz="2200" b="0" i="0" smtClean="0">
-                            <a:latin typeface="Cambria Math" panose="02040503050406030204" pitchFamily="18" charset="0"/>
-                            <a:ea typeface="Cambria Math" panose="02040503050406030204" pitchFamily="18" charset="0"/>
-                          </a:rPr>
-                          <m:t>mol</m:t>
-                        </m:r>
-                        <m:r>
-                          <m:rPr>
-                            <m:nor/>
-                          </m:rPr>
-                          <a:rPr lang="en-US" sz="2200" b="0" i="0" smtClean="0">
-                            <a:latin typeface="Cambria Math" panose="02040503050406030204" pitchFamily="18" charset="0"/>
-                            <a:ea typeface="Cambria Math" panose="02040503050406030204" pitchFamily="18" charset="0"/>
-                          </a:rPr>
-                          <m:t> </m:t>
-                        </m:r>
-                        <m:r>
-                          <m:rPr>
-                            <m:nor/>
-                          </m:rPr>
-                          <a:rPr lang="en-US" sz="2200" b="0" i="0" smtClean="0">
-                            <a:latin typeface="Cambria Math" panose="02040503050406030204" pitchFamily="18" charset="0"/>
-                            <a:ea typeface="Cambria Math" panose="02040503050406030204" pitchFamily="18" charset="0"/>
-                          </a:rPr>
-                          <m:t>Cu</m:t>
-                        </m:r>
-                      </m:den>
-                    </m:f>
-                    <m:r>
-                      <m:rPr>
-                        <m:nor/>
-                      </m:rPr>
-                      <a:rPr lang="en-US" sz="2200" b="0" i="0" smtClean="0">
-                        <a:latin typeface="Cambria Math" panose="02040503050406030204" pitchFamily="18" charset="0"/>
-                        <a:ea typeface="Cambria Math" panose="02040503050406030204" pitchFamily="18" charset="0"/>
-                      </a:rPr>
-                      <m:t>=</m:t>
-                    </m:r>
-                    <m:r>
-                      <m:rPr>
-                        <m:nor/>
-                      </m:rPr>
-                      <a:rPr lang="en-US" sz="2200" b="0" i="0" smtClean="0">
-                        <a:latin typeface="Cambria Math" panose="02040503050406030204" pitchFamily="18" charset="0"/>
-                      </a:rPr>
-                      <m:t> 7.93 </m:t>
-                    </m:r>
-                    <m:r>
-                      <m:rPr>
-                        <m:nor/>
-                      </m:rPr>
-                      <a:rPr lang="en-US" sz="2200" b="0" i="0" smtClean="0">
-                        <a:latin typeface="Cambria Math" panose="02040503050406030204" pitchFamily="18" charset="0"/>
-                      </a:rPr>
-                      <m:t>g</m:t>
-                    </m:r>
-                    <m:r>
-                      <m:rPr>
-                        <m:nor/>
-                      </m:rPr>
-                      <a:rPr lang="en-US" sz="2200" b="0" i="0" smtClean="0">
-                        <a:latin typeface="Cambria Math" panose="02040503050406030204" pitchFamily="18" charset="0"/>
-                      </a:rPr>
-                      <m:t> </m:t>
-                    </m:r>
-                    <m:r>
-                      <m:rPr>
-                        <m:nor/>
-                      </m:rPr>
-                      <a:rPr lang="en-US" sz="2200" b="0" i="0" smtClean="0">
-                        <a:latin typeface="Cambria Math" panose="02040503050406030204" pitchFamily="18" charset="0"/>
-                      </a:rPr>
-                      <m:t>Cu</m:t>
-                    </m:r>
-                  </m:oMath>
-                </a14:m>
-                <a:endParaRPr lang="en-US" sz="2200" dirty="0"/>
-              </a:p>
-              <a:p>
-                <a:r>
-                  <a:rPr lang="en-US" sz="2200" dirty="0"/>
-                  <a:t>If you consider you can weigh out up to 4.00 g S, then you could consume as much as ~16 g Cu</a:t>
-                </a:r>
-              </a:p>
-            </p:txBody>
-          </p:sp>
-        </mc:Choice>
-        <mc:Fallback xmlns="">
-          <p:sp>
-            <p:nvSpPr>
-              <p:cNvPr id="3" name="Content Placeholder 2">
-                <a:extLst>
-                  <a:ext uri="{FF2B5EF4-FFF2-40B4-BE49-F238E27FC236}">
-                    <a16:creationId xmlns:a16="http://schemas.microsoft.com/office/drawing/2014/main" id="{10F096D7-7F9F-3A76-824B-79A56486284F}"/>
-                  </a:ext>
-                </a:extLst>
-              </p:cNvPr>
-              <p:cNvSpPr>
-                <a:spLocks noGrp="1" noRot="1" noChangeAspect="1" noMove="1" noResize="1" noEditPoints="1" noAdjustHandles="1" noChangeArrowheads="1" noChangeShapeType="1" noTextEdit="1"/>
-              </p:cNvSpPr>
-              <p:nvPr>
-                <p:ph idx="1"/>
-              </p:nvPr>
-            </p:nvSpPr>
-            <p:spPr>
-              <a:blipFill>
-                <a:blip r:embed="rId2"/>
-                <a:stretch>
-                  <a:fillRect l="-1090" t="-936"/>
-                </a:stretch>
-              </a:blipFill>
-            </p:spPr>
-            <p:txBody>
-              <a:bodyPr/>
-              <a:lstStyle/>
-              <a:p>
-                <a:r>
-                  <a:rPr lang="en-US">
-                    <a:noFill/>
-                  </a:rPr>
-                  <a:t> </a:t>
-                </a:r>
-              </a:p>
-            </p:txBody>
-          </p:sp>
-        </mc:Fallback>
-      </mc:AlternateContent>
-    </p:spTree>
-    <p:extLst>
-      <p:ext uri="{BB962C8B-B14F-4D97-AF65-F5344CB8AC3E}">
-        <p14:creationId xmlns:p14="http://schemas.microsoft.com/office/powerpoint/2010/main" val="1120309110"/>
-      </p:ext>
-    </p:extLst>
-  </p:cSld>
-  <p:clrMapOvr>
-    <a:masterClrMapping/>
-  </p:clrMapOvr>
-</p:sld>
-</file>
-
-<file path=ppt/slides/slide7.xml><?xml version="1.0" encoding="utf-8"?>
 <p:sld xmlns:a="http://schemas.openxmlformats.org/drawingml/2006/main" xmlns:r="http://schemas.openxmlformats.org/officeDocument/2006/relationships" xmlns:p="http://schemas.openxmlformats.org/presentationml/2006/main">
   <p:cSld>
     <p:spTree>
@@ -13282,31 +12810,6 @@
           <a:chExt cx="0" cy="0"/>
         </a:xfrm>
       </p:grpSpPr>
-      <p:sp>
-        <p:nvSpPr>
-          <p:cNvPr id="4" name="Content Placeholder 3">
-            <a:extLst>
-              <a:ext uri="{FF2B5EF4-FFF2-40B4-BE49-F238E27FC236}">
-                <a16:creationId xmlns:a16="http://schemas.microsoft.com/office/drawing/2014/main" id="{F319CB47-2ED6-F129-56DC-E0ADE3F3EDE5}"/>
-              </a:ext>
-            </a:extLst>
-          </p:cNvPr>
-          <p:cNvSpPr>
-            <a:spLocks noGrp="1"/>
-          </p:cNvSpPr>
-          <p:nvPr>
-            <p:ph idx="1"/>
-          </p:nvPr>
-        </p:nvSpPr>
-        <p:spPr/>
-        <p:txBody>
-          <a:bodyPr/>
-          <a:lstStyle/>
-          <a:p>
-            <a:endParaRPr lang="en-US" dirty="0"/>
-          </a:p>
-        </p:txBody>
-      </p:sp>
       <p:sp>
         <p:nvSpPr>
           <p:cNvPr id="2" name="Title 1">
@@ -13342,10 +12845,10 @@
       </p:sp>
       <p:pic>
         <p:nvPicPr>
-          <p:cNvPr id="28" name="Picture 27">
+          <p:cNvPr id="3" name="Picture 2">
             <a:extLst>
               <a:ext uri="{FF2B5EF4-FFF2-40B4-BE49-F238E27FC236}">
-                <a16:creationId xmlns:a16="http://schemas.microsoft.com/office/drawing/2014/main" id="{E3D37E1F-6623-386E-390F-27A95E1D5E63}"/>
+                <a16:creationId xmlns:a16="http://schemas.microsoft.com/office/drawing/2014/main" id="{FE4CFF28-6D07-8DDD-C351-BB6429E38803}"/>
               </a:ext>
             </a:extLst>
           </p:cNvPr>
@@ -13362,8 +12865,188 @@
         </p:blipFill>
         <p:spPr>
           <a:xfrm>
-            <a:off x="163688" y="1073405"/>
-            <a:ext cx="8805334" cy="5661611"/>
+            <a:off x="7140001" y="923925"/>
+            <a:ext cx="1801093" cy="2730229"/>
+          </a:xfrm>
+          <a:prstGeom prst="rect">
+            <a:avLst/>
+          </a:prstGeom>
+        </p:spPr>
+      </p:pic>
+      <p:pic>
+        <p:nvPicPr>
+          <p:cNvPr id="5" name="Picture 4">
+            <a:extLst>
+              <a:ext uri="{FF2B5EF4-FFF2-40B4-BE49-F238E27FC236}">
+                <a16:creationId xmlns:a16="http://schemas.microsoft.com/office/drawing/2014/main" id="{5B15F6F0-80E9-B0E5-1B4D-988B11100402}"/>
+              </a:ext>
+            </a:extLst>
+          </p:cNvPr>
+          <p:cNvPicPr>
+            <a:picLocks noChangeAspect="1"/>
+          </p:cNvPicPr>
+          <p:nvPr/>
+        </p:nvPicPr>
+        <p:blipFill>
+          <a:blip r:embed="rId3"/>
+          <a:stretch>
+            <a:fillRect/>
+          </a:stretch>
+        </p:blipFill>
+        <p:spPr>
+          <a:xfrm>
+            <a:off x="5774672" y="950906"/>
+            <a:ext cx="1366556" cy="2730229"/>
+          </a:xfrm>
+          <a:prstGeom prst="rect">
+            <a:avLst/>
+          </a:prstGeom>
+        </p:spPr>
+      </p:pic>
+      <p:pic>
+        <p:nvPicPr>
+          <p:cNvPr id="7" name="Picture 6">
+            <a:extLst>
+              <a:ext uri="{FF2B5EF4-FFF2-40B4-BE49-F238E27FC236}">
+                <a16:creationId xmlns:a16="http://schemas.microsoft.com/office/drawing/2014/main" id="{9F71E7FF-0480-4921-12D6-8DDFA651B65F}"/>
+              </a:ext>
+            </a:extLst>
+          </p:cNvPr>
+          <p:cNvPicPr>
+            <a:picLocks noChangeAspect="1"/>
+          </p:cNvPicPr>
+          <p:nvPr/>
+        </p:nvPicPr>
+        <p:blipFill>
+          <a:blip r:embed="rId4"/>
+          <a:stretch>
+            <a:fillRect/>
+          </a:stretch>
+        </p:blipFill>
+        <p:spPr>
+          <a:xfrm>
+            <a:off x="5899231" y="3870805"/>
+            <a:ext cx="3143250" cy="2378436"/>
+          </a:xfrm>
+          <a:prstGeom prst="rect">
+            <a:avLst/>
+          </a:prstGeom>
+        </p:spPr>
+      </p:pic>
+      <p:pic>
+        <p:nvPicPr>
+          <p:cNvPr id="9" name="Picture 8">
+            <a:extLst>
+              <a:ext uri="{FF2B5EF4-FFF2-40B4-BE49-F238E27FC236}">
+                <a16:creationId xmlns:a16="http://schemas.microsoft.com/office/drawing/2014/main" id="{639248C3-DF5D-E07C-6053-F54D30D9E921}"/>
+              </a:ext>
+            </a:extLst>
+          </p:cNvPr>
+          <p:cNvPicPr>
+            <a:picLocks noChangeAspect="1"/>
+          </p:cNvPicPr>
+          <p:nvPr/>
+        </p:nvPicPr>
+        <p:blipFill>
+          <a:blip r:embed="rId5"/>
+          <a:stretch>
+            <a:fillRect/>
+          </a:stretch>
+        </p:blipFill>
+        <p:spPr>
+          <a:xfrm>
+            <a:off x="338666" y="950906"/>
+            <a:ext cx="685166" cy="5619750"/>
+          </a:xfrm>
+          <a:prstGeom prst="rect">
+            <a:avLst/>
+          </a:prstGeom>
+        </p:spPr>
+      </p:pic>
+      <p:pic>
+        <p:nvPicPr>
+          <p:cNvPr id="11" name="Picture 10">
+            <a:extLst>
+              <a:ext uri="{FF2B5EF4-FFF2-40B4-BE49-F238E27FC236}">
+                <a16:creationId xmlns:a16="http://schemas.microsoft.com/office/drawing/2014/main" id="{FE144BA4-9B2A-B1A8-193D-AC5B651981AF}"/>
+              </a:ext>
+            </a:extLst>
+          </p:cNvPr>
+          <p:cNvPicPr>
+            <a:picLocks noChangeAspect="1"/>
+          </p:cNvPicPr>
+          <p:nvPr/>
+        </p:nvPicPr>
+        <p:blipFill>
+          <a:blip r:embed="rId6"/>
+          <a:stretch>
+            <a:fillRect/>
+          </a:stretch>
+        </p:blipFill>
+        <p:spPr>
+          <a:xfrm>
+            <a:off x="1193279" y="1350956"/>
+            <a:ext cx="2668639" cy="3501754"/>
+          </a:xfrm>
+          <a:prstGeom prst="rect">
+            <a:avLst/>
+          </a:prstGeom>
+        </p:spPr>
+      </p:pic>
+      <p:pic>
+        <p:nvPicPr>
+          <p:cNvPr id="13" name="Picture 12">
+            <a:extLst>
+              <a:ext uri="{FF2B5EF4-FFF2-40B4-BE49-F238E27FC236}">
+                <a16:creationId xmlns:a16="http://schemas.microsoft.com/office/drawing/2014/main" id="{7CA485D2-CB0A-E83E-F2DC-37F56128AACB}"/>
+              </a:ext>
+            </a:extLst>
+          </p:cNvPr>
+          <p:cNvPicPr>
+            <a:picLocks noChangeAspect="1"/>
+          </p:cNvPicPr>
+          <p:nvPr/>
+        </p:nvPicPr>
+        <p:blipFill>
+          <a:blip r:embed="rId7"/>
+          <a:stretch>
+            <a:fillRect/>
+          </a:stretch>
+        </p:blipFill>
+        <p:spPr>
+          <a:xfrm rot="16200000">
+            <a:off x="2343039" y="3651876"/>
+            <a:ext cx="830997" cy="3469411"/>
+          </a:xfrm>
+          <a:prstGeom prst="rect">
+            <a:avLst/>
+          </a:prstGeom>
+        </p:spPr>
+      </p:pic>
+      <p:pic>
+        <p:nvPicPr>
+          <p:cNvPr id="15" name="Picture 14">
+            <a:extLst>
+              <a:ext uri="{FF2B5EF4-FFF2-40B4-BE49-F238E27FC236}">
+                <a16:creationId xmlns:a16="http://schemas.microsoft.com/office/drawing/2014/main" id="{ED1E5A2D-BF34-34BB-F625-3C0902312E72}"/>
+              </a:ext>
+            </a:extLst>
+          </p:cNvPr>
+          <p:cNvPicPr>
+            <a:picLocks noChangeAspect="1"/>
+          </p:cNvPicPr>
+          <p:nvPr/>
+        </p:nvPicPr>
+        <p:blipFill>
+          <a:blip r:embed="rId8"/>
+          <a:stretch>
+            <a:fillRect/>
+          </a:stretch>
+        </p:blipFill>
+        <p:spPr>
+          <a:xfrm>
+            <a:off x="4031365" y="1061999"/>
+            <a:ext cx="1592129" cy="3765169"/>
           </a:xfrm>
           <a:prstGeom prst="rect">
             <a:avLst/>
@@ -13383,7 +13066,7 @@
 </p:sld>
 </file>
 
-<file path=ppt/slides/slide8.xml><?xml version="1.0" encoding="utf-8"?>
+<file path=ppt/slides/slide6.xml><?xml version="1.0" encoding="utf-8"?>
 <p:sld xmlns:a="http://schemas.openxmlformats.org/drawingml/2006/main" xmlns:r="http://schemas.openxmlformats.org/officeDocument/2006/relationships" xmlns:p="http://schemas.openxmlformats.org/presentationml/2006/main">
   <p:cSld>
     <p:spTree>
@@ -13492,7 +13175,7 @@
 </p:sld>
 </file>
 
-<file path=ppt/slides/slide9.xml><?xml version="1.0" encoding="utf-8"?>
+<file path=ppt/slides/slide7.xml><?xml version="1.0" encoding="utf-8"?>
 <p:sld xmlns:a="http://schemas.openxmlformats.org/drawingml/2006/main" xmlns:r="http://schemas.openxmlformats.org/officeDocument/2006/relationships" xmlns:p="http://schemas.openxmlformats.org/presentationml/2006/main">
   <p:cSld>
     <p:spTree>
@@ -13543,7 +13226,7 @@
           <a:p>
             <a:r>
               <a:rPr lang="en-US" sz="4400" dirty="0"/>
-              <a:t>Procedure</a:t>
+              <a:t>Procedure: Part 1</a:t>
             </a:r>
           </a:p>
         </p:txBody>
@@ -13574,26 +13257,13 @@
           <a:bodyPr/>
           <a:lstStyle/>
           <a:p>
-            <a:pPr marL="0" indent="0">
-              <a:buNone/>
-            </a:pPr>
-            <a:r>
-              <a:rPr lang="en-US" sz="2800" i="1" dirty="0">
-                <a:solidFill>
-                  <a:srgbClr val="00FF00"/>
-                </a:solidFill>
-              </a:rPr>
-              <a:t>Cleaning the Crucible</a:t>
-            </a:r>
-          </a:p>
-          <a:p>
             <a:pPr marL="457200" indent="-457200">
               <a:buFont typeface="+mj-lt"/>
               <a:buAutoNum type="arabicPeriod"/>
             </a:pPr>
             <a:r>
-              <a:rPr lang="en-US" sz="2800" dirty="0"/>
-              <a:t>If crucible dirty, use small steel wool piece to scrape out solids. Wipe with dry paper towel</a:t>
+              <a:rPr lang="en-US" dirty="0"/>
+              <a:t>Construct the calorimetry setup with the foam cups</a:t>
             </a:r>
           </a:p>
           <a:p>
@@ -13602,8 +13272,8 @@
               <a:buAutoNum type="arabicPeriod"/>
             </a:pPr>
             <a:r>
-              <a:rPr lang="en-US" sz="2800" dirty="0"/>
-              <a:t>Put crucible on stand and heat with blue-coned flame until slightly red hot</a:t>
+              <a:rPr lang="en-US" dirty="0"/>
+              <a:t>Measure the mass of the cups ONLY</a:t>
             </a:r>
           </a:p>
           <a:p>
@@ -13612,29 +13282,38 @@
               <a:buAutoNum type="arabicPeriod"/>
             </a:pPr>
             <a:r>
-              <a:rPr lang="en-US" sz="2800" dirty="0"/>
-              <a:t>Use tongs to set crucible on wire mesh and let cool to room temperature (~5 minutes)</a:t>
-            </a:r>
-          </a:p>
-          <a:p>
-            <a:pPr marL="0" indent="0">
-              <a:buNone/>
+              <a:rPr lang="en-US" dirty="0"/>
+              <a:t>Add 45.0 to 55.0 mL DI water to grad cylinder &amp; pour into cups</a:t>
+            </a:r>
+          </a:p>
+          <a:p>
+            <a:pPr marL="457200" indent="-457200">
+              <a:buFont typeface="+mj-lt"/>
+              <a:buAutoNum type="arabicPeriod"/>
             </a:pPr>
             <a:r>
-              <a:rPr lang="en-US" sz="2800" dirty="0"/>
-              <a:t>DO NOT SET ANY </a:t>
-            </a:r>
-            <a:r>
-              <a:rPr lang="en-US" sz="3200" b="1" dirty="0">
-                <a:solidFill>
-                  <a:srgbClr val="FF0066"/>
-                </a:solidFill>
-              </a:rPr>
-              <a:t>HOT</a:t>
-            </a:r>
-            <a:r>
-              <a:rPr lang="en-US" sz="2800" dirty="0"/>
-              <a:t> CRUCIBLE ON COUNTERTOP OR ON PAPER OR THEY CAN BURN!</a:t>
+              <a:rPr lang="en-US" dirty="0"/>
+              <a:t>Record temperature to nearest 0.1°C</a:t>
+            </a:r>
+          </a:p>
+          <a:p>
+            <a:pPr marL="457200" indent="-457200">
+              <a:buFont typeface="+mj-lt"/>
+              <a:buAutoNum type="arabicPeriod"/>
+            </a:pPr>
+            <a:r>
+              <a:rPr lang="en-US" dirty="0"/>
+              <a:t>On glassine paper, scoop out 4.8-5.2 g citric acid without causing excessive waste. Tighten the reagent lid after.</a:t>
+            </a:r>
+          </a:p>
+          <a:p>
+            <a:pPr marL="457200" indent="-457200">
+              <a:buFont typeface="+mj-lt"/>
+              <a:buAutoNum type="arabicPeriod"/>
+            </a:pPr>
+            <a:r>
+              <a:rPr lang="en-US" dirty="0"/>
+              <a:t>Add citric acid carefully but quickly to the calorimeter with water and place lid on setup;  VERY CAREFULLY with lid closed stir the solution until solid dissolves</a:t>
             </a:r>
           </a:p>
         </p:txBody>
@@ -13643,6 +13322,340 @@
     <p:extLst>
       <p:ext uri="{BB962C8B-B14F-4D97-AF65-F5344CB8AC3E}">
         <p14:creationId xmlns:p14="http://schemas.microsoft.com/office/powerpoint/2010/main" val="3952654810"/>
+      </p:ext>
+    </p:extLst>
+  </p:cSld>
+  <p:clrMapOvr>
+    <a:masterClrMapping/>
+  </p:clrMapOvr>
+</p:sld>
+</file>
+
+<file path=ppt/slides/slide8.xml><?xml version="1.0" encoding="utf-8"?>
+<p:sld xmlns:a="http://schemas.openxmlformats.org/drawingml/2006/main" xmlns:r="http://schemas.openxmlformats.org/officeDocument/2006/relationships" xmlns:p="http://schemas.openxmlformats.org/presentationml/2006/main">
+  <p:cSld>
+    <p:spTree>
+      <p:nvGrpSpPr>
+        <p:cNvPr id="1" name="">
+          <a:extLst>
+            <a:ext uri="{FF2B5EF4-FFF2-40B4-BE49-F238E27FC236}">
+              <a16:creationId xmlns:a16="http://schemas.microsoft.com/office/drawing/2014/main" id="{EEAE76F0-2D53-4300-A908-9F9463DED0BC}"/>
+            </a:ext>
+          </a:extLst>
+        </p:cNvPr>
+        <p:cNvGrpSpPr/>
+        <p:nvPr/>
+      </p:nvGrpSpPr>
+      <p:grpSpPr>
+        <a:xfrm>
+          <a:off x="0" y="0"/>
+          <a:ext cx="0" cy="0"/>
+          <a:chOff x="0" y="0"/>
+          <a:chExt cx="0" cy="0"/>
+        </a:xfrm>
+      </p:grpSpPr>
+      <p:sp>
+        <p:nvSpPr>
+          <p:cNvPr id="2" name="Title 1">
+            <a:extLst>
+              <a:ext uri="{FF2B5EF4-FFF2-40B4-BE49-F238E27FC236}">
+                <a16:creationId xmlns:a16="http://schemas.microsoft.com/office/drawing/2014/main" id="{DF9E01FF-C903-01E0-1A6D-89E351ADB9F6}"/>
+              </a:ext>
+            </a:extLst>
+          </p:cNvPr>
+          <p:cNvSpPr>
+            <a:spLocks noGrp="1"/>
+          </p:cNvSpPr>
+          <p:nvPr>
+            <p:ph type="title"/>
+          </p:nvPr>
+        </p:nvSpPr>
+        <p:spPr>
+          <a:xfrm>
+            <a:off x="338666" y="183025"/>
+            <a:ext cx="8421512" cy="769441"/>
+          </a:xfrm>
+        </p:spPr>
+        <p:txBody>
+          <a:bodyPr/>
+          <a:lstStyle/>
+          <a:p>
+            <a:r>
+              <a:rPr lang="en-US" sz="4400" dirty="0"/>
+              <a:t>Procedure: Part 1</a:t>
+            </a:r>
+          </a:p>
+        </p:txBody>
+      </p:sp>
+      <p:sp>
+        <p:nvSpPr>
+          <p:cNvPr id="6" name="Content Placeholder 5">
+            <a:extLst>
+              <a:ext uri="{FF2B5EF4-FFF2-40B4-BE49-F238E27FC236}">
+                <a16:creationId xmlns:a16="http://schemas.microsoft.com/office/drawing/2014/main" id="{8CDC39F1-11FE-9FF2-D37B-6CD0BA57B72E}"/>
+              </a:ext>
+            </a:extLst>
+          </p:cNvPr>
+          <p:cNvSpPr>
+            <a:spLocks noGrp="1"/>
+          </p:cNvSpPr>
+          <p:nvPr>
+            <p:ph idx="1"/>
+          </p:nvPr>
+        </p:nvSpPr>
+        <p:spPr>
+          <a:xfrm>
+            <a:off x="372533" y="952466"/>
+            <a:ext cx="8387645" cy="5595089"/>
+          </a:xfrm>
+        </p:spPr>
+        <p:txBody>
+          <a:bodyPr/>
+          <a:lstStyle/>
+          <a:p>
+            <a:pPr marL="457200" indent="-457200">
+              <a:buFont typeface="+mj-lt"/>
+              <a:buAutoNum type="arabicPeriod" startAt="7"/>
+            </a:pPr>
+            <a:r>
+              <a:rPr lang="en-US" sz="2200" dirty="0"/>
+              <a:t>Record temperature to nearest 0.1°C after it stabilizes (it might go up or down)</a:t>
+            </a:r>
+          </a:p>
+          <a:p>
+            <a:pPr marL="457200" indent="-457200">
+              <a:buFont typeface="+mj-lt"/>
+              <a:buAutoNum type="arabicPeriod" startAt="7"/>
+            </a:pPr>
+            <a:r>
+              <a:rPr lang="en-US" sz="2200" dirty="0"/>
+              <a:t>Remove the cardboard lid. Record the mass of the calorimeter setup: cups + solution</a:t>
+            </a:r>
+          </a:p>
+          <a:p>
+            <a:pPr marL="457200" indent="-457200">
+              <a:buFont typeface="+mj-lt"/>
+              <a:buAutoNum type="arabicPeriod" startAt="7"/>
+            </a:pPr>
+            <a:r>
+              <a:rPr lang="en-US" sz="2200" dirty="0"/>
+              <a:t>Empty the solution into a beaker (for waste) then rinse and dry the inner cup</a:t>
+            </a:r>
+          </a:p>
+          <a:p>
+            <a:pPr marL="457200" indent="-457200">
+              <a:buFont typeface="+mj-lt"/>
+              <a:buAutoNum type="arabicPeriod" startAt="7"/>
+            </a:pPr>
+            <a:r>
+              <a:rPr lang="en-US" sz="2200" dirty="0"/>
+              <a:t>Switch the inner cup with outer cup</a:t>
+            </a:r>
+          </a:p>
+          <a:p>
+            <a:pPr marL="457200" indent="-457200">
+              <a:buFont typeface="+mj-lt"/>
+              <a:buAutoNum type="arabicPeriod" startAt="7"/>
+            </a:pPr>
+            <a:r>
+              <a:rPr lang="en-US" sz="2200" dirty="0"/>
+              <a:t> Repeat steps 3-8 with sodium carbonate (Na</a:t>
+            </a:r>
+            <a:r>
+              <a:rPr lang="en-US" sz="2200" baseline="-25000" dirty="0"/>
+              <a:t>2</a:t>
+            </a:r>
+            <a:r>
+              <a:rPr lang="en-US" sz="2200" dirty="0"/>
+              <a:t>CO</a:t>
+            </a:r>
+            <a:r>
+              <a:rPr lang="en-US" sz="2200" baseline="-25000" dirty="0"/>
+              <a:t>3</a:t>
+            </a:r>
+            <a:r>
+              <a:rPr lang="en-US" sz="2200" dirty="0"/>
+              <a:t>)</a:t>
+            </a:r>
+          </a:p>
+          <a:p>
+            <a:pPr marL="457200" indent="-457200">
+              <a:buFont typeface="+mj-lt"/>
+              <a:buAutoNum type="arabicPeriod" startAt="7"/>
+            </a:pPr>
+            <a:r>
+              <a:rPr lang="en-US" sz="2200" dirty="0"/>
+              <a:t> Pour out the waste into the beaker, discard the solution into the sink</a:t>
+            </a:r>
+          </a:p>
+        </p:txBody>
+      </p:sp>
+    </p:spTree>
+    <p:extLst>
+      <p:ext uri="{BB962C8B-B14F-4D97-AF65-F5344CB8AC3E}">
+        <p14:creationId xmlns:p14="http://schemas.microsoft.com/office/powerpoint/2010/main" val="1316157153"/>
+      </p:ext>
+    </p:extLst>
+  </p:cSld>
+  <p:clrMapOvr>
+    <a:masterClrMapping/>
+  </p:clrMapOvr>
+</p:sld>
+</file>
+
+<file path=ppt/slides/slide9.xml><?xml version="1.0" encoding="utf-8"?>
+<p:sld xmlns:a="http://schemas.openxmlformats.org/drawingml/2006/main" xmlns:r="http://schemas.openxmlformats.org/officeDocument/2006/relationships" xmlns:p="http://schemas.openxmlformats.org/presentationml/2006/main">
+  <p:cSld>
+    <p:spTree>
+      <p:nvGrpSpPr>
+        <p:cNvPr id="1" name="">
+          <a:extLst>
+            <a:ext uri="{FF2B5EF4-FFF2-40B4-BE49-F238E27FC236}">
+              <a16:creationId xmlns:a16="http://schemas.microsoft.com/office/drawing/2014/main" id="{C71BA03F-EFDC-3D95-6C98-4A0C8B15D1EC}"/>
+            </a:ext>
+          </a:extLst>
+        </p:cNvPr>
+        <p:cNvGrpSpPr/>
+        <p:nvPr/>
+      </p:nvGrpSpPr>
+      <p:grpSpPr>
+        <a:xfrm>
+          <a:off x="0" y="0"/>
+          <a:ext cx="0" cy="0"/>
+          <a:chOff x="0" y="0"/>
+          <a:chExt cx="0" cy="0"/>
+        </a:xfrm>
+      </p:grpSpPr>
+      <p:sp>
+        <p:nvSpPr>
+          <p:cNvPr id="2" name="Title 1">
+            <a:extLst>
+              <a:ext uri="{FF2B5EF4-FFF2-40B4-BE49-F238E27FC236}">
+                <a16:creationId xmlns:a16="http://schemas.microsoft.com/office/drawing/2014/main" id="{455E63B8-D7E0-2891-E843-B928257EF0A1}"/>
+              </a:ext>
+            </a:extLst>
+          </p:cNvPr>
+          <p:cNvSpPr>
+            <a:spLocks noGrp="1"/>
+          </p:cNvSpPr>
+          <p:nvPr>
+            <p:ph type="title"/>
+          </p:nvPr>
+        </p:nvSpPr>
+        <p:spPr>
+          <a:xfrm>
+            <a:off x="338666" y="183025"/>
+            <a:ext cx="8421512" cy="769441"/>
+          </a:xfrm>
+        </p:spPr>
+        <p:txBody>
+          <a:bodyPr/>
+          <a:lstStyle/>
+          <a:p>
+            <a:r>
+              <a:rPr lang="en-US" sz="4400" dirty="0"/>
+              <a:t>Procedure: Part 2</a:t>
+            </a:r>
+          </a:p>
+        </p:txBody>
+      </p:sp>
+      <p:sp>
+        <p:nvSpPr>
+          <p:cNvPr id="6" name="Content Placeholder 5">
+            <a:extLst>
+              <a:ext uri="{FF2B5EF4-FFF2-40B4-BE49-F238E27FC236}">
+                <a16:creationId xmlns:a16="http://schemas.microsoft.com/office/drawing/2014/main" id="{67C753B7-BE6A-85CA-FE4B-027C6E20066B}"/>
+              </a:ext>
+            </a:extLst>
+          </p:cNvPr>
+          <p:cNvSpPr>
+            <a:spLocks noGrp="1"/>
+          </p:cNvSpPr>
+          <p:nvPr>
+            <p:ph idx="1"/>
+          </p:nvPr>
+        </p:nvSpPr>
+        <p:spPr>
+          <a:xfrm>
+            <a:off x="372533" y="952466"/>
+            <a:ext cx="8387645" cy="5595089"/>
+          </a:xfrm>
+        </p:spPr>
+        <p:txBody>
+          <a:bodyPr/>
+          <a:lstStyle/>
+          <a:p>
+            <a:pPr marL="457200" indent="-457200">
+              <a:buFont typeface="+mj-lt"/>
+              <a:buAutoNum type="arabicPeriod"/>
+            </a:pPr>
+            <a:r>
+              <a:rPr lang="en-US" dirty="0"/>
+              <a:t>Construct the calorimetry setup with the foam cups and add 45.0-55.0 mL DI water</a:t>
+            </a:r>
+          </a:p>
+          <a:p>
+            <a:pPr marL="457200" indent="-457200">
+              <a:buFont typeface="+mj-lt"/>
+              <a:buAutoNum type="arabicPeriod"/>
+            </a:pPr>
+            <a:r>
+              <a:rPr lang="en-US" dirty="0"/>
+              <a:t>Measure the mass of calorimeter with water without lid</a:t>
+            </a:r>
+          </a:p>
+          <a:p>
+            <a:pPr marL="457200" indent="-457200">
+              <a:buFont typeface="+mj-lt"/>
+              <a:buAutoNum type="arabicPeriod"/>
+            </a:pPr>
+            <a:r>
+              <a:rPr lang="en-US" dirty="0"/>
+              <a:t>Record temperature to nearest 0.1°C</a:t>
+            </a:r>
+          </a:p>
+          <a:p>
+            <a:pPr marL="457200" indent="-457200">
+              <a:buFont typeface="+mj-lt"/>
+              <a:buAutoNum type="arabicPeriod"/>
+            </a:pPr>
+            <a:r>
+              <a:rPr lang="en-US" dirty="0"/>
+              <a:t>Transfer 2-3 cubes ice to calorimeter</a:t>
+            </a:r>
+          </a:p>
+          <a:p>
+            <a:pPr marL="457200" indent="-457200">
+              <a:buFont typeface="+mj-lt"/>
+              <a:buAutoNum type="arabicPeriod"/>
+            </a:pPr>
+            <a:r>
+              <a:rPr lang="en-US" dirty="0"/>
+              <a:t>Place lid and stir carefully with thermometer until ice melts. Record the final temperature</a:t>
+            </a:r>
+          </a:p>
+          <a:p>
+            <a:pPr marL="457200" indent="-457200">
+              <a:buFont typeface="+mj-lt"/>
+              <a:buAutoNum type="arabicPeriod"/>
+            </a:pPr>
+            <a:r>
+              <a:rPr lang="en-US" dirty="0"/>
+              <a:t>Record mass of calorimeter with contents (not lid)</a:t>
+            </a:r>
+          </a:p>
+          <a:p>
+            <a:pPr marL="0" indent="0">
+              <a:buNone/>
+            </a:pPr>
+            <a:endParaRPr lang="en-US" dirty="0"/>
+          </a:p>
+        </p:txBody>
+      </p:sp>
+    </p:spTree>
+    <p:extLst>
+      <p:ext uri="{BB962C8B-B14F-4D97-AF65-F5344CB8AC3E}">
+        <p14:creationId xmlns:p14="http://schemas.microsoft.com/office/powerpoint/2010/main" val="1578610135"/>
       </p:ext>
     </p:extLst>
   </p:cSld>

--- a/Teaching/Chemistry/Labs/FCC Chem 3A Expt 7a Calorimetry.pptx
+++ b/Teaching/Chemistry/Labs/FCC Chem 3A Expt 7a Calorimetry.pptx
@@ -10793,7 +10793,7 @@
 </file>
 
 <file path=ppt/slides/slide11.xml><?xml version="1.0" encoding="utf-8"?>
-<p:sld xmlns:a="http://schemas.openxmlformats.org/drawingml/2006/main" xmlns:r="http://schemas.openxmlformats.org/officeDocument/2006/relationships" xmlns:p="http://schemas.openxmlformats.org/presentationml/2006/main">
+<p:sld xmlns:a="http://schemas.openxmlformats.org/drawingml/2006/main" xmlns:r="http://schemas.openxmlformats.org/officeDocument/2006/relationships" xmlns:p="http://schemas.openxmlformats.org/presentationml/2006/main" show="0">
   <p:cSld>
     <p:spTree>
       <p:nvGrpSpPr>
@@ -10985,7 +10985,7 @@
 </file>
 
 <file path=ppt/slides/slide12.xml><?xml version="1.0" encoding="utf-8"?>
-<p:sld xmlns:a="http://schemas.openxmlformats.org/drawingml/2006/main" xmlns:r="http://schemas.openxmlformats.org/officeDocument/2006/relationships" xmlns:p="http://schemas.openxmlformats.org/presentationml/2006/main">
+<p:sld xmlns:a="http://schemas.openxmlformats.org/drawingml/2006/main" xmlns:r="http://schemas.openxmlformats.org/officeDocument/2006/relationships" xmlns:p="http://schemas.openxmlformats.org/presentationml/2006/main" show="0">
   <p:cSld>
     <p:spTree>
       <p:nvGrpSpPr>
@@ -11816,8 +11816,8 @@
           </a:p>
         </p:txBody>
       </p:sp>
-      <mc:AlternateContent xmlns:mc="http://schemas.openxmlformats.org/markup-compatibility/2006">
-        <mc:Choice xmlns:a14="http://schemas.microsoft.com/office/drawing/2010/main" Requires="a14">
+      <mc:AlternateContent xmlns:mc="http://schemas.openxmlformats.org/markup-compatibility/2006" xmlns:a14="http://schemas.microsoft.com/office/drawing/2010/main">
+        <mc:Choice Requires="a14">
           <p:sp>
             <p:nvSpPr>
               <p:cNvPr id="3" name="Content Placeholder 2">
@@ -12106,7 +12106,7 @@
             </p:txBody>
           </p:sp>
         </mc:Choice>
-        <mc:Fallback>
+        <mc:Fallback xmlns="">
           <p:sp>
             <p:nvSpPr>
               <p:cNvPr id="3" name="Content Placeholder 2">
